--- a/results/per/ROSES flow diagram for systematic reviews-BIOFR-ASANCHE-2.pptx
+++ b/results/per/ROSES flow diagram for systematic reviews-BIOFR-ASANCHE-2.pptx
@@ -5,14 +5,13 @@
     <p:sldMasterId id="2147483659" r:id="rId1"/>
   </p:sldMasterIdLst>
   <p:notesMasterIdLst>
-    <p:notesMasterId r:id="rId7"/>
+    <p:notesMasterId r:id="rId6"/>
   </p:notesMasterIdLst>
   <p:sldIdLst>
     <p:sldId id="259" r:id="rId2"/>
-    <p:sldId id="263" r:id="rId3"/>
-    <p:sldId id="260" r:id="rId4"/>
-    <p:sldId id="261" r:id="rId5"/>
-    <p:sldId id="262" r:id="rId6"/>
+    <p:sldId id="260" r:id="rId3"/>
+    <p:sldId id="261" r:id="rId4"/>
+    <p:sldId id="262" r:id="rId5"/>
   </p:sldIdLst>
   <p:sldSz cx="15840075" cy="15840075"/>
   <p:notesSz cx="6858000" cy="9144000"/>
@@ -256,7 +255,7 @@
 <file path=ppt/revisionInfo.xml><?xml version="1.0" encoding="utf-8"?>
 <p1510:revInfo xmlns:a="http://schemas.openxmlformats.org/drawingml/2006/main" xmlns:r="http://schemas.openxmlformats.org/officeDocument/2006/relationships" xmlns:p1510="http://schemas.microsoft.com/office/powerpoint/2015/10/main">
   <p1510:revLst>
-    <p1510:client id="{302E25E7-9E9C-40A5-BD47-66B8F09CC707}" v="2" dt="2025-09-02T16:28:51.326"/>
+    <p1510:client id="{302E25E7-9E9C-40A5-BD47-66B8F09CC707}" v="22" dt="2025-09-11T13:53:17.067"/>
   </p1510:revLst>
 </p1510:revInfo>
 </file>
@@ -264,45 +263,836 @@
 <file path=ppt/changesInfos/changesInfo1.xml><?xml version="1.0" encoding="utf-8"?>
 <pc:chgInfo xmlns:a="http://schemas.openxmlformats.org/drawingml/2006/main" xmlns:r="http://schemas.openxmlformats.org/officeDocument/2006/relationships" xmlns:ac="http://schemas.microsoft.com/office/drawing/2013/main/command" xmlns:pc="http://schemas.microsoft.com/office/powerpoint/2013/main/command">
   <pc:docChgLst>
-    <pc:chgData name="Sanchez, Andrea Cecilia (Alliance Bioversity-CIAT)" userId="1c01d433-d123-45b5-bcb7-0c97fcfb82b9" providerId="ADAL" clId="{2B52F604-BA0D-47C1-A292-E2209BB3A38A}"/>
-    <pc:docChg chg="undo custSel addSld delSld modSld">
-      <pc:chgData name="Sanchez, Andrea Cecilia (Alliance Bioversity-CIAT)" userId="1c01d433-d123-45b5-bcb7-0c97fcfb82b9" providerId="ADAL" clId="{2B52F604-BA0D-47C1-A292-E2209BB3A38A}" dt="2025-05-27T13:40:11.806" v="6238" actId="20577"/>
+    <pc:chgData name="Sanchez, Andrea Cecilia (Alliance Bioversity-CIAT)" userId="1c01d433-d123-45b5-bcb7-0c97fcfb82b9" providerId="ADAL" clId="{7E6D7EA0-E91C-4B4D-90B9-52E5DAB34D7B}"/>
+    <pc:docChg chg="undo custSel addSld modSld">
+      <pc:chgData name="Sanchez, Andrea Cecilia (Alliance Bioversity-CIAT)" userId="1c01d433-d123-45b5-bcb7-0c97fcfb82b9" providerId="ADAL" clId="{7E6D7EA0-E91C-4B4D-90B9-52E5DAB34D7B}" dt="2025-08-14T10:01:55.105" v="2279" actId="552"/>
       <pc:docMkLst>
         <pc:docMk/>
       </pc:docMkLst>
-      <pc:sldChg chg="del">
-        <pc:chgData name="Sanchez, Andrea Cecilia (Alliance Bioversity-CIAT)" userId="1c01d433-d123-45b5-bcb7-0c97fcfb82b9" providerId="ADAL" clId="{2B52F604-BA0D-47C1-A292-E2209BB3A38A}" dt="2025-05-19T16:56:06.302" v="4327" actId="47"/>
+      <pc:sldChg chg="addSp delSp modSp mod">
+        <pc:chgData name="Sanchez, Andrea Cecilia (Alliance Bioversity-CIAT)" userId="1c01d433-d123-45b5-bcb7-0c97fcfb82b9" providerId="ADAL" clId="{7E6D7EA0-E91C-4B4D-90B9-52E5DAB34D7B}" dt="2025-08-14T10:01:55.105" v="2279" actId="552"/>
+        <pc:sldMkLst>
+          <pc:docMk/>
+          <pc:sldMk cId="1261558817" sldId="259"/>
+        </pc:sldMkLst>
+        <pc:spChg chg="add mod topLvl">
+          <ac:chgData name="Sanchez, Andrea Cecilia (Alliance Bioversity-CIAT)" userId="1c01d433-d123-45b5-bcb7-0c97fcfb82b9" providerId="ADAL" clId="{7E6D7EA0-E91C-4B4D-90B9-52E5DAB34D7B}" dt="2025-08-14T09:53:21.638" v="2195" actId="20577"/>
+          <ac:spMkLst>
+            <pc:docMk/>
+            <pc:sldMk cId="1261558817" sldId="259"/>
+            <ac:spMk id="47" creationId="{B7C70CE2-C9C3-B9FF-EF72-63AF9D46E9DA}"/>
+          </ac:spMkLst>
+        </pc:spChg>
+        <pc:spChg chg="mod topLvl">
+          <ac:chgData name="Sanchez, Andrea Cecilia (Alliance Bioversity-CIAT)" userId="1c01d433-d123-45b5-bcb7-0c97fcfb82b9" providerId="ADAL" clId="{7E6D7EA0-E91C-4B4D-90B9-52E5DAB34D7B}" dt="2025-08-14T10:01:55.105" v="2279" actId="552"/>
+          <ac:spMkLst>
+            <pc:docMk/>
+            <pc:sldMk cId="1261558817" sldId="259"/>
+            <ac:spMk id="55" creationId="{FA7AFCEE-26A5-65C6-4CFF-A2CCF8A5F17F}"/>
+          </ac:spMkLst>
+        </pc:spChg>
+        <pc:spChg chg="add mod topLvl">
+          <ac:chgData name="Sanchez, Andrea Cecilia (Alliance Bioversity-CIAT)" userId="1c01d433-d123-45b5-bcb7-0c97fcfb82b9" providerId="ADAL" clId="{7E6D7EA0-E91C-4B4D-90B9-52E5DAB34D7B}" dt="2025-08-14T09:59:30.662" v="2228" actId="20577"/>
+          <ac:spMkLst>
+            <pc:docMk/>
+            <pc:sldMk cId="1261558817" sldId="259"/>
+            <ac:spMk id="56" creationId="{E83798FA-473A-8663-3C75-D28E1B895955}"/>
+          </ac:spMkLst>
+        </pc:spChg>
+        <pc:spChg chg="add mod topLvl">
+          <ac:chgData name="Sanchez, Andrea Cecilia (Alliance Bioversity-CIAT)" userId="1c01d433-d123-45b5-bcb7-0c97fcfb82b9" providerId="ADAL" clId="{7E6D7EA0-E91C-4B4D-90B9-52E5DAB34D7B}" dt="2025-08-14T10:01:55.105" v="2279" actId="552"/>
+          <ac:spMkLst>
+            <pc:docMk/>
+            <pc:sldMk cId="1261558817" sldId="259"/>
+            <ac:spMk id="59" creationId="{856A44AC-D5FB-CB4D-7153-91D12D846EE9}"/>
+          </ac:spMkLst>
+        </pc:spChg>
+        <pc:spChg chg="mod topLvl">
+          <ac:chgData name="Sanchez, Andrea Cecilia (Alliance Bioversity-CIAT)" userId="1c01d433-d123-45b5-bcb7-0c97fcfb82b9" providerId="ADAL" clId="{7E6D7EA0-E91C-4B4D-90B9-52E5DAB34D7B}" dt="2025-08-12T13:43:35.779" v="1667" actId="20577"/>
+          <ac:spMkLst>
+            <pc:docMk/>
+            <pc:sldMk cId="1261558817" sldId="259"/>
+            <ac:spMk id="63" creationId="{8D2A74C7-0E4B-CAAA-3CDA-0161924A3F5A}"/>
+          </ac:spMkLst>
+        </pc:spChg>
+        <pc:spChg chg="mod topLvl">
+          <ac:chgData name="Sanchez, Andrea Cecilia (Alliance Bioversity-CIAT)" userId="1c01d433-d123-45b5-bcb7-0c97fcfb82b9" providerId="ADAL" clId="{7E6D7EA0-E91C-4B4D-90B9-52E5DAB34D7B}" dt="2025-08-12T13:49:08.243" v="1671" actId="20577"/>
+          <ac:spMkLst>
+            <pc:docMk/>
+            <pc:sldMk cId="1261558817" sldId="259"/>
+            <ac:spMk id="68" creationId="{633A735D-C39E-0AD0-D49D-F7953F6F3813}"/>
+          </ac:spMkLst>
+        </pc:spChg>
+        <pc:spChg chg="mod topLvl">
+          <ac:chgData name="Sanchez, Andrea Cecilia (Alliance Bioversity-CIAT)" userId="1c01d433-d123-45b5-bcb7-0c97fcfb82b9" providerId="ADAL" clId="{7E6D7EA0-E91C-4B4D-90B9-52E5DAB34D7B}" dt="2025-08-12T13:49:18.291" v="1673" actId="20577"/>
+          <ac:spMkLst>
+            <pc:docMk/>
+            <pc:sldMk cId="1261558817" sldId="259"/>
+            <ac:spMk id="70" creationId="{8A07D326-1650-F89D-F22F-E7B871C9E3C7}"/>
+          </ac:spMkLst>
+        </pc:spChg>
+        <pc:spChg chg="mod topLvl">
+          <ac:chgData name="Sanchez, Andrea Cecilia (Alliance Bioversity-CIAT)" userId="1c01d433-d123-45b5-bcb7-0c97fcfb82b9" providerId="ADAL" clId="{7E6D7EA0-E91C-4B4D-90B9-52E5DAB34D7B}" dt="2025-08-12T13:51:21.988" v="1774" actId="1035"/>
+          <ac:spMkLst>
+            <pc:docMk/>
+            <pc:sldMk cId="1261558817" sldId="259"/>
+            <ac:spMk id="109" creationId="{7EE7DB23-0E9F-4CEC-F184-D62D82C90499}"/>
+          </ac:spMkLst>
+        </pc:spChg>
+        <pc:spChg chg="mod topLvl">
+          <ac:chgData name="Sanchez, Andrea Cecilia (Alliance Bioversity-CIAT)" userId="1c01d433-d123-45b5-bcb7-0c97fcfb82b9" providerId="ADAL" clId="{7E6D7EA0-E91C-4B4D-90B9-52E5DAB34D7B}" dt="2025-08-12T14:00:20.170" v="1859" actId="14100"/>
+          <ac:spMkLst>
+            <pc:docMk/>
+            <pc:sldMk cId="1261558817" sldId="259"/>
+            <ac:spMk id="114" creationId="{3BFE2659-4FF9-4592-842C-000DDB84D352}"/>
+          </ac:spMkLst>
+        </pc:spChg>
+        <pc:spChg chg="mod topLvl">
+          <ac:chgData name="Sanchez, Andrea Cecilia (Alliance Bioversity-CIAT)" userId="1c01d433-d123-45b5-bcb7-0c97fcfb82b9" providerId="ADAL" clId="{7E6D7EA0-E91C-4B4D-90B9-52E5DAB34D7B}" dt="2025-08-12T13:56:28.019" v="1836" actId="20577"/>
+          <ac:spMkLst>
+            <pc:docMk/>
+            <pc:sldMk cId="1261558817" sldId="259"/>
+            <ac:spMk id="115" creationId="{F74FDC03-DC70-792B-D403-29C6326E6550}"/>
+          </ac:spMkLst>
+        </pc:spChg>
+        <pc:spChg chg="mod topLvl">
+          <ac:chgData name="Sanchez, Andrea Cecilia (Alliance Bioversity-CIAT)" userId="1c01d433-d123-45b5-bcb7-0c97fcfb82b9" providerId="ADAL" clId="{7E6D7EA0-E91C-4B4D-90B9-52E5DAB34D7B}" dt="2025-08-12T13:52:17.635" v="1814" actId="1036"/>
+          <ac:spMkLst>
+            <pc:docMk/>
+            <pc:sldMk cId="1261558817" sldId="259"/>
+            <ac:spMk id="119" creationId="{9A51D96A-9968-C85F-1EB9-067C1787EFD5}"/>
+          </ac:spMkLst>
+        </pc:spChg>
+        <pc:spChg chg="mod topLvl">
+          <ac:chgData name="Sanchez, Andrea Cecilia (Alliance Bioversity-CIAT)" userId="1c01d433-d123-45b5-bcb7-0c97fcfb82b9" providerId="ADAL" clId="{7E6D7EA0-E91C-4B4D-90B9-52E5DAB34D7B}" dt="2025-08-12T14:01:24.451" v="1869" actId="20577"/>
+          <ac:spMkLst>
+            <pc:docMk/>
+            <pc:sldMk cId="1261558817" sldId="259"/>
+            <ac:spMk id="134" creationId="{6E060B51-803E-CC45-4027-F73E1E64AC17}"/>
+          </ac:spMkLst>
+        </pc:spChg>
+        <pc:spChg chg="mod topLvl">
+          <ac:chgData name="Sanchez, Andrea Cecilia (Alliance Bioversity-CIAT)" userId="1c01d433-d123-45b5-bcb7-0c97fcfb82b9" providerId="ADAL" clId="{7E6D7EA0-E91C-4B4D-90B9-52E5DAB34D7B}" dt="2025-08-12T14:03:03.250" v="1892" actId="20577"/>
+          <ac:spMkLst>
+            <pc:docMk/>
+            <pc:sldMk cId="1261558817" sldId="259"/>
+            <ac:spMk id="135" creationId="{D6C74962-B90B-FA3C-8396-92915FEF107B}"/>
+          </ac:spMkLst>
+        </pc:spChg>
+        <pc:spChg chg="mod">
+          <ac:chgData name="Sanchez, Andrea Cecilia (Alliance Bioversity-CIAT)" userId="1c01d433-d123-45b5-bcb7-0c97fcfb82b9" providerId="ADAL" clId="{7E6D7EA0-E91C-4B4D-90B9-52E5DAB34D7B}" dt="2025-08-12T13:41:06.676" v="1651" actId="20577"/>
+          <ac:spMkLst>
+            <pc:docMk/>
+            <pc:sldMk cId="1261558817" sldId="259"/>
+            <ac:spMk id="219" creationId="{E583857D-9E4E-853E-7170-C14B8A488DF1}"/>
+          </ac:spMkLst>
+        </pc:spChg>
+        <pc:cxnChg chg="mod">
+          <ac:chgData name="Sanchez, Andrea Cecilia (Alliance Bioversity-CIAT)" userId="1c01d433-d123-45b5-bcb7-0c97fcfb82b9" providerId="ADAL" clId="{7E6D7EA0-E91C-4B4D-90B9-52E5DAB34D7B}" dt="2025-08-14T10:01:55.105" v="2279" actId="552"/>
+          <ac:cxnSpMkLst>
+            <pc:docMk/>
+            <pc:sldMk cId="1261558817" sldId="259"/>
+            <ac:cxnSpMk id="52" creationId="{F5CDA412-5B61-A331-7475-86E4C8972ABE}"/>
+          </ac:cxnSpMkLst>
+        </pc:cxnChg>
+        <pc:cxnChg chg="mod">
+          <ac:chgData name="Sanchez, Andrea Cecilia (Alliance Bioversity-CIAT)" userId="1c01d433-d123-45b5-bcb7-0c97fcfb82b9" providerId="ADAL" clId="{7E6D7EA0-E91C-4B4D-90B9-52E5DAB34D7B}" dt="2025-08-14T10:01:55.105" v="2279" actId="552"/>
+          <ac:cxnSpMkLst>
+            <pc:docMk/>
+            <pc:sldMk cId="1261558817" sldId="259"/>
+            <ac:cxnSpMk id="61" creationId="{E70EFE37-606F-830A-55F1-2058E1B65336}"/>
+          </ac:cxnSpMkLst>
+        </pc:cxnChg>
+        <pc:cxnChg chg="mod">
+          <ac:chgData name="Sanchez, Andrea Cecilia (Alliance Bioversity-CIAT)" userId="1c01d433-d123-45b5-bcb7-0c97fcfb82b9" providerId="ADAL" clId="{7E6D7EA0-E91C-4B4D-90B9-52E5DAB34D7B}" dt="2025-08-12T14:00:20.170" v="1859" actId="14100"/>
+          <ac:cxnSpMkLst>
+            <pc:docMk/>
+            <pc:sldMk cId="1261558817" sldId="259"/>
+            <ac:cxnSpMk id="113" creationId="{D6606865-F7FF-F261-000B-0FB730D95494}"/>
+          </ac:cxnSpMkLst>
+        </pc:cxnChg>
+        <pc:cxnChg chg="mod topLvl">
+          <ac:chgData name="Sanchez, Andrea Cecilia (Alliance Bioversity-CIAT)" userId="1c01d433-d123-45b5-bcb7-0c97fcfb82b9" providerId="ADAL" clId="{7E6D7EA0-E91C-4B4D-90B9-52E5DAB34D7B}" dt="2025-08-12T13:51:12.163" v="1747" actId="552"/>
+          <ac:cxnSpMkLst>
+            <pc:docMk/>
+            <pc:sldMk cId="1261558817" sldId="259"/>
+            <ac:cxnSpMk id="133" creationId="{8707D549-95EE-6754-D992-15266162685F}"/>
+          </ac:cxnSpMkLst>
+        </pc:cxnChg>
+        <pc:cxnChg chg="add mod">
+          <ac:chgData name="Sanchez, Andrea Cecilia (Alliance Bioversity-CIAT)" userId="1c01d433-d123-45b5-bcb7-0c97fcfb82b9" providerId="ADAL" clId="{7E6D7EA0-E91C-4B4D-90B9-52E5DAB34D7B}" dt="2025-08-12T13:51:21.988" v="1774" actId="1035"/>
+          <ac:cxnSpMkLst>
+            <pc:docMk/>
+            <pc:sldMk cId="1261558817" sldId="259"/>
+            <ac:cxnSpMk id="192" creationId="{7B9CFBDC-6440-462E-37E5-2A985C6DF3BD}"/>
+          </ac:cxnSpMkLst>
+        </pc:cxnChg>
+      </pc:sldChg>
+      <pc:sldChg chg="modSp mod">
+        <pc:chgData name="Sanchez, Andrea Cecilia (Alliance Bioversity-CIAT)" userId="1c01d433-d123-45b5-bcb7-0c97fcfb82b9" providerId="ADAL" clId="{7E6D7EA0-E91C-4B4D-90B9-52E5DAB34D7B}" dt="2025-08-01T11:53:25.921" v="191" actId="20577"/>
+        <pc:sldMkLst>
+          <pc:docMk/>
+          <pc:sldMk cId="2556178205" sldId="260"/>
+        </pc:sldMkLst>
+      </pc:sldChg>
+      <pc:sldChg chg="addSp delSp modSp mod">
+        <pc:chgData name="Sanchez, Andrea Cecilia (Alliance Bioversity-CIAT)" userId="1c01d433-d123-45b5-bcb7-0c97fcfb82b9" providerId="ADAL" clId="{7E6D7EA0-E91C-4B4D-90B9-52E5DAB34D7B}" dt="2025-08-07T13:36:52.340" v="1048" actId="164"/>
+        <pc:sldMkLst>
+          <pc:docMk/>
+          <pc:sldMk cId="1893782827" sldId="261"/>
+        </pc:sldMkLst>
+      </pc:sldChg>
+      <pc:sldChg chg="addSp modSp new mod">
+        <pc:chgData name="Sanchez, Andrea Cecilia (Alliance Bioversity-CIAT)" userId="1c01d433-d123-45b5-bcb7-0c97fcfb82b9" providerId="ADAL" clId="{7E6D7EA0-E91C-4B4D-90B9-52E5DAB34D7B}" dt="2025-08-13T16:47:14.682" v="2128" actId="20577"/>
+        <pc:sldMkLst>
+          <pc:docMk/>
+          <pc:sldMk cId="3515301981" sldId="262"/>
+        </pc:sldMkLst>
+        <pc:graphicFrameChg chg="add mod modGraphic">
+          <ac:chgData name="Sanchez, Andrea Cecilia (Alliance Bioversity-CIAT)" userId="1c01d433-d123-45b5-bcb7-0c97fcfb82b9" providerId="ADAL" clId="{7E6D7EA0-E91C-4B4D-90B9-52E5DAB34D7B}" dt="2025-08-13T16:47:14.682" v="2128" actId="20577"/>
+          <ac:graphicFrameMkLst>
+            <pc:docMk/>
+            <pc:sldMk cId="3515301981" sldId="262"/>
+            <ac:graphicFrameMk id="4" creationId="{324BB83C-3139-F53D-27BE-DE7DDE99FCE9}"/>
+          </ac:graphicFrameMkLst>
+        </pc:graphicFrameChg>
+      </pc:sldChg>
+    </pc:docChg>
+  </pc:docChgLst>
+  <pc:docChgLst>
+    <pc:chgData name="Sanchez, Andrea Cecilia (Alliance Bioversity-CIAT)" userId="1c01d433-d123-45b5-bcb7-0c97fcfb82b9" providerId="ADAL" clId="{919FD96E-D23E-4AB1-8E01-AB77082F8B67}"/>
+    <pc:docChg chg="undo custSel addSld modSld">
+      <pc:chgData name="Sanchez, Andrea Cecilia (Alliance Bioversity-CIAT)" userId="1c01d433-d123-45b5-bcb7-0c97fcfb82b9" providerId="ADAL" clId="{919FD96E-D23E-4AB1-8E01-AB77082F8B67}" dt="2024-11-29T17:25:54.897" v="1102" actId="14100"/>
+      <pc:docMkLst>
+        <pc:docMk/>
+      </pc:docMkLst>
+      <pc:sldChg chg="addSp delSp modSp mod">
+        <pc:chgData name="Sanchez, Andrea Cecilia (Alliance Bioversity-CIAT)" userId="1c01d433-d123-45b5-bcb7-0c97fcfb82b9" providerId="ADAL" clId="{919FD96E-D23E-4AB1-8E01-AB77082F8B67}" dt="2024-11-20T16:50:24.815" v="896" actId="20577"/>
         <pc:sldMkLst>
           <pc:docMk/>
           <pc:sldMk cId="2608338748" sldId="257"/>
         </pc:sldMkLst>
       </pc:sldChg>
-      <pc:sldChg chg="modSp del mod">
-        <pc:chgData name="Sanchez, Andrea Cecilia (Alliance Bioversity-CIAT)" userId="1c01d433-d123-45b5-bcb7-0c97fcfb82b9" providerId="ADAL" clId="{2B52F604-BA0D-47C1-A292-E2209BB3A38A}" dt="2025-05-19T16:56:04.746" v="4326" actId="47"/>
+      <pc:sldChg chg="delSp modSp add mod">
+        <pc:chgData name="Sanchez, Andrea Cecilia (Alliance Bioversity-CIAT)" userId="1c01d433-d123-45b5-bcb7-0c97fcfb82b9" providerId="ADAL" clId="{919FD96E-D23E-4AB1-8E01-AB77082F8B67}" dt="2024-11-29T17:25:54.897" v="1102" actId="14100"/>
         <pc:sldMkLst>
           <pc:docMk/>
           <pc:sldMk cId="2664020087" sldId="258"/>
         </pc:sldMkLst>
       </pc:sldChg>
-      <pc:sldChg chg="addSp delSp modSp add mod">
-        <pc:chgData name="Sanchez, Andrea Cecilia (Alliance Bioversity-CIAT)" userId="1c01d433-d123-45b5-bcb7-0c97fcfb82b9" providerId="ADAL" clId="{2B52F604-BA0D-47C1-A292-E2209BB3A38A}" dt="2025-05-27T13:25:54.455" v="5802" actId="478"/>
+    </pc:docChg>
+  </pc:docChgLst>
+  <pc:docChgLst>
+    <pc:chgData name="Sanchez, Andrea Cecilia (Alliance Bioversity-CIAT)" userId="1c01d433-d123-45b5-bcb7-0c97fcfb82b9" providerId="ADAL" clId="{A325AB1F-6288-42B8-9590-E40735262903}"/>
+    <pc:docChg chg="undo custSel delSld modSld">
+      <pc:chgData name="Sanchez, Andrea Cecilia (Alliance Bioversity-CIAT)" userId="1c01d433-d123-45b5-bcb7-0c97fcfb82b9" providerId="ADAL" clId="{A325AB1F-6288-42B8-9590-E40735262903}" dt="2025-09-11T14:01:35.933" v="2079" actId="47"/>
+      <pc:docMkLst>
+        <pc:docMk/>
+      </pc:docMkLst>
+      <pc:sldChg chg="addSp delSp modSp mod">
+        <pc:chgData name="Sanchez, Andrea Cecilia (Alliance Bioversity-CIAT)" userId="1c01d433-d123-45b5-bcb7-0c97fcfb82b9" providerId="ADAL" clId="{A325AB1F-6288-42B8-9590-E40735262903}" dt="2025-09-11T14:01:26.834" v="2078" actId="6549"/>
         <pc:sldMkLst>
           <pc:docMk/>
           <pc:sldMk cId="1261558817" sldId="259"/>
         </pc:sldMkLst>
+        <pc:spChg chg="del mod">
+          <ac:chgData name="Sanchez, Andrea Cecilia (Alliance Bioversity-CIAT)" userId="1c01d433-d123-45b5-bcb7-0c97fcfb82b9" providerId="ADAL" clId="{A325AB1F-6288-42B8-9590-E40735262903}" dt="2025-09-11T12:38:39.820" v="400" actId="478"/>
+          <ac:spMkLst>
+            <pc:docMk/>
+            <pc:sldMk cId="1261558817" sldId="259"/>
+            <ac:spMk id="2" creationId="{232BE84E-0F9B-682C-E452-4C79BFC95E6A}"/>
+          </ac:spMkLst>
+        </pc:spChg>
+        <pc:spChg chg="mod">
+          <ac:chgData name="Sanchez, Andrea Cecilia (Alliance Bioversity-CIAT)" userId="1c01d433-d123-45b5-bcb7-0c97fcfb82b9" providerId="ADAL" clId="{A325AB1F-6288-42B8-9590-E40735262903}" dt="2025-09-11T12:54:23.626" v="921" actId="1035"/>
+          <ac:spMkLst>
+            <pc:docMk/>
+            <pc:sldMk cId="1261558817" sldId="259"/>
+            <ac:spMk id="5" creationId="{C236466B-581A-1DDD-9CCB-591B238735AA}"/>
+          </ac:spMkLst>
+        </pc:spChg>
+        <pc:spChg chg="add mod">
+          <ac:chgData name="Sanchez, Andrea Cecilia (Alliance Bioversity-CIAT)" userId="1c01d433-d123-45b5-bcb7-0c97fcfb82b9" providerId="ADAL" clId="{A325AB1F-6288-42B8-9590-E40735262903}" dt="2025-09-11T12:35:21.961" v="273" actId="1038"/>
+          <ac:spMkLst>
+            <pc:docMk/>
+            <pc:sldMk cId="1261558817" sldId="259"/>
+            <ac:spMk id="15" creationId="{B047A05C-AB60-78C3-CC76-E2ADFA1FC546}"/>
+          </ac:spMkLst>
+        </pc:spChg>
+        <pc:spChg chg="mod">
+          <ac:chgData name="Sanchez, Andrea Cecilia (Alliance Bioversity-CIAT)" userId="1c01d433-d123-45b5-bcb7-0c97fcfb82b9" providerId="ADAL" clId="{A325AB1F-6288-42B8-9590-E40735262903}" dt="2025-09-11T12:39:20.794" v="443" actId="12788"/>
+          <ac:spMkLst>
+            <pc:docMk/>
+            <pc:sldMk cId="1261558817" sldId="259"/>
+            <ac:spMk id="23" creationId="{809B5C49-6699-AC11-1697-DDB1ADA47CF7}"/>
+          </ac:spMkLst>
+        </pc:spChg>
+        <pc:spChg chg="mod">
+          <ac:chgData name="Sanchez, Andrea Cecilia (Alliance Bioversity-CIAT)" userId="1c01d433-d123-45b5-bcb7-0c97fcfb82b9" providerId="ADAL" clId="{A325AB1F-6288-42B8-9590-E40735262903}" dt="2025-09-11T12:39:20.794" v="443" actId="12788"/>
+          <ac:spMkLst>
+            <pc:docMk/>
+            <pc:sldMk cId="1261558817" sldId="259"/>
+            <ac:spMk id="45" creationId="{3BA239DA-1F47-89A4-A390-A1889272B1CE}"/>
+          </ac:spMkLst>
+        </pc:spChg>
+        <pc:spChg chg="mod">
+          <ac:chgData name="Sanchez, Andrea Cecilia (Alliance Bioversity-CIAT)" userId="1c01d433-d123-45b5-bcb7-0c97fcfb82b9" providerId="ADAL" clId="{A325AB1F-6288-42B8-9590-E40735262903}" dt="2025-09-11T13:38:48.501" v="1861" actId="1035"/>
+          <ac:spMkLst>
+            <pc:docMk/>
+            <pc:sldMk cId="1261558817" sldId="259"/>
+            <ac:spMk id="47" creationId="{B7C70CE2-C9C3-B9FF-EF72-63AF9D46E9DA}"/>
+          </ac:spMkLst>
+        </pc:spChg>
+        <pc:spChg chg="mod">
+          <ac:chgData name="Sanchez, Andrea Cecilia (Alliance Bioversity-CIAT)" userId="1c01d433-d123-45b5-bcb7-0c97fcfb82b9" providerId="ADAL" clId="{A325AB1F-6288-42B8-9590-E40735262903}" dt="2025-09-11T13:39:30.104" v="1887" actId="20577"/>
+          <ac:spMkLst>
+            <pc:docMk/>
+            <pc:sldMk cId="1261558817" sldId="259"/>
+            <ac:spMk id="54" creationId="{86437C63-1DAE-7D94-49E3-F88A3E2678ED}"/>
+          </ac:spMkLst>
+        </pc:spChg>
+        <pc:spChg chg="mod">
+          <ac:chgData name="Sanchez, Andrea Cecilia (Alliance Bioversity-CIAT)" userId="1c01d433-d123-45b5-bcb7-0c97fcfb82b9" providerId="ADAL" clId="{A325AB1F-6288-42B8-9590-E40735262903}" dt="2025-09-11T13:38:48.501" v="1861" actId="1035"/>
+          <ac:spMkLst>
+            <pc:docMk/>
+            <pc:sldMk cId="1261558817" sldId="259"/>
+            <ac:spMk id="55" creationId="{FA7AFCEE-26A5-65C6-4CFF-A2CCF8A5F17F}"/>
+          </ac:spMkLst>
+        </pc:spChg>
+        <pc:spChg chg="mod">
+          <ac:chgData name="Sanchez, Andrea Cecilia (Alliance Bioversity-CIAT)" userId="1c01d433-d123-45b5-bcb7-0c97fcfb82b9" providerId="ADAL" clId="{A325AB1F-6288-42B8-9590-E40735262903}" dt="2025-09-11T13:38:48.501" v="1861" actId="1035"/>
+          <ac:spMkLst>
+            <pc:docMk/>
+            <pc:sldMk cId="1261558817" sldId="259"/>
+            <ac:spMk id="56" creationId="{E83798FA-473A-8663-3C75-D28E1B895955}"/>
+          </ac:spMkLst>
+        </pc:spChg>
+        <pc:spChg chg="mod">
+          <ac:chgData name="Sanchez, Andrea Cecilia (Alliance Bioversity-CIAT)" userId="1c01d433-d123-45b5-bcb7-0c97fcfb82b9" providerId="ADAL" clId="{A325AB1F-6288-42B8-9590-E40735262903}" dt="2025-09-11T13:38:48.501" v="1861" actId="1035"/>
+          <ac:spMkLst>
+            <pc:docMk/>
+            <pc:sldMk cId="1261558817" sldId="259"/>
+            <ac:spMk id="59" creationId="{856A44AC-D5FB-CB4D-7153-91D12D846EE9}"/>
+          </ac:spMkLst>
+        </pc:spChg>
+        <pc:spChg chg="mod">
+          <ac:chgData name="Sanchez, Andrea Cecilia (Alliance Bioversity-CIAT)" userId="1c01d433-d123-45b5-bcb7-0c97fcfb82b9" providerId="ADAL" clId="{A325AB1F-6288-42B8-9590-E40735262903}" dt="2025-09-11T13:38:48.501" v="1861" actId="1035"/>
+          <ac:spMkLst>
+            <pc:docMk/>
+            <pc:sldMk cId="1261558817" sldId="259"/>
+            <ac:spMk id="62" creationId="{D8C8E906-4AF4-8398-DD9C-602CB2F79891}"/>
+          </ac:spMkLst>
+        </pc:spChg>
+        <pc:spChg chg="mod">
+          <ac:chgData name="Sanchez, Andrea Cecilia (Alliance Bioversity-CIAT)" userId="1c01d433-d123-45b5-bcb7-0c97fcfb82b9" providerId="ADAL" clId="{A325AB1F-6288-42B8-9590-E40735262903}" dt="2025-09-11T13:38:48.501" v="1861" actId="1035"/>
+          <ac:spMkLst>
+            <pc:docMk/>
+            <pc:sldMk cId="1261558817" sldId="259"/>
+            <ac:spMk id="63" creationId="{8D2A74C7-0E4B-CAAA-3CDA-0161924A3F5A}"/>
+          </ac:spMkLst>
+        </pc:spChg>
+        <pc:spChg chg="mod">
+          <ac:chgData name="Sanchez, Andrea Cecilia (Alliance Bioversity-CIAT)" userId="1c01d433-d123-45b5-bcb7-0c97fcfb82b9" providerId="ADAL" clId="{A325AB1F-6288-42B8-9590-E40735262903}" dt="2025-09-11T13:38:48.501" v="1861" actId="1035"/>
+          <ac:spMkLst>
+            <pc:docMk/>
+            <pc:sldMk cId="1261558817" sldId="259"/>
+            <ac:spMk id="68" creationId="{633A735D-C39E-0AD0-D49D-F7953F6F3813}"/>
+          </ac:spMkLst>
+        </pc:spChg>
+        <pc:spChg chg="mod">
+          <ac:chgData name="Sanchez, Andrea Cecilia (Alliance Bioversity-CIAT)" userId="1c01d433-d123-45b5-bcb7-0c97fcfb82b9" providerId="ADAL" clId="{A325AB1F-6288-42B8-9590-E40735262903}" dt="2025-09-11T13:38:48.501" v="1861" actId="1035"/>
+          <ac:spMkLst>
+            <pc:docMk/>
+            <pc:sldMk cId="1261558817" sldId="259"/>
+            <ac:spMk id="70" creationId="{8A07D326-1650-F89D-F22F-E7B871C9E3C7}"/>
+          </ac:spMkLst>
+        </pc:spChg>
+        <pc:spChg chg="add mod">
+          <ac:chgData name="Sanchez, Andrea Cecilia (Alliance Bioversity-CIAT)" userId="1c01d433-d123-45b5-bcb7-0c97fcfb82b9" providerId="ADAL" clId="{A325AB1F-6288-42B8-9590-E40735262903}" dt="2025-09-11T13:41:30.698" v="1999" actId="554"/>
+          <ac:spMkLst>
+            <pc:docMk/>
+            <pc:sldMk cId="1261558817" sldId="259"/>
+            <ac:spMk id="84" creationId="{FD6C64EF-3A77-3DF7-95ED-118AF1689B46}"/>
+          </ac:spMkLst>
+        </pc:spChg>
+        <pc:spChg chg="del">
+          <ac:chgData name="Sanchez, Andrea Cecilia (Alliance Bioversity-CIAT)" userId="1c01d433-d123-45b5-bcb7-0c97fcfb82b9" providerId="ADAL" clId="{A325AB1F-6288-42B8-9590-E40735262903}" dt="2025-09-11T12:32:32.576" v="64" actId="478"/>
+          <ac:spMkLst>
+            <pc:docMk/>
+            <pc:sldMk cId="1261558817" sldId="259"/>
+            <ac:spMk id="88" creationId="{C96E6A25-EF0E-AE99-4CEF-2AB29090E907}"/>
+          </ac:spMkLst>
+        </pc:spChg>
+        <pc:spChg chg="del mod">
+          <ac:chgData name="Sanchez, Andrea Cecilia (Alliance Bioversity-CIAT)" userId="1c01d433-d123-45b5-bcb7-0c97fcfb82b9" providerId="ADAL" clId="{A325AB1F-6288-42B8-9590-E40735262903}" dt="2025-09-11T12:38:44.010" v="401" actId="478"/>
+          <ac:spMkLst>
+            <pc:docMk/>
+            <pc:sldMk cId="1261558817" sldId="259"/>
+            <ac:spMk id="90" creationId="{50B25253-BCC1-DFEC-C9AD-2756BDDBFA22}"/>
+          </ac:spMkLst>
+        </pc:spChg>
+        <pc:spChg chg="mod">
+          <ac:chgData name="Sanchez, Andrea Cecilia (Alliance Bioversity-CIAT)" userId="1c01d433-d123-45b5-bcb7-0c97fcfb82b9" providerId="ADAL" clId="{A325AB1F-6288-42B8-9590-E40735262903}" dt="2025-09-11T13:58:08.895" v="2074" actId="12788"/>
+          <ac:spMkLst>
+            <pc:docMk/>
+            <pc:sldMk cId="1261558817" sldId="259"/>
+            <ac:spMk id="91" creationId="{1E5A36F0-6B0C-A30A-11A8-90D6000A5A0B}"/>
+          </ac:spMkLst>
+        </pc:spChg>
+        <pc:spChg chg="mod">
+          <ac:chgData name="Sanchez, Andrea Cecilia (Alliance Bioversity-CIAT)" userId="1c01d433-d123-45b5-bcb7-0c97fcfb82b9" providerId="ADAL" clId="{A325AB1F-6288-42B8-9590-E40735262903}" dt="2025-09-11T13:58:08.895" v="2074" actId="12788"/>
+          <ac:spMkLst>
+            <pc:docMk/>
+            <pc:sldMk cId="1261558817" sldId="259"/>
+            <ac:spMk id="92" creationId="{1FDC0199-5F70-BB16-406B-441FED34D008}"/>
+          </ac:spMkLst>
+        </pc:spChg>
+        <pc:spChg chg="mod">
+          <ac:chgData name="Sanchez, Andrea Cecilia (Alliance Bioversity-CIAT)" userId="1c01d433-d123-45b5-bcb7-0c97fcfb82b9" providerId="ADAL" clId="{A325AB1F-6288-42B8-9590-E40735262903}" dt="2025-09-11T12:33:49.450" v="94" actId="20577"/>
+          <ac:spMkLst>
+            <pc:docMk/>
+            <pc:sldMk cId="1261558817" sldId="259"/>
+            <ac:spMk id="93" creationId="{C5C10BB6-E25E-09AA-E1AA-EFF10A4D0AC7}"/>
+          </ac:spMkLst>
+        </pc:spChg>
+        <pc:spChg chg="del mod">
+          <ac:chgData name="Sanchez, Andrea Cecilia (Alliance Bioversity-CIAT)" userId="1c01d433-d123-45b5-bcb7-0c97fcfb82b9" providerId="ADAL" clId="{A325AB1F-6288-42B8-9590-E40735262903}" dt="2025-09-11T12:33:22.068" v="70" actId="21"/>
+          <ac:spMkLst>
+            <pc:docMk/>
+            <pc:sldMk cId="1261558817" sldId="259"/>
+            <ac:spMk id="95" creationId="{B047A05C-AB60-78C3-CC76-E2ADFA1FC546}"/>
+          </ac:spMkLst>
+        </pc:spChg>
+        <pc:spChg chg="mod">
+          <ac:chgData name="Sanchez, Andrea Cecilia (Alliance Bioversity-CIAT)" userId="1c01d433-d123-45b5-bcb7-0c97fcfb82b9" providerId="ADAL" clId="{A325AB1F-6288-42B8-9590-E40735262903}" dt="2025-09-11T12:37:39.022" v="365" actId="20577"/>
+          <ac:spMkLst>
+            <pc:docMk/>
+            <pc:sldMk cId="1261558817" sldId="259"/>
+            <ac:spMk id="97" creationId="{936E15ED-E1BC-C783-FC1D-ECA59C3CF120}"/>
+          </ac:spMkLst>
+        </pc:spChg>
+        <pc:spChg chg="add del mod">
+          <ac:chgData name="Sanchez, Andrea Cecilia (Alliance Bioversity-CIAT)" userId="1c01d433-d123-45b5-bcb7-0c97fcfb82b9" providerId="ADAL" clId="{A325AB1F-6288-42B8-9590-E40735262903}" dt="2025-09-11T12:53:40.057" v="898" actId="1035"/>
+          <ac:spMkLst>
+            <pc:docMk/>
+            <pc:sldMk cId="1261558817" sldId="259"/>
+            <ac:spMk id="98" creationId="{AC90F5D6-E1CC-3D90-CDA0-DC70031588B9}"/>
+          </ac:spMkLst>
+        </pc:spChg>
+        <pc:spChg chg="mod">
+          <ac:chgData name="Sanchez, Andrea Cecilia (Alliance Bioversity-CIAT)" userId="1c01d433-d123-45b5-bcb7-0c97fcfb82b9" providerId="ADAL" clId="{A325AB1F-6288-42B8-9590-E40735262903}" dt="2025-09-11T12:53:40.057" v="898" actId="1035"/>
+          <ac:spMkLst>
+            <pc:docMk/>
+            <pc:sldMk cId="1261558817" sldId="259"/>
+            <ac:spMk id="100" creationId="{A4BB367E-10C8-07AA-2576-D344CE759461}"/>
+          </ac:spMkLst>
+        </pc:spChg>
+        <pc:spChg chg="del mod">
+          <ac:chgData name="Sanchez, Andrea Cecilia (Alliance Bioversity-CIAT)" userId="1c01d433-d123-45b5-bcb7-0c97fcfb82b9" providerId="ADAL" clId="{A325AB1F-6288-42B8-9590-E40735262903}" dt="2025-09-11T14:01:15.827" v="2076" actId="478"/>
+          <ac:spMkLst>
+            <pc:docMk/>
+            <pc:sldMk cId="1261558817" sldId="259"/>
+            <ac:spMk id="108" creationId="{83625CCF-BDFE-A50F-6ED0-CA7BFA1A1105}"/>
+          </ac:spMkLst>
+        </pc:spChg>
+        <pc:spChg chg="mod">
+          <ac:chgData name="Sanchez, Andrea Cecilia (Alliance Bioversity-CIAT)" userId="1c01d433-d123-45b5-bcb7-0c97fcfb82b9" providerId="ADAL" clId="{A325AB1F-6288-42B8-9590-E40735262903}" dt="2025-09-11T13:38:54.661" v="1876" actId="1035"/>
+          <ac:spMkLst>
+            <pc:docMk/>
+            <pc:sldMk cId="1261558817" sldId="259"/>
+            <ac:spMk id="109" creationId="{7EE7DB23-0E9F-4CEC-F184-D62D82C90499}"/>
+          </ac:spMkLst>
+        </pc:spChg>
+        <pc:spChg chg="del mod">
+          <ac:chgData name="Sanchez, Andrea Cecilia (Alliance Bioversity-CIAT)" userId="1c01d433-d123-45b5-bcb7-0c97fcfb82b9" providerId="ADAL" clId="{A325AB1F-6288-42B8-9590-E40735262903}" dt="2025-09-11T14:01:14.967" v="2075" actId="478"/>
+          <ac:spMkLst>
+            <pc:docMk/>
+            <pc:sldMk cId="1261558817" sldId="259"/>
+            <ac:spMk id="111" creationId="{E65D6EE0-6B7F-D0DF-85D4-D09423A4AA92}"/>
+          </ac:spMkLst>
+        </pc:spChg>
+        <pc:spChg chg="mod">
+          <ac:chgData name="Sanchez, Andrea Cecilia (Alliance Bioversity-CIAT)" userId="1c01d433-d123-45b5-bcb7-0c97fcfb82b9" providerId="ADAL" clId="{A325AB1F-6288-42B8-9590-E40735262903}" dt="2025-09-11T13:48:44.355" v="2003" actId="20577"/>
+          <ac:spMkLst>
+            <pc:docMk/>
+            <pc:sldMk cId="1261558817" sldId="259"/>
+            <ac:spMk id="114" creationId="{3BFE2659-4FF9-4592-842C-000DDB84D352}"/>
+          </ac:spMkLst>
+        </pc:spChg>
+        <pc:spChg chg="mod">
+          <ac:chgData name="Sanchez, Andrea Cecilia (Alliance Bioversity-CIAT)" userId="1c01d433-d123-45b5-bcb7-0c97fcfb82b9" providerId="ADAL" clId="{A325AB1F-6288-42B8-9590-E40735262903}" dt="2025-09-11T13:40:59.371" v="1978" actId="554"/>
+          <ac:spMkLst>
+            <pc:docMk/>
+            <pc:sldMk cId="1261558817" sldId="259"/>
+            <ac:spMk id="115" creationId="{F74FDC03-DC70-792B-D403-29C6326E6550}"/>
+          </ac:spMkLst>
+        </pc:spChg>
+        <pc:spChg chg="mod">
+          <ac:chgData name="Sanchez, Andrea Cecilia (Alliance Bioversity-CIAT)" userId="1c01d433-d123-45b5-bcb7-0c97fcfb82b9" providerId="ADAL" clId="{A325AB1F-6288-42B8-9590-E40735262903}" dt="2025-09-11T14:01:26.834" v="2078" actId="6549"/>
+          <ac:spMkLst>
+            <pc:docMk/>
+            <pc:sldMk cId="1261558817" sldId="259"/>
+            <ac:spMk id="118" creationId="{91650BCC-A113-C421-9B6A-40E6AF4FD0E5}"/>
+          </ac:spMkLst>
+        </pc:spChg>
+        <pc:spChg chg="mod">
+          <ac:chgData name="Sanchez, Andrea Cecilia (Alliance Bioversity-CIAT)" userId="1c01d433-d123-45b5-bcb7-0c97fcfb82b9" providerId="ADAL" clId="{A325AB1F-6288-42B8-9590-E40735262903}" dt="2025-09-11T13:56:15.290" v="2059" actId="1038"/>
+          <ac:spMkLst>
+            <pc:docMk/>
+            <pc:sldMk cId="1261558817" sldId="259"/>
+            <ac:spMk id="119" creationId="{9A51D96A-9968-C85F-1EB9-067C1787EFD5}"/>
+          </ac:spMkLst>
+        </pc:spChg>
+        <pc:spChg chg="mod">
+          <ac:chgData name="Sanchez, Andrea Cecilia (Alliance Bioversity-CIAT)" userId="1c01d433-d123-45b5-bcb7-0c97fcfb82b9" providerId="ADAL" clId="{A325AB1F-6288-42B8-9590-E40735262903}" dt="2025-09-11T13:52:59.128" v="2012" actId="20577"/>
+          <ac:spMkLst>
+            <pc:docMk/>
+            <pc:sldMk cId="1261558817" sldId="259"/>
+            <ac:spMk id="134" creationId="{6E060B51-803E-CC45-4027-F73E1E64AC17}"/>
+          </ac:spMkLst>
+        </pc:spChg>
+        <pc:spChg chg="mod">
+          <ac:chgData name="Sanchez, Andrea Cecilia (Alliance Bioversity-CIAT)" userId="1c01d433-d123-45b5-bcb7-0c97fcfb82b9" providerId="ADAL" clId="{A325AB1F-6288-42B8-9590-E40735262903}" dt="2025-09-11T13:53:39.098" v="2016" actId="20577"/>
+          <ac:spMkLst>
+            <pc:docMk/>
+            <pc:sldMk cId="1261558817" sldId="259"/>
+            <ac:spMk id="135" creationId="{D6C74962-B90B-FA3C-8396-92915FEF107B}"/>
+          </ac:spMkLst>
+        </pc:spChg>
+        <pc:spChg chg="mod topLvl">
+          <ac:chgData name="Sanchez, Andrea Cecilia (Alliance Bioversity-CIAT)" userId="1c01d433-d123-45b5-bcb7-0c97fcfb82b9" providerId="ADAL" clId="{A325AB1F-6288-42B8-9590-E40735262903}" dt="2025-09-11T12:54:16.357" v="907" actId="164"/>
+          <ac:spMkLst>
+            <pc:docMk/>
+            <pc:sldMk cId="1261558817" sldId="259"/>
+            <ac:spMk id="217" creationId="{4A78B076-5030-2507-5011-7B1FABDCFBE3}"/>
+          </ac:spMkLst>
+        </pc:spChg>
+        <pc:spChg chg="mod topLvl">
+          <ac:chgData name="Sanchez, Andrea Cecilia (Alliance Bioversity-CIAT)" userId="1c01d433-d123-45b5-bcb7-0c97fcfb82b9" providerId="ADAL" clId="{A325AB1F-6288-42B8-9590-E40735262903}" dt="2025-09-11T12:54:16.357" v="907" actId="164"/>
+          <ac:spMkLst>
+            <pc:docMk/>
+            <pc:sldMk cId="1261558817" sldId="259"/>
+            <ac:spMk id="218" creationId="{5C95B392-491A-E034-421E-CD6F499AFD17}"/>
+          </ac:spMkLst>
+        </pc:spChg>
+        <pc:spChg chg="mod">
+          <ac:chgData name="Sanchez, Andrea Cecilia (Alliance Bioversity-CIAT)" userId="1c01d433-d123-45b5-bcb7-0c97fcfb82b9" providerId="ADAL" clId="{A325AB1F-6288-42B8-9590-E40735262903}" dt="2025-09-11T13:33:51.508" v="1732" actId="20577"/>
+          <ac:spMkLst>
+            <pc:docMk/>
+            <pc:sldMk cId="1261558817" sldId="259"/>
+            <ac:spMk id="219" creationId="{E583857D-9E4E-853E-7170-C14B8A488DF1}"/>
+          </ac:spMkLst>
+        </pc:spChg>
+        <pc:grpChg chg="del mod">
+          <ac:chgData name="Sanchez, Andrea Cecilia (Alliance Bioversity-CIAT)" userId="1c01d433-d123-45b5-bcb7-0c97fcfb82b9" providerId="ADAL" clId="{A325AB1F-6288-42B8-9590-E40735262903}" dt="2025-09-11T12:53:59.164" v="902" actId="165"/>
+          <ac:grpSpMkLst>
+            <pc:docMk/>
+            <pc:sldMk cId="1261558817" sldId="259"/>
+            <ac:grpSpMk id="3" creationId="{FBD2B001-2935-04A8-501B-4CA0000FD71C}"/>
+          </ac:grpSpMkLst>
+        </pc:grpChg>
+        <pc:grpChg chg="mod">
+          <ac:chgData name="Sanchez, Andrea Cecilia (Alliance Bioversity-CIAT)" userId="1c01d433-d123-45b5-bcb7-0c97fcfb82b9" providerId="ADAL" clId="{A325AB1F-6288-42B8-9590-E40735262903}" dt="2025-09-11T13:58:08.895" v="2074" actId="12788"/>
+          <ac:grpSpMkLst>
+            <pc:docMk/>
+            <pc:sldMk cId="1261558817" sldId="259"/>
+            <ac:grpSpMk id="43" creationId="{7A7A2AB1-3192-3CB7-E2B5-7A6283B2E3FF}"/>
+          </ac:grpSpMkLst>
+        </pc:grpChg>
+        <pc:grpChg chg="add mod">
+          <ac:chgData name="Sanchez, Andrea Cecilia (Alliance Bioversity-CIAT)" userId="1c01d433-d123-45b5-bcb7-0c97fcfb82b9" providerId="ADAL" clId="{A325AB1F-6288-42B8-9590-E40735262903}" dt="2025-09-11T13:58:08.895" v="2074" actId="12788"/>
+          <ac:grpSpMkLst>
+            <pc:docMk/>
+            <pc:sldMk cId="1261558817" sldId="259"/>
+            <ac:grpSpMk id="78" creationId="{8DF93AD4-5959-8133-F8B8-420197536FBD}"/>
+          </ac:grpSpMkLst>
+        </pc:grpChg>
+        <pc:grpChg chg="mod">
+          <ac:chgData name="Sanchez, Andrea Cecilia (Alliance Bioversity-CIAT)" userId="1c01d433-d123-45b5-bcb7-0c97fcfb82b9" providerId="ADAL" clId="{A325AB1F-6288-42B8-9590-E40735262903}" dt="2025-09-11T13:58:08.895" v="2074" actId="12788"/>
+          <ac:grpSpMkLst>
+            <pc:docMk/>
+            <pc:sldMk cId="1261558817" sldId="259"/>
+            <ac:grpSpMk id="81" creationId="{36A855F8-64CA-17F5-2300-46E9C3802E92}"/>
+          </ac:grpSpMkLst>
+        </pc:grpChg>
+        <pc:grpChg chg="mod">
+          <ac:chgData name="Sanchez, Andrea Cecilia (Alliance Bioversity-CIAT)" userId="1c01d433-d123-45b5-bcb7-0c97fcfb82b9" providerId="ADAL" clId="{A325AB1F-6288-42B8-9590-E40735262903}" dt="2025-09-11T14:01:19.022" v="2077" actId="14100"/>
+          <ac:grpSpMkLst>
+            <pc:docMk/>
+            <pc:sldMk cId="1261558817" sldId="259"/>
+            <ac:grpSpMk id="196" creationId="{8C671E31-3B89-FDF3-67F5-C6BFE35AB65B}"/>
+          </ac:grpSpMkLst>
+        </pc:grpChg>
+        <pc:graphicFrameChg chg="add del mod modGraphic">
+          <ac:chgData name="Sanchez, Andrea Cecilia (Alliance Bioversity-CIAT)" userId="1c01d433-d123-45b5-bcb7-0c97fcfb82b9" providerId="ADAL" clId="{A325AB1F-6288-42B8-9590-E40735262903}" dt="2025-09-11T12:39:11.339" v="442" actId="478"/>
+          <ac:graphicFrameMkLst>
+            <pc:docMk/>
+            <pc:sldMk cId="1261558817" sldId="259"/>
+            <ac:graphicFrameMk id="13" creationId="{F0A58D10-53ED-47FD-BBF7-78D0E64F33FF}"/>
+          </ac:graphicFrameMkLst>
+        </pc:graphicFrameChg>
+        <pc:cxnChg chg="mod">
+          <ac:chgData name="Sanchez, Andrea Cecilia (Alliance Bioversity-CIAT)" userId="1c01d433-d123-45b5-bcb7-0c97fcfb82b9" providerId="ADAL" clId="{A325AB1F-6288-42B8-9590-E40735262903}" dt="2025-09-11T12:54:23.626" v="921" actId="1035"/>
+          <ac:cxnSpMkLst>
+            <pc:docMk/>
+            <pc:sldMk cId="1261558817" sldId="259"/>
+            <ac:cxnSpMk id="7" creationId="{DA3A3738-166F-51E4-55C0-406F4E836853}"/>
+          </ac:cxnSpMkLst>
+        </pc:cxnChg>
+        <pc:cxnChg chg="mod">
+          <ac:chgData name="Sanchez, Andrea Cecilia (Alliance Bioversity-CIAT)" userId="1c01d433-d123-45b5-bcb7-0c97fcfb82b9" providerId="ADAL" clId="{A325AB1F-6288-42B8-9590-E40735262903}" dt="2025-09-11T12:53:40.057" v="898" actId="1035"/>
+          <ac:cxnSpMkLst>
+            <pc:docMk/>
+            <pc:sldMk cId="1261558817" sldId="259"/>
+            <ac:cxnSpMk id="18" creationId="{E8B2E19F-5CD4-34D3-99D6-AE49AC1905D8}"/>
+          </ac:cxnSpMkLst>
+        </pc:cxnChg>
+        <pc:cxnChg chg="mod">
+          <ac:chgData name="Sanchez, Andrea Cecilia (Alliance Bioversity-CIAT)" userId="1c01d433-d123-45b5-bcb7-0c97fcfb82b9" providerId="ADAL" clId="{A325AB1F-6288-42B8-9590-E40735262903}" dt="2025-09-11T12:53:40.057" v="898" actId="1035"/>
+          <ac:cxnSpMkLst>
+            <pc:docMk/>
+            <pc:sldMk cId="1261558817" sldId="259"/>
+            <ac:cxnSpMk id="21" creationId="{EA53584A-7D14-F4A9-EACB-7B6DF4EDD158}"/>
+          </ac:cxnSpMkLst>
+        </pc:cxnChg>
+        <pc:cxnChg chg="add del">
+          <ac:chgData name="Sanchez, Andrea Cecilia (Alliance Bioversity-CIAT)" userId="1c01d433-d123-45b5-bcb7-0c97fcfb82b9" providerId="ADAL" clId="{A325AB1F-6288-42B8-9590-E40735262903}" dt="2025-09-11T12:36:49.933" v="341" actId="478"/>
+          <ac:cxnSpMkLst>
+            <pc:docMk/>
+            <pc:sldMk cId="1261558817" sldId="259"/>
+            <ac:cxnSpMk id="24" creationId="{056942CA-43D6-FA0C-72A0-45405232C27A}"/>
+          </ac:cxnSpMkLst>
+        </pc:cxnChg>
+        <pc:cxnChg chg="del mod">
+          <ac:chgData name="Sanchez, Andrea Cecilia (Alliance Bioversity-CIAT)" userId="1c01d433-d123-45b5-bcb7-0c97fcfb82b9" providerId="ADAL" clId="{A325AB1F-6288-42B8-9590-E40735262903}" dt="2025-09-11T12:35:34.713" v="275" actId="478"/>
+          <ac:cxnSpMkLst>
+            <pc:docMk/>
+            <pc:sldMk cId="1261558817" sldId="259"/>
+            <ac:cxnSpMk id="26" creationId="{515BFEC4-03BE-D107-CE83-EBC87DDA1F7E}"/>
+          </ac:cxnSpMkLst>
+        </pc:cxnChg>
+        <pc:cxnChg chg="add mod">
+          <ac:chgData name="Sanchez, Andrea Cecilia (Alliance Bioversity-CIAT)" userId="1c01d433-d123-45b5-bcb7-0c97fcfb82b9" providerId="ADAL" clId="{A325AB1F-6288-42B8-9590-E40735262903}" dt="2025-09-11T12:39:20.794" v="443" actId="12788"/>
+          <ac:cxnSpMkLst>
+            <pc:docMk/>
+            <pc:sldMk cId="1261558817" sldId="259"/>
+            <ac:cxnSpMk id="27" creationId="{0E1770DD-0E03-9E81-4F92-AA6ACE44AD81}"/>
+          </ac:cxnSpMkLst>
+        </pc:cxnChg>
+        <pc:cxnChg chg="add mod">
+          <ac:chgData name="Sanchez, Andrea Cecilia (Alliance Bioversity-CIAT)" userId="1c01d433-d123-45b5-bcb7-0c97fcfb82b9" providerId="ADAL" clId="{A325AB1F-6288-42B8-9590-E40735262903}" dt="2025-09-11T12:39:20.794" v="443" actId="12788"/>
+          <ac:cxnSpMkLst>
+            <pc:docMk/>
+            <pc:sldMk cId="1261558817" sldId="259"/>
+            <ac:cxnSpMk id="29" creationId="{21B72669-70DB-E425-A08C-FF89683BD182}"/>
+          </ac:cxnSpMkLst>
+        </pc:cxnChg>
+        <pc:cxnChg chg="del mod">
+          <ac:chgData name="Sanchez, Andrea Cecilia (Alliance Bioversity-CIAT)" userId="1c01d433-d123-45b5-bcb7-0c97fcfb82b9" providerId="ADAL" clId="{A325AB1F-6288-42B8-9590-E40735262903}" dt="2025-09-11T12:33:04.655" v="68" actId="478"/>
+          <ac:cxnSpMkLst>
+            <pc:docMk/>
+            <pc:sldMk cId="1261558817" sldId="259"/>
+            <ac:cxnSpMk id="30" creationId="{B509E643-4ACB-352D-402A-609F6F422DB2}"/>
+          </ac:cxnSpMkLst>
+        </pc:cxnChg>
+        <pc:cxnChg chg="add mod">
+          <ac:chgData name="Sanchez, Andrea Cecilia (Alliance Bioversity-CIAT)" userId="1c01d433-d123-45b5-bcb7-0c97fcfb82b9" providerId="ADAL" clId="{A325AB1F-6288-42B8-9590-E40735262903}" dt="2025-09-11T12:39:20.794" v="443" actId="12788"/>
+          <ac:cxnSpMkLst>
+            <pc:docMk/>
+            <pc:sldMk cId="1261558817" sldId="259"/>
+            <ac:cxnSpMk id="32" creationId="{C8C6E5EC-40E2-DA45-3C64-E5AA1CD390C8}"/>
+          </ac:cxnSpMkLst>
+        </pc:cxnChg>
+        <pc:cxnChg chg="add mod">
+          <ac:chgData name="Sanchez, Andrea Cecilia (Alliance Bioversity-CIAT)" userId="1c01d433-d123-45b5-bcb7-0c97fcfb82b9" providerId="ADAL" clId="{A325AB1F-6288-42B8-9590-E40735262903}" dt="2025-09-11T12:53:40.057" v="898" actId="1035"/>
+          <ac:cxnSpMkLst>
+            <pc:docMk/>
+            <pc:sldMk cId="1261558817" sldId="259"/>
+            <ac:cxnSpMk id="34" creationId="{4140F82A-7F7C-0684-5C9C-7A45CEADEA1B}"/>
+          </ac:cxnSpMkLst>
+        </pc:cxnChg>
+        <pc:cxnChg chg="del mod">
+          <ac:chgData name="Sanchez, Andrea Cecilia (Alliance Bioversity-CIAT)" userId="1c01d433-d123-45b5-bcb7-0c97fcfb82b9" providerId="ADAL" clId="{A325AB1F-6288-42B8-9590-E40735262903}" dt="2025-09-11T12:33:06.793" v="69" actId="478"/>
+          <ac:cxnSpMkLst>
+            <pc:docMk/>
+            <pc:sldMk cId="1261558817" sldId="259"/>
+            <ac:cxnSpMk id="36" creationId="{F2438A75-018A-8F1D-0DA8-184B859BF761}"/>
+          </ac:cxnSpMkLst>
+        </pc:cxnChg>
+        <pc:cxnChg chg="add mod">
+          <ac:chgData name="Sanchez, Andrea Cecilia (Alliance Bioversity-CIAT)" userId="1c01d433-d123-45b5-bcb7-0c97fcfb82b9" providerId="ADAL" clId="{A325AB1F-6288-42B8-9590-E40735262903}" dt="2025-09-11T12:54:23.626" v="921" actId="1035"/>
+          <ac:cxnSpMkLst>
+            <pc:docMk/>
+            <pc:sldMk cId="1261558817" sldId="259"/>
+            <ac:cxnSpMk id="39" creationId="{B00AB8E5-BBB0-71B9-D473-BAA288AB676F}"/>
+          </ac:cxnSpMkLst>
+        </pc:cxnChg>
+        <pc:cxnChg chg="del mod">
+          <ac:chgData name="Sanchez, Andrea Cecilia (Alliance Bioversity-CIAT)" userId="1c01d433-d123-45b5-bcb7-0c97fcfb82b9" providerId="ADAL" clId="{A325AB1F-6288-42B8-9590-E40735262903}" dt="2025-09-11T12:39:07.866" v="440" actId="478"/>
+          <ac:cxnSpMkLst>
+            <pc:docMk/>
+            <pc:sldMk cId="1261558817" sldId="259"/>
+            <ac:cxnSpMk id="41" creationId="{984C4D35-8C51-36C0-ADA9-6F1FA9B86448}"/>
+          </ac:cxnSpMkLst>
+        </pc:cxnChg>
+        <pc:cxnChg chg="mod">
+          <ac:chgData name="Sanchez, Andrea Cecilia (Alliance Bioversity-CIAT)" userId="1c01d433-d123-45b5-bcb7-0c97fcfb82b9" providerId="ADAL" clId="{A325AB1F-6288-42B8-9590-E40735262903}" dt="2025-09-11T13:38:18.524" v="1835" actId="14100"/>
+          <ac:cxnSpMkLst>
+            <pc:docMk/>
+            <pc:sldMk cId="1261558817" sldId="259"/>
+            <ac:cxnSpMk id="52" creationId="{F5CDA412-5B61-A331-7475-86E4C8972ABE}"/>
+          </ac:cxnSpMkLst>
+        </pc:cxnChg>
+        <pc:cxnChg chg="mod">
+          <ac:chgData name="Sanchez, Andrea Cecilia (Alliance Bioversity-CIAT)" userId="1c01d433-d123-45b5-bcb7-0c97fcfb82b9" providerId="ADAL" clId="{A325AB1F-6288-42B8-9590-E40735262903}" dt="2025-09-11T13:38:16.400" v="1834" actId="14100"/>
+          <ac:cxnSpMkLst>
+            <pc:docMk/>
+            <pc:sldMk cId="1261558817" sldId="259"/>
+            <ac:cxnSpMk id="61" creationId="{E70EFE37-606F-830A-55F1-2058E1B65336}"/>
+          </ac:cxnSpMkLst>
+        </pc:cxnChg>
+        <pc:cxnChg chg="mod">
+          <ac:chgData name="Sanchez, Andrea Cecilia (Alliance Bioversity-CIAT)" userId="1c01d433-d123-45b5-bcb7-0c97fcfb82b9" providerId="ADAL" clId="{A325AB1F-6288-42B8-9590-E40735262903}" dt="2025-09-11T13:38:48.501" v="1861" actId="1035"/>
+          <ac:cxnSpMkLst>
+            <pc:docMk/>
+            <pc:sldMk cId="1261558817" sldId="259"/>
+            <ac:cxnSpMk id="64" creationId="{B350BC97-62C0-3E06-8A29-BBF48A742CA1}"/>
+          </ac:cxnSpMkLst>
+        </pc:cxnChg>
+        <pc:cxnChg chg="mod">
+          <ac:chgData name="Sanchez, Andrea Cecilia (Alliance Bioversity-CIAT)" userId="1c01d433-d123-45b5-bcb7-0c97fcfb82b9" providerId="ADAL" clId="{A325AB1F-6288-42B8-9590-E40735262903}" dt="2025-09-11T12:43:44.458" v="637" actId="1036"/>
+          <ac:cxnSpMkLst>
+            <pc:docMk/>
+            <pc:sldMk cId="1261558817" sldId="259"/>
+            <ac:cxnSpMk id="65" creationId="{4E5CC4F0-9A6C-086A-AD1E-1F3A9AD6A51B}"/>
+          </ac:cxnSpMkLst>
+        </pc:cxnChg>
+        <pc:cxnChg chg="mod">
+          <ac:chgData name="Sanchez, Andrea Cecilia (Alliance Bioversity-CIAT)" userId="1c01d433-d123-45b5-bcb7-0c97fcfb82b9" providerId="ADAL" clId="{A325AB1F-6288-42B8-9590-E40735262903}" dt="2025-09-11T13:38:48.501" v="1861" actId="1035"/>
+          <ac:cxnSpMkLst>
+            <pc:docMk/>
+            <pc:sldMk cId="1261558817" sldId="259"/>
+            <ac:cxnSpMk id="69" creationId="{A7BDB296-3BC2-D322-2E44-FF26D5D0B814}"/>
+          </ac:cxnSpMkLst>
+        </pc:cxnChg>
+        <pc:cxnChg chg="mod">
+          <ac:chgData name="Sanchez, Andrea Cecilia (Alliance Bioversity-CIAT)" userId="1c01d433-d123-45b5-bcb7-0c97fcfb82b9" providerId="ADAL" clId="{A325AB1F-6288-42B8-9590-E40735262903}" dt="2025-09-11T13:38:08.214" v="1832" actId="1035"/>
+          <ac:cxnSpMkLst>
+            <pc:docMk/>
+            <pc:sldMk cId="1261558817" sldId="259"/>
+            <ac:cxnSpMk id="71" creationId="{31784A15-805E-A558-2CBF-CCAD5165DB4A}"/>
+          </ac:cxnSpMkLst>
+        </pc:cxnChg>
+        <pc:cxnChg chg="mod">
+          <ac:chgData name="Sanchez, Andrea Cecilia (Alliance Bioversity-CIAT)" userId="1c01d433-d123-45b5-bcb7-0c97fcfb82b9" providerId="ADAL" clId="{A325AB1F-6288-42B8-9590-E40735262903}" dt="2025-09-11T12:54:23.626" v="921" actId="1035"/>
+          <ac:cxnSpMkLst>
+            <pc:docMk/>
+            <pc:sldMk cId="1261558817" sldId="259"/>
+            <ac:cxnSpMk id="76" creationId="{DA874901-D95E-4587-2581-60A6B619C640}"/>
+          </ac:cxnSpMkLst>
+        </pc:cxnChg>
+        <pc:cxnChg chg="del mod">
+          <ac:chgData name="Sanchez, Andrea Cecilia (Alliance Bioversity-CIAT)" userId="1c01d433-d123-45b5-bcb7-0c97fcfb82b9" providerId="ADAL" clId="{A325AB1F-6288-42B8-9590-E40735262903}" dt="2025-09-11T12:32:33.721" v="65" actId="478"/>
+          <ac:cxnSpMkLst>
+            <pc:docMk/>
+            <pc:sldMk cId="1261558817" sldId="259"/>
+            <ac:cxnSpMk id="94" creationId="{F642A2D3-A69D-5080-D080-2D3B26505FFC}"/>
+          </ac:cxnSpMkLst>
+        </pc:cxnChg>
+        <pc:cxnChg chg="del mod">
+          <ac:chgData name="Sanchez, Andrea Cecilia (Alliance Bioversity-CIAT)" userId="1c01d433-d123-45b5-bcb7-0c97fcfb82b9" providerId="ADAL" clId="{A325AB1F-6288-42B8-9590-E40735262903}" dt="2025-09-11T12:51:38.599" v="809" actId="478"/>
+          <ac:cxnSpMkLst>
+            <pc:docMk/>
+            <pc:sldMk cId="1261558817" sldId="259"/>
+            <ac:cxnSpMk id="110" creationId="{B012A406-70C6-22CF-814A-99753EA99293}"/>
+          </ac:cxnSpMkLst>
+        </pc:cxnChg>
+        <pc:cxnChg chg="mod">
+          <ac:chgData name="Sanchez, Andrea Cecilia (Alliance Bioversity-CIAT)" userId="1c01d433-d123-45b5-bcb7-0c97fcfb82b9" providerId="ADAL" clId="{A325AB1F-6288-42B8-9590-E40735262903}" dt="2025-09-11T13:41:03.878" v="1988" actId="1035"/>
+          <ac:cxnSpMkLst>
+            <pc:docMk/>
+            <pc:sldMk cId="1261558817" sldId="259"/>
+            <ac:cxnSpMk id="113" creationId="{D6606865-F7FF-F261-000B-0FB730D95494}"/>
+          </ac:cxnSpMkLst>
+        </pc:cxnChg>
+        <pc:cxnChg chg="del">
+          <ac:chgData name="Sanchez, Andrea Cecilia (Alliance Bioversity-CIAT)" userId="1c01d433-d123-45b5-bcb7-0c97fcfb82b9" providerId="ADAL" clId="{A325AB1F-6288-42B8-9590-E40735262903}" dt="2025-09-11T12:39:08.985" v="441" actId="478"/>
+          <ac:cxnSpMkLst>
+            <pc:docMk/>
+            <pc:sldMk cId="1261558817" sldId="259"/>
+            <ac:cxnSpMk id="120" creationId="{D65A7819-B74C-5558-C082-59A5A3AF4C9D}"/>
+          </ac:cxnSpMkLst>
+        </pc:cxnChg>
+        <pc:cxnChg chg="del mod">
+          <ac:chgData name="Sanchez, Andrea Cecilia (Alliance Bioversity-CIAT)" userId="1c01d433-d123-45b5-bcb7-0c97fcfb82b9" providerId="ADAL" clId="{A325AB1F-6288-42B8-9590-E40735262903}" dt="2025-09-11T13:11:09.830" v="1593" actId="478"/>
+          <ac:cxnSpMkLst>
+            <pc:docMk/>
+            <pc:sldMk cId="1261558817" sldId="259"/>
+            <ac:cxnSpMk id="128" creationId="{8735B614-0589-A120-3867-CD1B34305C2F}"/>
+          </ac:cxnSpMkLst>
+        </pc:cxnChg>
+        <pc:cxnChg chg="del mod">
+          <ac:chgData name="Sanchez, Andrea Cecilia (Alliance Bioversity-CIAT)" userId="1c01d433-d123-45b5-bcb7-0c97fcfb82b9" providerId="ADAL" clId="{A325AB1F-6288-42B8-9590-E40735262903}" dt="2025-09-11T13:11:21.896" v="1596" actId="478"/>
+          <ac:cxnSpMkLst>
+            <pc:docMk/>
+            <pc:sldMk cId="1261558817" sldId="259"/>
+            <ac:cxnSpMk id="129" creationId="{9E20D027-13CA-626C-5A3A-F9DB409841DA}"/>
+          </ac:cxnSpMkLst>
+        </pc:cxnChg>
+        <pc:cxnChg chg="mod">
+          <ac:chgData name="Sanchez, Andrea Cecilia (Alliance Bioversity-CIAT)" userId="1c01d433-d123-45b5-bcb7-0c97fcfb82b9" providerId="ADAL" clId="{A325AB1F-6288-42B8-9590-E40735262903}" dt="2025-09-11T13:41:19.301" v="1997" actId="1035"/>
+          <ac:cxnSpMkLst>
+            <pc:docMk/>
+            <pc:sldMk cId="1261558817" sldId="259"/>
+            <ac:cxnSpMk id="133" creationId="{8707D549-95EE-6754-D992-15266162685F}"/>
+          </ac:cxnSpMkLst>
+        </pc:cxnChg>
+        <pc:cxnChg chg="add">
+          <ac:chgData name="Sanchez, Andrea Cecilia (Alliance Bioversity-CIAT)" userId="1c01d433-d123-45b5-bcb7-0c97fcfb82b9" providerId="ADAL" clId="{A325AB1F-6288-42B8-9590-E40735262903}" dt="2025-09-11T13:55:34.322" v="2017" actId="11529"/>
+          <ac:cxnSpMkLst>
+            <pc:docMk/>
+            <pc:sldMk cId="1261558817" sldId="259"/>
+            <ac:cxnSpMk id="174" creationId="{BD1DF4C1-6545-D470-225B-C0C800FEF9A5}"/>
+          </ac:cxnSpMkLst>
+        </pc:cxnChg>
+        <pc:cxnChg chg="add mod">
+          <ac:chgData name="Sanchez, Andrea Cecilia (Alliance Bioversity-CIAT)" userId="1c01d433-d123-45b5-bcb7-0c97fcfb82b9" providerId="ADAL" clId="{A325AB1F-6288-42B8-9590-E40735262903}" dt="2025-09-11T13:56:15.290" v="2059" actId="1038"/>
+          <ac:cxnSpMkLst>
+            <pc:docMk/>
+            <pc:sldMk cId="1261558817" sldId="259"/>
+            <ac:cxnSpMk id="176" creationId="{DEE7A45B-DD9C-6CDD-3B8E-DC10CC44BB5C}"/>
+          </ac:cxnSpMkLst>
+        </pc:cxnChg>
+        <pc:cxnChg chg="add mod">
+          <ac:chgData name="Sanchez, Andrea Cecilia (Alliance Bioversity-CIAT)" userId="1c01d433-d123-45b5-bcb7-0c97fcfb82b9" providerId="ADAL" clId="{A325AB1F-6288-42B8-9590-E40735262903}" dt="2025-09-11T13:56:15.290" v="2059" actId="1038"/>
+          <ac:cxnSpMkLst>
+            <pc:docMk/>
+            <pc:sldMk cId="1261558817" sldId="259"/>
+            <ac:cxnSpMk id="178" creationId="{8501B73F-E24D-E058-EF2F-7B9C8233271F}"/>
+          </ac:cxnSpMkLst>
+        </pc:cxnChg>
+        <pc:cxnChg chg="add mod">
+          <ac:chgData name="Sanchez, Andrea Cecilia (Alliance Bioversity-CIAT)" userId="1c01d433-d123-45b5-bcb7-0c97fcfb82b9" providerId="ADAL" clId="{A325AB1F-6288-42B8-9590-E40735262903}" dt="2025-09-11T13:56:15.290" v="2059" actId="1038"/>
+          <ac:cxnSpMkLst>
+            <pc:docMk/>
+            <pc:sldMk cId="1261558817" sldId="259"/>
+            <ac:cxnSpMk id="180" creationId="{684E4527-FD3F-F8CA-F748-6D154C7BDAE5}"/>
+          </ac:cxnSpMkLst>
+        </pc:cxnChg>
+        <pc:cxnChg chg="mod">
+          <ac:chgData name="Sanchez, Andrea Cecilia (Alliance Bioversity-CIAT)" userId="1c01d433-d123-45b5-bcb7-0c97fcfb82b9" providerId="ADAL" clId="{A325AB1F-6288-42B8-9590-E40735262903}" dt="2025-09-11T13:38:54.661" v="1876" actId="1035"/>
+          <ac:cxnSpMkLst>
+            <pc:docMk/>
+            <pc:sldMk cId="1261558817" sldId="259"/>
+            <ac:cxnSpMk id="192" creationId="{7B9CFBDC-6440-462E-37E5-2A985C6DF3BD}"/>
+          </ac:cxnSpMkLst>
+        </pc:cxnChg>
       </pc:sldChg>
-      <pc:sldChg chg="addSp delSp modSp add mod">
-        <pc:chgData name="Sanchez, Andrea Cecilia (Alliance Bioversity-CIAT)" userId="1c01d433-d123-45b5-bcb7-0c97fcfb82b9" providerId="ADAL" clId="{2B52F604-BA0D-47C1-A292-E2209BB3A38A}" dt="2025-05-27T13:19:32.558" v="5521" actId="20577"/>
+      <pc:sldChg chg="del">
+        <pc:chgData name="Sanchez, Andrea Cecilia (Alliance Bioversity-CIAT)" userId="1c01d433-d123-45b5-bcb7-0c97fcfb82b9" providerId="ADAL" clId="{A325AB1F-6288-42B8-9590-E40735262903}" dt="2025-09-11T14:01:35.933" v="2079" actId="47"/>
         <pc:sldMkLst>
           <pc:docMk/>
-          <pc:sldMk cId="2556178205" sldId="260"/>
-        </pc:sldMkLst>
-      </pc:sldChg>
-      <pc:sldChg chg="addSp delSp modSp add mod">
-        <pc:chgData name="Sanchez, Andrea Cecilia (Alliance Bioversity-CIAT)" userId="1c01d433-d123-45b5-bcb7-0c97fcfb82b9" providerId="ADAL" clId="{2B52F604-BA0D-47C1-A292-E2209BB3A38A}" dt="2025-05-27T13:40:11.806" v="6238" actId="20577"/>
-        <pc:sldMkLst>
-          <pc:docMk/>
-          <pc:sldMk cId="1893782827" sldId="261"/>
+          <pc:sldMk cId="3051111749" sldId="263"/>
         </pc:sldMkLst>
       </pc:sldChg>
     </pc:docChg>
@@ -392,22 +1182,6 @@
             <ac:spMk id="219" creationId="{E583857D-9E4E-853E-7170-C14B8A488DF1}"/>
           </ac:spMkLst>
         </pc:spChg>
-        <pc:grpChg chg="del">
-          <ac:chgData name="Sanchez, Andrea Cecilia (Alliance Bioversity-CIAT)" userId="1c01d433-d123-45b5-bcb7-0c97fcfb82b9" providerId="ADAL" clId="{302E25E7-9E9C-40A5-BD47-66B8F09CC707}" dt="2025-09-02T16:28:51.326" v="78" actId="165"/>
-          <ac:grpSpMkLst>
-            <pc:docMk/>
-            <pc:sldMk cId="1261558817" sldId="259"/>
-            <ac:grpSpMk id="215" creationId="{80CE8210-1D7F-3C16-0D60-978E199F7ED5}"/>
-          </ac:grpSpMkLst>
-        </pc:grpChg>
-        <pc:grpChg chg="del mod">
-          <ac:chgData name="Sanchez, Andrea Cecilia (Alliance Bioversity-CIAT)" userId="1c01d433-d123-45b5-bcb7-0c97fcfb82b9" providerId="ADAL" clId="{302E25E7-9E9C-40A5-BD47-66B8F09CC707}" dt="2025-09-02T16:21:24.457" v="3" actId="165"/>
-          <ac:grpSpMkLst>
-            <pc:docMk/>
-            <pc:sldMk cId="1261558817" sldId="259"/>
-            <ac:grpSpMk id="223" creationId="{A6135D70-CA17-991E-70F4-137CF33553D4}"/>
-          </ac:grpSpMkLst>
-        </pc:grpChg>
         <pc:cxnChg chg="mod">
           <ac:chgData name="Sanchez, Andrea Cecilia (Alliance Bioversity-CIAT)" userId="1c01d433-d123-45b5-bcb7-0c97fcfb82b9" providerId="ADAL" clId="{302E25E7-9E9C-40A5-BD47-66B8F09CC707}" dt="2025-09-02T16:21:13.725" v="0" actId="14100"/>
           <ac:cxnSpMkLst>
@@ -454,6 +1228,50 @@
         <pc:sldMkLst>
           <pc:docMk/>
           <pc:sldMk cId="3051111749" sldId="263"/>
+        </pc:sldMkLst>
+      </pc:sldChg>
+    </pc:docChg>
+  </pc:docChgLst>
+  <pc:docChgLst>
+    <pc:chgData name="Sanchez, Andrea Cecilia (Alliance Bioversity-CIAT)" userId="1c01d433-d123-45b5-bcb7-0c97fcfb82b9" providerId="ADAL" clId="{2B52F604-BA0D-47C1-A292-E2209BB3A38A}"/>
+    <pc:docChg chg="undo custSel addSld delSld modSld">
+      <pc:chgData name="Sanchez, Andrea Cecilia (Alliance Bioversity-CIAT)" userId="1c01d433-d123-45b5-bcb7-0c97fcfb82b9" providerId="ADAL" clId="{2B52F604-BA0D-47C1-A292-E2209BB3A38A}" dt="2025-05-27T13:40:11.806" v="6238" actId="20577"/>
+      <pc:docMkLst>
+        <pc:docMk/>
+      </pc:docMkLst>
+      <pc:sldChg chg="del">
+        <pc:chgData name="Sanchez, Andrea Cecilia (Alliance Bioversity-CIAT)" userId="1c01d433-d123-45b5-bcb7-0c97fcfb82b9" providerId="ADAL" clId="{2B52F604-BA0D-47C1-A292-E2209BB3A38A}" dt="2025-05-19T16:56:06.302" v="4327" actId="47"/>
+        <pc:sldMkLst>
+          <pc:docMk/>
+          <pc:sldMk cId="2608338748" sldId="257"/>
+        </pc:sldMkLst>
+      </pc:sldChg>
+      <pc:sldChg chg="modSp del mod">
+        <pc:chgData name="Sanchez, Andrea Cecilia (Alliance Bioversity-CIAT)" userId="1c01d433-d123-45b5-bcb7-0c97fcfb82b9" providerId="ADAL" clId="{2B52F604-BA0D-47C1-A292-E2209BB3A38A}" dt="2025-05-19T16:56:04.746" v="4326" actId="47"/>
+        <pc:sldMkLst>
+          <pc:docMk/>
+          <pc:sldMk cId="2664020087" sldId="258"/>
+        </pc:sldMkLst>
+      </pc:sldChg>
+      <pc:sldChg chg="addSp delSp modSp add mod">
+        <pc:chgData name="Sanchez, Andrea Cecilia (Alliance Bioversity-CIAT)" userId="1c01d433-d123-45b5-bcb7-0c97fcfb82b9" providerId="ADAL" clId="{2B52F604-BA0D-47C1-A292-E2209BB3A38A}" dt="2025-05-27T13:25:54.455" v="5802" actId="478"/>
+        <pc:sldMkLst>
+          <pc:docMk/>
+          <pc:sldMk cId="1261558817" sldId="259"/>
+        </pc:sldMkLst>
+      </pc:sldChg>
+      <pc:sldChg chg="addSp delSp modSp add mod">
+        <pc:chgData name="Sanchez, Andrea Cecilia (Alliance Bioversity-CIAT)" userId="1c01d433-d123-45b5-bcb7-0c97fcfb82b9" providerId="ADAL" clId="{2B52F604-BA0D-47C1-A292-E2209BB3A38A}" dt="2025-05-27T13:19:32.558" v="5521" actId="20577"/>
+        <pc:sldMkLst>
+          <pc:docMk/>
+          <pc:sldMk cId="2556178205" sldId="260"/>
+        </pc:sldMkLst>
+      </pc:sldChg>
+      <pc:sldChg chg="addSp delSp modSp add mod">
+        <pc:chgData name="Sanchez, Andrea Cecilia (Alliance Bioversity-CIAT)" userId="1c01d433-d123-45b5-bcb7-0c97fcfb82b9" providerId="ADAL" clId="{2B52F604-BA0D-47C1-A292-E2209BB3A38A}" dt="2025-05-27T13:40:11.806" v="6238" actId="20577"/>
+        <pc:sldMkLst>
+          <pc:docMk/>
+          <pc:sldMk cId="1893782827" sldId="261"/>
         </pc:sldMkLst>
       </pc:sldChg>
     </pc:docChg>
@@ -574,738 +1392,6 @@
           </pc:sldLayoutMkLst>
         </pc:sldLayoutChg>
       </pc:sldMasterChg>
-    </pc:docChg>
-  </pc:docChgLst>
-  <pc:docChgLst>
-    <pc:chgData name="Sanchez, Andrea Cecilia (Alliance Bioversity-CIAT)" userId="1c01d433-d123-45b5-bcb7-0c97fcfb82b9" providerId="ADAL" clId="{7E6D7EA0-E91C-4B4D-90B9-52E5DAB34D7B}"/>
-    <pc:docChg chg="undo custSel addSld modSld">
-      <pc:chgData name="Sanchez, Andrea Cecilia (Alliance Bioversity-CIAT)" userId="1c01d433-d123-45b5-bcb7-0c97fcfb82b9" providerId="ADAL" clId="{7E6D7EA0-E91C-4B4D-90B9-52E5DAB34D7B}" dt="2025-08-14T10:01:55.105" v="2279" actId="552"/>
-      <pc:docMkLst>
-        <pc:docMk/>
-      </pc:docMkLst>
-      <pc:sldChg chg="addSp delSp modSp mod">
-        <pc:chgData name="Sanchez, Andrea Cecilia (Alliance Bioversity-CIAT)" userId="1c01d433-d123-45b5-bcb7-0c97fcfb82b9" providerId="ADAL" clId="{7E6D7EA0-E91C-4B4D-90B9-52E5DAB34D7B}" dt="2025-08-14T10:01:55.105" v="2279" actId="552"/>
-        <pc:sldMkLst>
-          <pc:docMk/>
-          <pc:sldMk cId="1261558817" sldId="259"/>
-        </pc:sldMkLst>
-        <pc:spChg chg="mod">
-          <ac:chgData name="Sanchez, Andrea Cecilia (Alliance Bioversity-CIAT)" userId="1c01d433-d123-45b5-bcb7-0c97fcfb82b9" providerId="ADAL" clId="{7E6D7EA0-E91C-4B4D-90B9-52E5DAB34D7B}" dt="2025-08-07T13:48:34.438" v="1495" actId="1035"/>
-          <ac:spMkLst>
-            <pc:docMk/>
-            <pc:sldMk cId="1261558817" sldId="259"/>
-            <ac:spMk id="2" creationId="{232BE84E-0F9B-682C-E452-4C79BFC95E6A}"/>
-          </ac:spMkLst>
-        </pc:spChg>
-        <pc:spChg chg="add mod">
-          <ac:chgData name="Sanchez, Andrea Cecilia (Alliance Bioversity-CIAT)" userId="1c01d433-d123-45b5-bcb7-0c97fcfb82b9" providerId="ADAL" clId="{7E6D7EA0-E91C-4B4D-90B9-52E5DAB34D7B}" dt="2025-08-07T13:50:57.240" v="1565" actId="1035"/>
-          <ac:spMkLst>
-            <pc:docMk/>
-            <pc:sldMk cId="1261558817" sldId="259"/>
-            <ac:spMk id="5" creationId="{C236466B-581A-1DDD-9CCB-591B238735AA}"/>
-          </ac:spMkLst>
-        </pc:spChg>
-        <pc:spChg chg="mod">
-          <ac:chgData name="Sanchez, Andrea Cecilia (Alliance Bioversity-CIAT)" userId="1c01d433-d123-45b5-bcb7-0c97fcfb82b9" providerId="ADAL" clId="{7E6D7EA0-E91C-4B4D-90B9-52E5DAB34D7B}" dt="2025-08-07T13:50:17.133" v="1536" actId="14100"/>
-          <ac:spMkLst>
-            <pc:docMk/>
-            <pc:sldMk cId="1261558817" sldId="259"/>
-            <ac:spMk id="23" creationId="{809B5C49-6699-AC11-1697-DDB1ADA47CF7}"/>
-          </ac:spMkLst>
-        </pc:spChg>
-        <pc:spChg chg="mod">
-          <ac:chgData name="Sanchez, Andrea Cecilia (Alliance Bioversity-CIAT)" userId="1c01d433-d123-45b5-bcb7-0c97fcfb82b9" providerId="ADAL" clId="{7E6D7EA0-E91C-4B4D-90B9-52E5DAB34D7B}" dt="2025-08-07T13:30:14.603" v="757" actId="1076"/>
-          <ac:spMkLst>
-            <pc:docMk/>
-            <pc:sldMk cId="1261558817" sldId="259"/>
-            <ac:spMk id="45" creationId="{3BA239DA-1F47-89A4-A390-A1889272B1CE}"/>
-          </ac:spMkLst>
-        </pc:spChg>
-        <pc:spChg chg="add mod topLvl">
-          <ac:chgData name="Sanchez, Andrea Cecilia (Alliance Bioversity-CIAT)" userId="1c01d433-d123-45b5-bcb7-0c97fcfb82b9" providerId="ADAL" clId="{7E6D7EA0-E91C-4B4D-90B9-52E5DAB34D7B}" dt="2025-08-14T09:53:21.638" v="2195" actId="20577"/>
-          <ac:spMkLst>
-            <pc:docMk/>
-            <pc:sldMk cId="1261558817" sldId="259"/>
-            <ac:spMk id="47" creationId="{B7C70CE2-C9C3-B9FF-EF72-63AF9D46E9DA}"/>
-          </ac:spMkLst>
-        </pc:spChg>
-        <pc:spChg chg="add mod topLvl">
-          <ac:chgData name="Sanchez, Andrea Cecilia (Alliance Bioversity-CIAT)" userId="1c01d433-d123-45b5-bcb7-0c97fcfb82b9" providerId="ADAL" clId="{7E6D7EA0-E91C-4B4D-90B9-52E5DAB34D7B}" dt="2025-08-07T13:33:30.842" v="908" actId="164"/>
-          <ac:spMkLst>
-            <pc:docMk/>
-            <pc:sldMk cId="1261558817" sldId="259"/>
-            <ac:spMk id="53" creationId="{5417E06A-F4EB-4177-C745-B32C6B099EB4}"/>
-          </ac:spMkLst>
-        </pc:spChg>
-        <pc:spChg chg="mod">
-          <ac:chgData name="Sanchez, Andrea Cecilia (Alliance Bioversity-CIAT)" userId="1c01d433-d123-45b5-bcb7-0c97fcfb82b9" providerId="ADAL" clId="{7E6D7EA0-E91C-4B4D-90B9-52E5DAB34D7B}" dt="2025-08-07T13:33:30.842" v="908" actId="164"/>
-          <ac:spMkLst>
-            <pc:docMk/>
-            <pc:sldMk cId="1261558817" sldId="259"/>
-            <ac:spMk id="54" creationId="{86437C63-1DAE-7D94-49E3-F88A3E2678ED}"/>
-          </ac:spMkLst>
-        </pc:spChg>
-        <pc:spChg chg="mod topLvl">
-          <ac:chgData name="Sanchez, Andrea Cecilia (Alliance Bioversity-CIAT)" userId="1c01d433-d123-45b5-bcb7-0c97fcfb82b9" providerId="ADAL" clId="{7E6D7EA0-E91C-4B4D-90B9-52E5DAB34D7B}" dt="2025-08-14T10:01:55.105" v="2279" actId="552"/>
-          <ac:spMkLst>
-            <pc:docMk/>
-            <pc:sldMk cId="1261558817" sldId="259"/>
-            <ac:spMk id="55" creationId="{FA7AFCEE-26A5-65C6-4CFF-A2CCF8A5F17F}"/>
-          </ac:spMkLst>
-        </pc:spChg>
-        <pc:spChg chg="add mod topLvl">
-          <ac:chgData name="Sanchez, Andrea Cecilia (Alliance Bioversity-CIAT)" userId="1c01d433-d123-45b5-bcb7-0c97fcfb82b9" providerId="ADAL" clId="{7E6D7EA0-E91C-4B4D-90B9-52E5DAB34D7B}" dt="2025-08-14T09:59:30.662" v="2228" actId="20577"/>
-          <ac:spMkLst>
-            <pc:docMk/>
-            <pc:sldMk cId="1261558817" sldId="259"/>
-            <ac:spMk id="56" creationId="{E83798FA-473A-8663-3C75-D28E1B895955}"/>
-          </ac:spMkLst>
-        </pc:spChg>
-        <pc:spChg chg="add mod topLvl">
-          <ac:chgData name="Sanchez, Andrea Cecilia (Alliance Bioversity-CIAT)" userId="1c01d433-d123-45b5-bcb7-0c97fcfb82b9" providerId="ADAL" clId="{7E6D7EA0-E91C-4B4D-90B9-52E5DAB34D7B}" dt="2025-08-14T10:01:55.105" v="2279" actId="552"/>
-          <ac:spMkLst>
-            <pc:docMk/>
-            <pc:sldMk cId="1261558817" sldId="259"/>
-            <ac:spMk id="59" creationId="{856A44AC-D5FB-CB4D-7153-91D12D846EE9}"/>
-          </ac:spMkLst>
-        </pc:spChg>
-        <pc:spChg chg="add mod topLvl">
-          <ac:chgData name="Sanchez, Andrea Cecilia (Alliance Bioversity-CIAT)" userId="1c01d433-d123-45b5-bcb7-0c97fcfb82b9" providerId="ADAL" clId="{7E6D7EA0-E91C-4B4D-90B9-52E5DAB34D7B}" dt="2025-08-08T09:46:23.931" v="1629" actId="20577"/>
-          <ac:spMkLst>
-            <pc:docMk/>
-            <pc:sldMk cId="1261558817" sldId="259"/>
-            <ac:spMk id="62" creationId="{D8C8E906-4AF4-8398-DD9C-602CB2F79891}"/>
-          </ac:spMkLst>
-        </pc:spChg>
-        <pc:spChg chg="mod topLvl">
-          <ac:chgData name="Sanchez, Andrea Cecilia (Alliance Bioversity-CIAT)" userId="1c01d433-d123-45b5-bcb7-0c97fcfb82b9" providerId="ADAL" clId="{7E6D7EA0-E91C-4B4D-90B9-52E5DAB34D7B}" dt="2025-08-12T13:43:35.779" v="1667" actId="20577"/>
-          <ac:spMkLst>
-            <pc:docMk/>
-            <pc:sldMk cId="1261558817" sldId="259"/>
-            <ac:spMk id="63" creationId="{8D2A74C7-0E4B-CAAA-3CDA-0161924A3F5A}"/>
-          </ac:spMkLst>
-        </pc:spChg>
-        <pc:spChg chg="mod topLvl">
-          <ac:chgData name="Sanchez, Andrea Cecilia (Alliance Bioversity-CIAT)" userId="1c01d433-d123-45b5-bcb7-0c97fcfb82b9" providerId="ADAL" clId="{7E6D7EA0-E91C-4B4D-90B9-52E5DAB34D7B}" dt="2025-08-12T13:49:08.243" v="1671" actId="20577"/>
-          <ac:spMkLst>
-            <pc:docMk/>
-            <pc:sldMk cId="1261558817" sldId="259"/>
-            <ac:spMk id="68" creationId="{633A735D-C39E-0AD0-D49D-F7953F6F3813}"/>
-          </ac:spMkLst>
-        </pc:spChg>
-        <pc:spChg chg="mod topLvl">
-          <ac:chgData name="Sanchez, Andrea Cecilia (Alliance Bioversity-CIAT)" userId="1c01d433-d123-45b5-bcb7-0c97fcfb82b9" providerId="ADAL" clId="{7E6D7EA0-E91C-4B4D-90B9-52E5DAB34D7B}" dt="2025-08-12T13:49:18.291" v="1673" actId="20577"/>
-          <ac:spMkLst>
-            <pc:docMk/>
-            <pc:sldMk cId="1261558817" sldId="259"/>
-            <ac:spMk id="70" creationId="{8A07D326-1650-F89D-F22F-E7B871C9E3C7}"/>
-          </ac:spMkLst>
-        </pc:spChg>
-        <pc:spChg chg="mod">
-          <ac:chgData name="Sanchez, Andrea Cecilia (Alliance Bioversity-CIAT)" userId="1c01d433-d123-45b5-bcb7-0c97fcfb82b9" providerId="ADAL" clId="{7E6D7EA0-E91C-4B4D-90B9-52E5DAB34D7B}" dt="2025-08-07T13:30:10.282" v="756" actId="1076"/>
-          <ac:spMkLst>
-            <pc:docMk/>
-            <pc:sldMk cId="1261558817" sldId="259"/>
-            <ac:spMk id="88" creationId="{C96E6A25-EF0E-AE99-4CEF-2AB29090E907}"/>
-          </ac:spMkLst>
-        </pc:spChg>
-        <pc:spChg chg="mod">
-          <ac:chgData name="Sanchez, Andrea Cecilia (Alliance Bioversity-CIAT)" userId="1c01d433-d123-45b5-bcb7-0c97fcfb82b9" providerId="ADAL" clId="{7E6D7EA0-E91C-4B4D-90B9-52E5DAB34D7B}" dt="2025-08-12T13:37:07.495" v="1649" actId="1035"/>
-          <ac:spMkLst>
-            <pc:docMk/>
-            <pc:sldMk cId="1261558817" sldId="259"/>
-            <ac:spMk id="90" creationId="{50B25253-BCC1-DFEC-C9AD-2756BDDBFA22}"/>
-          </ac:spMkLst>
-        </pc:spChg>
-        <pc:spChg chg="mod">
-          <ac:chgData name="Sanchez, Andrea Cecilia (Alliance Bioversity-CIAT)" userId="1c01d433-d123-45b5-bcb7-0c97fcfb82b9" providerId="ADAL" clId="{7E6D7EA0-E91C-4B4D-90B9-52E5DAB34D7B}" dt="2025-08-07T13:50:41.165" v="1555" actId="14100"/>
-          <ac:spMkLst>
-            <pc:docMk/>
-            <pc:sldMk cId="1261558817" sldId="259"/>
-            <ac:spMk id="91" creationId="{1E5A36F0-6B0C-A30A-11A8-90D6000A5A0B}"/>
-          </ac:spMkLst>
-        </pc:spChg>
-        <pc:spChg chg="mod">
-          <ac:chgData name="Sanchez, Andrea Cecilia (Alliance Bioversity-CIAT)" userId="1c01d433-d123-45b5-bcb7-0c97fcfb82b9" providerId="ADAL" clId="{7E6D7EA0-E91C-4B4D-90B9-52E5DAB34D7B}" dt="2025-08-07T13:34:34.923" v="912" actId="14100"/>
-          <ac:spMkLst>
-            <pc:docMk/>
-            <pc:sldMk cId="1261558817" sldId="259"/>
-            <ac:spMk id="92" creationId="{1FDC0199-5F70-BB16-406B-441FED34D008}"/>
-          </ac:spMkLst>
-        </pc:spChg>
-        <pc:spChg chg="mod">
-          <ac:chgData name="Sanchez, Andrea Cecilia (Alliance Bioversity-CIAT)" userId="1c01d433-d123-45b5-bcb7-0c97fcfb82b9" providerId="ADAL" clId="{7E6D7EA0-E91C-4B4D-90B9-52E5DAB34D7B}" dt="2025-08-07T13:29:17.484" v="737" actId="1076"/>
-          <ac:spMkLst>
-            <pc:docMk/>
-            <pc:sldMk cId="1261558817" sldId="259"/>
-            <ac:spMk id="93" creationId="{C5C10BB6-E25E-09AA-E1AA-EFF10A4D0AC7}"/>
-          </ac:spMkLst>
-        </pc:spChg>
-        <pc:spChg chg="mod">
-          <ac:chgData name="Sanchez, Andrea Cecilia (Alliance Bioversity-CIAT)" userId="1c01d433-d123-45b5-bcb7-0c97fcfb82b9" providerId="ADAL" clId="{7E6D7EA0-E91C-4B4D-90B9-52E5DAB34D7B}" dt="2025-08-12T13:36:59.438" v="1632" actId="20577"/>
-          <ac:spMkLst>
-            <pc:docMk/>
-            <pc:sldMk cId="1261558817" sldId="259"/>
-            <ac:spMk id="95" creationId="{B047A05C-AB60-78C3-CC76-E2ADFA1FC546}"/>
-          </ac:spMkLst>
-        </pc:spChg>
-        <pc:spChg chg="mod">
-          <ac:chgData name="Sanchez, Andrea Cecilia (Alliance Bioversity-CIAT)" userId="1c01d433-d123-45b5-bcb7-0c97fcfb82b9" providerId="ADAL" clId="{7E6D7EA0-E91C-4B4D-90B9-52E5DAB34D7B}" dt="2025-08-07T13:31:28.991" v="878" actId="164"/>
-          <ac:spMkLst>
-            <pc:docMk/>
-            <pc:sldMk cId="1261558817" sldId="259"/>
-            <ac:spMk id="96" creationId="{68F49987-1DC5-001B-5D69-8BCE28EE0D31}"/>
-          </ac:spMkLst>
-        </pc:spChg>
-        <pc:spChg chg="mod">
-          <ac:chgData name="Sanchez, Andrea Cecilia (Alliance Bioversity-CIAT)" userId="1c01d433-d123-45b5-bcb7-0c97fcfb82b9" providerId="ADAL" clId="{7E6D7EA0-E91C-4B4D-90B9-52E5DAB34D7B}" dt="2025-08-07T13:31:28.991" v="878" actId="164"/>
-          <ac:spMkLst>
-            <pc:docMk/>
-            <pc:sldMk cId="1261558817" sldId="259"/>
-            <ac:spMk id="97" creationId="{936E15ED-E1BC-C783-FC1D-ECA59C3CF120}"/>
-          </ac:spMkLst>
-        </pc:spChg>
-        <pc:spChg chg="mod">
-          <ac:chgData name="Sanchez, Andrea Cecilia (Alliance Bioversity-CIAT)" userId="1c01d433-d123-45b5-bcb7-0c97fcfb82b9" providerId="ADAL" clId="{7E6D7EA0-E91C-4B4D-90B9-52E5DAB34D7B}" dt="2025-08-07T13:50:25.543" v="1548" actId="1036"/>
-          <ac:spMkLst>
-            <pc:docMk/>
-            <pc:sldMk cId="1261558817" sldId="259"/>
-            <ac:spMk id="98" creationId="{AC90F5D6-E1CC-3D90-CDA0-DC70031588B9}"/>
-          </ac:spMkLst>
-        </pc:spChg>
-        <pc:spChg chg="mod">
-          <ac:chgData name="Sanchez, Andrea Cecilia (Alliance Bioversity-CIAT)" userId="1c01d433-d123-45b5-bcb7-0c97fcfb82b9" providerId="ADAL" clId="{7E6D7EA0-E91C-4B4D-90B9-52E5DAB34D7B}" dt="2025-08-07T13:50:57.240" v="1565" actId="1035"/>
-          <ac:spMkLst>
-            <pc:docMk/>
-            <pc:sldMk cId="1261558817" sldId="259"/>
-            <ac:spMk id="100" creationId="{A4BB367E-10C8-07AA-2576-D344CE759461}"/>
-          </ac:spMkLst>
-        </pc:spChg>
-        <pc:spChg chg="mod">
-          <ac:chgData name="Sanchez, Andrea Cecilia (Alliance Bioversity-CIAT)" userId="1c01d433-d123-45b5-bcb7-0c97fcfb82b9" providerId="ADAL" clId="{7E6D7EA0-E91C-4B4D-90B9-52E5DAB34D7B}" dt="2025-08-07T13:49:50.309" v="1528" actId="1076"/>
-          <ac:spMkLst>
-            <pc:docMk/>
-            <pc:sldMk cId="1261558817" sldId="259"/>
-            <ac:spMk id="108" creationId="{83625CCF-BDFE-A50F-6ED0-CA7BFA1A1105}"/>
-          </ac:spMkLst>
-        </pc:spChg>
-        <pc:spChg chg="mod topLvl">
-          <ac:chgData name="Sanchez, Andrea Cecilia (Alliance Bioversity-CIAT)" userId="1c01d433-d123-45b5-bcb7-0c97fcfb82b9" providerId="ADAL" clId="{7E6D7EA0-E91C-4B4D-90B9-52E5DAB34D7B}" dt="2025-08-12T13:51:21.988" v="1774" actId="1035"/>
-          <ac:spMkLst>
-            <pc:docMk/>
-            <pc:sldMk cId="1261558817" sldId="259"/>
-            <ac:spMk id="109" creationId="{7EE7DB23-0E9F-4CEC-F184-D62D82C90499}"/>
-          </ac:spMkLst>
-        </pc:spChg>
-        <pc:spChg chg="mod topLvl">
-          <ac:chgData name="Sanchez, Andrea Cecilia (Alliance Bioversity-CIAT)" userId="1c01d433-d123-45b5-bcb7-0c97fcfb82b9" providerId="ADAL" clId="{7E6D7EA0-E91C-4B4D-90B9-52E5DAB34D7B}" dt="2025-08-07T13:50:57.240" v="1565" actId="1035"/>
-          <ac:spMkLst>
-            <pc:docMk/>
-            <pc:sldMk cId="1261558817" sldId="259"/>
-            <ac:spMk id="111" creationId="{E65D6EE0-6B7F-D0DF-85D4-D09423A4AA92}"/>
-          </ac:spMkLst>
-        </pc:spChg>
-        <pc:spChg chg="mod topLvl">
-          <ac:chgData name="Sanchez, Andrea Cecilia (Alliance Bioversity-CIAT)" userId="1c01d433-d123-45b5-bcb7-0c97fcfb82b9" providerId="ADAL" clId="{7E6D7EA0-E91C-4B4D-90B9-52E5DAB34D7B}" dt="2025-08-12T14:00:20.170" v="1859" actId="14100"/>
-          <ac:spMkLst>
-            <pc:docMk/>
-            <pc:sldMk cId="1261558817" sldId="259"/>
-            <ac:spMk id="114" creationId="{3BFE2659-4FF9-4592-842C-000DDB84D352}"/>
-          </ac:spMkLst>
-        </pc:spChg>
-        <pc:spChg chg="mod topLvl">
-          <ac:chgData name="Sanchez, Andrea Cecilia (Alliance Bioversity-CIAT)" userId="1c01d433-d123-45b5-bcb7-0c97fcfb82b9" providerId="ADAL" clId="{7E6D7EA0-E91C-4B4D-90B9-52E5DAB34D7B}" dt="2025-08-12T13:56:28.019" v="1836" actId="20577"/>
-          <ac:spMkLst>
-            <pc:docMk/>
-            <pc:sldMk cId="1261558817" sldId="259"/>
-            <ac:spMk id="115" creationId="{F74FDC03-DC70-792B-D403-29C6326E6550}"/>
-          </ac:spMkLst>
-        </pc:spChg>
-        <pc:spChg chg="mod topLvl">
-          <ac:chgData name="Sanchez, Andrea Cecilia (Alliance Bioversity-CIAT)" userId="1c01d433-d123-45b5-bcb7-0c97fcfb82b9" providerId="ADAL" clId="{7E6D7EA0-E91C-4B4D-90B9-52E5DAB34D7B}" dt="2025-08-07T13:42:02.704" v="1291" actId="164"/>
-          <ac:spMkLst>
-            <pc:docMk/>
-            <pc:sldMk cId="1261558817" sldId="259"/>
-            <ac:spMk id="117" creationId="{7C59C87C-DB1F-51CE-4232-06E394E19980}"/>
-          </ac:spMkLst>
-        </pc:spChg>
-        <pc:spChg chg="mod topLvl">
-          <ac:chgData name="Sanchez, Andrea Cecilia (Alliance Bioversity-CIAT)" userId="1c01d433-d123-45b5-bcb7-0c97fcfb82b9" providerId="ADAL" clId="{7E6D7EA0-E91C-4B4D-90B9-52E5DAB34D7B}" dt="2025-08-07T13:42:02.704" v="1291" actId="164"/>
-          <ac:spMkLst>
-            <pc:docMk/>
-            <pc:sldMk cId="1261558817" sldId="259"/>
-            <ac:spMk id="118" creationId="{91650BCC-A113-C421-9B6A-40E6AF4FD0E5}"/>
-          </ac:spMkLst>
-        </pc:spChg>
-        <pc:spChg chg="mod topLvl">
-          <ac:chgData name="Sanchez, Andrea Cecilia (Alliance Bioversity-CIAT)" userId="1c01d433-d123-45b5-bcb7-0c97fcfb82b9" providerId="ADAL" clId="{7E6D7EA0-E91C-4B4D-90B9-52E5DAB34D7B}" dt="2025-08-12T13:52:17.635" v="1814" actId="1036"/>
-          <ac:spMkLst>
-            <pc:docMk/>
-            <pc:sldMk cId="1261558817" sldId="259"/>
-            <ac:spMk id="119" creationId="{9A51D96A-9968-C85F-1EB9-067C1787EFD5}"/>
-          </ac:spMkLst>
-        </pc:spChg>
-        <pc:spChg chg="mod topLvl">
-          <ac:chgData name="Sanchez, Andrea Cecilia (Alliance Bioversity-CIAT)" userId="1c01d433-d123-45b5-bcb7-0c97fcfb82b9" providerId="ADAL" clId="{7E6D7EA0-E91C-4B4D-90B9-52E5DAB34D7B}" dt="2025-08-12T14:01:24.451" v="1869" actId="20577"/>
-          <ac:spMkLst>
-            <pc:docMk/>
-            <pc:sldMk cId="1261558817" sldId="259"/>
-            <ac:spMk id="134" creationId="{6E060B51-803E-CC45-4027-F73E1E64AC17}"/>
-          </ac:spMkLst>
-        </pc:spChg>
-        <pc:spChg chg="mod topLvl">
-          <ac:chgData name="Sanchez, Andrea Cecilia (Alliance Bioversity-CIAT)" userId="1c01d433-d123-45b5-bcb7-0c97fcfb82b9" providerId="ADAL" clId="{7E6D7EA0-E91C-4B4D-90B9-52E5DAB34D7B}" dt="2025-08-12T14:03:03.250" v="1892" actId="20577"/>
-          <ac:spMkLst>
-            <pc:docMk/>
-            <pc:sldMk cId="1261558817" sldId="259"/>
-            <ac:spMk id="135" creationId="{D6C74962-B90B-FA3C-8396-92915FEF107B}"/>
-          </ac:spMkLst>
-        </pc:spChg>
-        <pc:spChg chg="mod">
-          <ac:chgData name="Sanchez, Andrea Cecilia (Alliance Bioversity-CIAT)" userId="1c01d433-d123-45b5-bcb7-0c97fcfb82b9" providerId="ADAL" clId="{7E6D7EA0-E91C-4B4D-90B9-52E5DAB34D7B}" dt="2025-08-12T13:41:06.676" v="1651" actId="20577"/>
-          <ac:spMkLst>
-            <pc:docMk/>
-            <pc:sldMk cId="1261558817" sldId="259"/>
-            <ac:spMk id="219" creationId="{E583857D-9E4E-853E-7170-C14B8A488DF1}"/>
-          </ac:spMkLst>
-        </pc:spChg>
-        <pc:grpChg chg="mod">
-          <ac:chgData name="Sanchez, Andrea Cecilia (Alliance Bioversity-CIAT)" userId="1c01d433-d123-45b5-bcb7-0c97fcfb82b9" providerId="ADAL" clId="{7E6D7EA0-E91C-4B4D-90B9-52E5DAB34D7B}" dt="2025-08-07T13:46:35.613" v="1417" actId="14100"/>
-          <ac:grpSpMkLst>
-            <pc:docMk/>
-            <pc:sldMk cId="1261558817" sldId="259"/>
-            <ac:grpSpMk id="3" creationId="{FBD2B001-2935-04A8-501B-4CA0000FD71C}"/>
-          </ac:grpSpMkLst>
-        </pc:grpChg>
-        <pc:grpChg chg="add mod">
-          <ac:chgData name="Sanchez, Andrea Cecilia (Alliance Bioversity-CIAT)" userId="1c01d433-d123-45b5-bcb7-0c97fcfb82b9" providerId="ADAL" clId="{7E6D7EA0-E91C-4B4D-90B9-52E5DAB34D7B}" dt="2025-08-07T13:35:23.204" v="982" actId="1035"/>
-          <ac:grpSpMkLst>
-            <pc:docMk/>
-            <pc:sldMk cId="1261558817" sldId="259"/>
-            <ac:grpSpMk id="43" creationId="{7A7A2AB1-3192-3CB7-E2B5-7A6283B2E3FF}"/>
-          </ac:grpSpMkLst>
-        </pc:grpChg>
-        <pc:grpChg chg="add mod">
-          <ac:chgData name="Sanchez, Andrea Cecilia (Alliance Bioversity-CIAT)" userId="1c01d433-d123-45b5-bcb7-0c97fcfb82b9" providerId="ADAL" clId="{7E6D7EA0-E91C-4B4D-90B9-52E5DAB34D7B}" dt="2025-08-07T13:47:04.909" v="1453" actId="14100"/>
-          <ac:grpSpMkLst>
-            <pc:docMk/>
-            <pc:sldMk cId="1261558817" sldId="259"/>
-            <ac:grpSpMk id="81" creationId="{36A855F8-64CA-17F5-2300-46E9C3802E92}"/>
-          </ac:grpSpMkLst>
-        </pc:grpChg>
-        <pc:grpChg chg="add mod">
-          <ac:chgData name="Sanchez, Andrea Cecilia (Alliance Bioversity-CIAT)" userId="1c01d433-d123-45b5-bcb7-0c97fcfb82b9" providerId="ADAL" clId="{7E6D7EA0-E91C-4B4D-90B9-52E5DAB34D7B}" dt="2025-08-07T13:51:06.285" v="1566" actId="1076"/>
-          <ac:grpSpMkLst>
-            <pc:docMk/>
-            <pc:sldMk cId="1261558817" sldId="259"/>
-            <ac:grpSpMk id="196" creationId="{8C671E31-3B89-FDF3-67F5-C6BFE35AB65B}"/>
-          </ac:grpSpMkLst>
-        </pc:grpChg>
-        <pc:cxnChg chg="add mod">
-          <ac:chgData name="Sanchez, Andrea Cecilia (Alliance Bioversity-CIAT)" userId="1c01d433-d123-45b5-bcb7-0c97fcfb82b9" providerId="ADAL" clId="{7E6D7EA0-E91C-4B4D-90B9-52E5DAB34D7B}" dt="2025-08-07T13:47:48.663" v="1479" actId="1035"/>
-          <ac:cxnSpMkLst>
-            <pc:docMk/>
-            <pc:sldMk cId="1261558817" sldId="259"/>
-            <ac:cxnSpMk id="7" creationId="{DA3A3738-166F-51E4-55C0-406F4E836853}"/>
-          </ac:cxnSpMkLst>
-        </pc:cxnChg>
-        <pc:cxnChg chg="add mod">
-          <ac:chgData name="Sanchez, Andrea Cecilia (Alliance Bioversity-CIAT)" userId="1c01d433-d123-45b5-bcb7-0c97fcfb82b9" providerId="ADAL" clId="{7E6D7EA0-E91C-4B4D-90B9-52E5DAB34D7B}" dt="2025-08-07T13:50:36.936" v="1554" actId="1035"/>
-          <ac:cxnSpMkLst>
-            <pc:docMk/>
-            <pc:sldMk cId="1261558817" sldId="259"/>
-            <ac:cxnSpMk id="18" creationId="{E8B2E19F-5CD4-34D3-99D6-AE49AC1905D8}"/>
-          </ac:cxnSpMkLst>
-        </pc:cxnChg>
-        <pc:cxnChg chg="add mod">
-          <ac:chgData name="Sanchez, Andrea Cecilia (Alliance Bioversity-CIAT)" userId="1c01d433-d123-45b5-bcb7-0c97fcfb82b9" providerId="ADAL" clId="{7E6D7EA0-E91C-4B4D-90B9-52E5DAB34D7B}" dt="2025-08-07T13:50:36.936" v="1554" actId="1035"/>
-          <ac:cxnSpMkLst>
-            <pc:docMk/>
-            <pc:sldMk cId="1261558817" sldId="259"/>
-            <ac:cxnSpMk id="21" creationId="{EA53584A-7D14-F4A9-EACB-7B6DF4EDD158}"/>
-          </ac:cxnSpMkLst>
-        </pc:cxnChg>
-        <pc:cxnChg chg="add mod">
-          <ac:chgData name="Sanchez, Andrea Cecilia (Alliance Bioversity-CIAT)" userId="1c01d433-d123-45b5-bcb7-0c97fcfb82b9" providerId="ADAL" clId="{7E6D7EA0-E91C-4B4D-90B9-52E5DAB34D7B}" dt="2025-08-07T13:50:25.543" v="1548" actId="1036"/>
-          <ac:cxnSpMkLst>
-            <pc:docMk/>
-            <pc:sldMk cId="1261558817" sldId="259"/>
-            <ac:cxnSpMk id="26" creationId="{515BFEC4-03BE-D107-CE83-EBC87DDA1F7E}"/>
-          </ac:cxnSpMkLst>
-        </pc:cxnChg>
-        <pc:cxnChg chg="add mod">
-          <ac:chgData name="Sanchez, Andrea Cecilia (Alliance Bioversity-CIAT)" userId="1c01d433-d123-45b5-bcb7-0c97fcfb82b9" providerId="ADAL" clId="{7E6D7EA0-E91C-4B4D-90B9-52E5DAB34D7B}" dt="2025-08-07T13:50:17.133" v="1536" actId="14100"/>
-          <ac:cxnSpMkLst>
-            <pc:docMk/>
-            <pc:sldMk cId="1261558817" sldId="259"/>
-            <ac:cxnSpMk id="30" creationId="{B509E643-4ACB-352D-402A-609F6F422DB2}"/>
-          </ac:cxnSpMkLst>
-        </pc:cxnChg>
-        <pc:cxnChg chg="add mod">
-          <ac:chgData name="Sanchez, Andrea Cecilia (Alliance Bioversity-CIAT)" userId="1c01d433-d123-45b5-bcb7-0c97fcfb82b9" providerId="ADAL" clId="{7E6D7EA0-E91C-4B4D-90B9-52E5DAB34D7B}" dt="2025-08-07T13:50:17.133" v="1536" actId="14100"/>
-          <ac:cxnSpMkLst>
-            <pc:docMk/>
-            <pc:sldMk cId="1261558817" sldId="259"/>
-            <ac:cxnSpMk id="36" creationId="{F2438A75-018A-8F1D-0DA8-184B859BF761}"/>
-          </ac:cxnSpMkLst>
-        </pc:cxnChg>
-        <pc:cxnChg chg="mod">
-          <ac:chgData name="Sanchez, Andrea Cecilia (Alliance Bioversity-CIAT)" userId="1c01d433-d123-45b5-bcb7-0c97fcfb82b9" providerId="ADAL" clId="{7E6D7EA0-E91C-4B4D-90B9-52E5DAB34D7B}" dt="2025-08-07T13:47:48.663" v="1479" actId="1035"/>
-          <ac:cxnSpMkLst>
-            <pc:docMk/>
-            <pc:sldMk cId="1261558817" sldId="259"/>
-            <ac:cxnSpMk id="41" creationId="{984C4D35-8C51-36C0-ADA9-6F1FA9B86448}"/>
-          </ac:cxnSpMkLst>
-        </pc:cxnChg>
-        <pc:cxnChg chg="mod">
-          <ac:chgData name="Sanchez, Andrea Cecilia (Alliance Bioversity-CIAT)" userId="1c01d433-d123-45b5-bcb7-0c97fcfb82b9" providerId="ADAL" clId="{7E6D7EA0-E91C-4B4D-90B9-52E5DAB34D7B}" dt="2025-08-14T10:01:55.105" v="2279" actId="552"/>
-          <ac:cxnSpMkLst>
-            <pc:docMk/>
-            <pc:sldMk cId="1261558817" sldId="259"/>
-            <ac:cxnSpMk id="52" creationId="{F5CDA412-5B61-A331-7475-86E4C8972ABE}"/>
-          </ac:cxnSpMkLst>
-        </pc:cxnChg>
-        <pc:cxnChg chg="mod">
-          <ac:chgData name="Sanchez, Andrea Cecilia (Alliance Bioversity-CIAT)" userId="1c01d433-d123-45b5-bcb7-0c97fcfb82b9" providerId="ADAL" clId="{7E6D7EA0-E91C-4B4D-90B9-52E5DAB34D7B}" dt="2025-08-07T13:45:14.301" v="1365" actId="14100"/>
-          <ac:cxnSpMkLst>
-            <pc:docMk/>
-            <pc:sldMk cId="1261558817" sldId="259"/>
-            <ac:cxnSpMk id="58" creationId="{18236B17-C8E5-78FE-0FA8-527EEDB3BFE6}"/>
-          </ac:cxnSpMkLst>
-        </pc:cxnChg>
-        <pc:cxnChg chg="mod">
-          <ac:chgData name="Sanchez, Andrea Cecilia (Alliance Bioversity-CIAT)" userId="1c01d433-d123-45b5-bcb7-0c97fcfb82b9" providerId="ADAL" clId="{7E6D7EA0-E91C-4B4D-90B9-52E5DAB34D7B}" dt="2025-08-14T10:01:55.105" v="2279" actId="552"/>
-          <ac:cxnSpMkLst>
-            <pc:docMk/>
-            <pc:sldMk cId="1261558817" sldId="259"/>
-            <ac:cxnSpMk id="61" creationId="{E70EFE37-606F-830A-55F1-2058E1B65336}"/>
-          </ac:cxnSpMkLst>
-        </pc:cxnChg>
-        <pc:cxnChg chg="mod">
-          <ac:chgData name="Sanchez, Andrea Cecilia (Alliance Bioversity-CIAT)" userId="1c01d433-d123-45b5-bcb7-0c97fcfb82b9" providerId="ADAL" clId="{7E6D7EA0-E91C-4B4D-90B9-52E5DAB34D7B}" dt="2025-08-07T13:44:46.166" v="1337" actId="164"/>
-          <ac:cxnSpMkLst>
-            <pc:docMk/>
-            <pc:sldMk cId="1261558817" sldId="259"/>
-            <ac:cxnSpMk id="64" creationId="{B350BC97-62C0-3E06-8A29-BBF48A742CA1}"/>
-          </ac:cxnSpMkLst>
-        </pc:cxnChg>
-        <pc:cxnChg chg="mod">
-          <ac:chgData name="Sanchez, Andrea Cecilia (Alliance Bioversity-CIAT)" userId="1c01d433-d123-45b5-bcb7-0c97fcfb82b9" providerId="ADAL" clId="{7E6D7EA0-E91C-4B4D-90B9-52E5DAB34D7B}" dt="2025-08-07T13:44:57.213" v="1339" actId="14100"/>
-          <ac:cxnSpMkLst>
-            <pc:docMk/>
-            <pc:sldMk cId="1261558817" sldId="259"/>
-            <ac:cxnSpMk id="65" creationId="{4E5CC4F0-9A6C-086A-AD1E-1F3A9AD6A51B}"/>
-          </ac:cxnSpMkLst>
-        </pc:cxnChg>
-        <pc:cxnChg chg="mod">
-          <ac:chgData name="Sanchez, Andrea Cecilia (Alliance Bioversity-CIAT)" userId="1c01d433-d123-45b5-bcb7-0c97fcfb82b9" providerId="ADAL" clId="{7E6D7EA0-E91C-4B4D-90B9-52E5DAB34D7B}" dt="2025-08-07T13:44:11.181" v="1335" actId="14100"/>
-          <ac:cxnSpMkLst>
-            <pc:docMk/>
-            <pc:sldMk cId="1261558817" sldId="259"/>
-            <ac:cxnSpMk id="69" creationId="{A7BDB296-3BC2-D322-2E44-FF26D5D0B814}"/>
-          </ac:cxnSpMkLst>
-        </pc:cxnChg>
-        <pc:cxnChg chg="mod">
-          <ac:chgData name="Sanchez, Andrea Cecilia (Alliance Bioversity-CIAT)" userId="1c01d433-d123-45b5-bcb7-0c97fcfb82b9" providerId="ADAL" clId="{7E6D7EA0-E91C-4B4D-90B9-52E5DAB34D7B}" dt="2025-08-07T13:43:52.579" v="1322" actId="164"/>
-          <ac:cxnSpMkLst>
-            <pc:docMk/>
-            <pc:sldMk cId="1261558817" sldId="259"/>
-            <ac:cxnSpMk id="71" creationId="{31784A15-805E-A558-2CBF-CCAD5165DB4A}"/>
-          </ac:cxnSpMkLst>
-        </pc:cxnChg>
-        <pc:cxnChg chg="mod">
-          <ac:chgData name="Sanchez, Andrea Cecilia (Alliance Bioversity-CIAT)" userId="1c01d433-d123-45b5-bcb7-0c97fcfb82b9" providerId="ADAL" clId="{7E6D7EA0-E91C-4B4D-90B9-52E5DAB34D7B}" dt="2025-08-07T13:47:44.455" v="1474" actId="1036"/>
-          <ac:cxnSpMkLst>
-            <pc:docMk/>
-            <pc:sldMk cId="1261558817" sldId="259"/>
-            <ac:cxnSpMk id="76" creationId="{DA874901-D95E-4587-2581-60A6B619C640}"/>
-          </ac:cxnSpMkLst>
-        </pc:cxnChg>
-        <pc:cxnChg chg="mod">
-          <ac:chgData name="Sanchez, Andrea Cecilia (Alliance Bioversity-CIAT)" userId="1c01d433-d123-45b5-bcb7-0c97fcfb82b9" providerId="ADAL" clId="{7E6D7EA0-E91C-4B4D-90B9-52E5DAB34D7B}" dt="2025-08-07T13:30:10.282" v="756" actId="1076"/>
-          <ac:cxnSpMkLst>
-            <pc:docMk/>
-            <pc:sldMk cId="1261558817" sldId="259"/>
-            <ac:cxnSpMk id="94" creationId="{F642A2D3-A69D-5080-D080-2D3B26505FFC}"/>
-          </ac:cxnSpMkLst>
-        </pc:cxnChg>
-        <pc:cxnChg chg="mod">
-          <ac:chgData name="Sanchez, Andrea Cecilia (Alliance Bioversity-CIAT)" userId="1c01d433-d123-45b5-bcb7-0c97fcfb82b9" providerId="ADAL" clId="{7E6D7EA0-E91C-4B4D-90B9-52E5DAB34D7B}" dt="2025-08-12T13:52:17.635" v="1814" actId="1036"/>
-          <ac:cxnSpMkLst>
-            <pc:docMk/>
-            <pc:sldMk cId="1261558817" sldId="259"/>
-            <ac:cxnSpMk id="110" creationId="{B012A406-70C6-22CF-814A-99753EA99293}"/>
-          </ac:cxnSpMkLst>
-        </pc:cxnChg>
-        <pc:cxnChg chg="mod">
-          <ac:chgData name="Sanchez, Andrea Cecilia (Alliance Bioversity-CIAT)" userId="1c01d433-d123-45b5-bcb7-0c97fcfb82b9" providerId="ADAL" clId="{7E6D7EA0-E91C-4B4D-90B9-52E5DAB34D7B}" dt="2025-08-12T14:00:20.170" v="1859" actId="14100"/>
-          <ac:cxnSpMkLst>
-            <pc:docMk/>
-            <pc:sldMk cId="1261558817" sldId="259"/>
-            <ac:cxnSpMk id="113" creationId="{D6606865-F7FF-F261-000B-0FB730D95494}"/>
-          </ac:cxnSpMkLst>
-        </pc:cxnChg>
-        <pc:cxnChg chg="mod">
-          <ac:chgData name="Sanchez, Andrea Cecilia (Alliance Bioversity-CIAT)" userId="1c01d433-d123-45b5-bcb7-0c97fcfb82b9" providerId="ADAL" clId="{7E6D7EA0-E91C-4B4D-90B9-52E5DAB34D7B}" dt="2025-08-07T13:35:36.564" v="1003" actId="1035"/>
-          <ac:cxnSpMkLst>
-            <pc:docMk/>
-            <pc:sldMk cId="1261558817" sldId="259"/>
-            <ac:cxnSpMk id="120" creationId="{D65A7819-B74C-5558-C082-59A5A3AF4C9D}"/>
-          </ac:cxnSpMkLst>
-        </pc:cxnChg>
-        <pc:cxnChg chg="mod">
-          <ac:chgData name="Sanchez, Andrea Cecilia (Alliance Bioversity-CIAT)" userId="1c01d433-d123-45b5-bcb7-0c97fcfb82b9" providerId="ADAL" clId="{7E6D7EA0-E91C-4B4D-90B9-52E5DAB34D7B}" dt="2025-08-12T13:51:07.978" v="1746" actId="553"/>
-          <ac:cxnSpMkLst>
-            <pc:docMk/>
-            <pc:sldMk cId="1261558817" sldId="259"/>
-            <ac:cxnSpMk id="128" creationId="{8735B614-0589-A120-3867-CD1B34305C2F}"/>
-          </ac:cxnSpMkLst>
-        </pc:cxnChg>
-        <pc:cxnChg chg="mod">
-          <ac:chgData name="Sanchez, Andrea Cecilia (Alliance Bioversity-CIAT)" userId="1c01d433-d123-45b5-bcb7-0c97fcfb82b9" providerId="ADAL" clId="{7E6D7EA0-E91C-4B4D-90B9-52E5DAB34D7B}" dt="2025-08-12T13:52:17.635" v="1814" actId="1036"/>
-          <ac:cxnSpMkLst>
-            <pc:docMk/>
-            <pc:sldMk cId="1261558817" sldId="259"/>
-            <ac:cxnSpMk id="129" creationId="{9E20D027-13CA-626C-5A3A-F9DB409841DA}"/>
-          </ac:cxnSpMkLst>
-        </pc:cxnChg>
-        <pc:cxnChg chg="mod topLvl">
-          <ac:chgData name="Sanchez, Andrea Cecilia (Alliance Bioversity-CIAT)" userId="1c01d433-d123-45b5-bcb7-0c97fcfb82b9" providerId="ADAL" clId="{7E6D7EA0-E91C-4B4D-90B9-52E5DAB34D7B}" dt="2025-08-12T13:51:12.163" v="1747" actId="552"/>
-          <ac:cxnSpMkLst>
-            <pc:docMk/>
-            <pc:sldMk cId="1261558817" sldId="259"/>
-            <ac:cxnSpMk id="133" creationId="{8707D549-95EE-6754-D992-15266162685F}"/>
-          </ac:cxnSpMkLst>
-        </pc:cxnChg>
-        <pc:cxnChg chg="add mod">
-          <ac:chgData name="Sanchez, Andrea Cecilia (Alliance Bioversity-CIAT)" userId="1c01d433-d123-45b5-bcb7-0c97fcfb82b9" providerId="ADAL" clId="{7E6D7EA0-E91C-4B4D-90B9-52E5DAB34D7B}" dt="2025-08-12T13:51:21.988" v="1774" actId="1035"/>
-          <ac:cxnSpMkLst>
-            <pc:docMk/>
-            <pc:sldMk cId="1261558817" sldId="259"/>
-            <ac:cxnSpMk id="192" creationId="{7B9CFBDC-6440-462E-37E5-2A985C6DF3BD}"/>
-          </ac:cxnSpMkLst>
-        </pc:cxnChg>
-      </pc:sldChg>
-      <pc:sldChg chg="modSp mod">
-        <pc:chgData name="Sanchez, Andrea Cecilia (Alliance Bioversity-CIAT)" userId="1c01d433-d123-45b5-bcb7-0c97fcfb82b9" providerId="ADAL" clId="{7E6D7EA0-E91C-4B4D-90B9-52E5DAB34D7B}" dt="2025-08-01T11:53:25.921" v="191" actId="20577"/>
-        <pc:sldMkLst>
-          <pc:docMk/>
-          <pc:sldMk cId="2556178205" sldId="260"/>
-        </pc:sldMkLst>
-      </pc:sldChg>
-      <pc:sldChg chg="addSp delSp modSp mod">
-        <pc:chgData name="Sanchez, Andrea Cecilia (Alliance Bioversity-CIAT)" userId="1c01d433-d123-45b5-bcb7-0c97fcfb82b9" providerId="ADAL" clId="{7E6D7EA0-E91C-4B4D-90B9-52E5DAB34D7B}" dt="2025-08-07T13:36:52.340" v="1048" actId="164"/>
-        <pc:sldMkLst>
-          <pc:docMk/>
-          <pc:sldMk cId="1893782827" sldId="261"/>
-        </pc:sldMkLst>
-        <pc:spChg chg="mod">
-          <ac:chgData name="Sanchez, Andrea Cecilia (Alliance Bioversity-CIAT)" userId="1c01d433-d123-45b5-bcb7-0c97fcfb82b9" providerId="ADAL" clId="{7E6D7EA0-E91C-4B4D-90B9-52E5DAB34D7B}" dt="2025-08-07T13:36:52.340" v="1048" actId="164"/>
-          <ac:spMkLst>
-            <pc:docMk/>
-            <pc:sldMk cId="1893782827" sldId="261"/>
-            <ac:spMk id="2" creationId="{7C986CA8-7608-92E9-C803-44E05BBA8878}"/>
-          </ac:spMkLst>
-        </pc:spChg>
-        <pc:spChg chg="mod topLvl">
-          <ac:chgData name="Sanchez, Andrea Cecilia (Alliance Bioversity-CIAT)" userId="1c01d433-d123-45b5-bcb7-0c97fcfb82b9" providerId="ADAL" clId="{7E6D7EA0-E91C-4B4D-90B9-52E5DAB34D7B}" dt="2025-08-07T13:36:52.340" v="1048" actId="164"/>
-          <ac:spMkLst>
-            <pc:docMk/>
-            <pc:sldMk cId="1893782827" sldId="261"/>
-            <ac:spMk id="7" creationId="{F1A0A033-923F-AE0D-3516-9FCBB4719BBB}"/>
-          </ac:spMkLst>
-        </pc:spChg>
-        <pc:spChg chg="add mod topLvl">
-          <ac:chgData name="Sanchez, Andrea Cecilia (Alliance Bioversity-CIAT)" userId="1c01d433-d123-45b5-bcb7-0c97fcfb82b9" providerId="ADAL" clId="{7E6D7EA0-E91C-4B4D-90B9-52E5DAB34D7B}" dt="2025-08-07T13:36:52.340" v="1048" actId="164"/>
-          <ac:spMkLst>
-            <pc:docMk/>
-            <pc:sldMk cId="1893782827" sldId="261"/>
-            <ac:spMk id="10" creationId="{3BD82666-2DD8-C19F-8656-1BB4F0541D9C}"/>
-          </ac:spMkLst>
-        </pc:spChg>
-        <pc:spChg chg="mod">
-          <ac:chgData name="Sanchez, Andrea Cecilia (Alliance Bioversity-CIAT)" userId="1c01d433-d123-45b5-bcb7-0c97fcfb82b9" providerId="ADAL" clId="{7E6D7EA0-E91C-4B4D-90B9-52E5DAB34D7B}" dt="2025-08-07T13:36:52.340" v="1048" actId="164"/>
-          <ac:spMkLst>
-            <pc:docMk/>
-            <pc:sldMk cId="1893782827" sldId="261"/>
-            <ac:spMk id="15" creationId="{47DD55AD-E82D-B488-25A1-2E78C4B059A5}"/>
-          </ac:spMkLst>
-        </pc:spChg>
-        <pc:spChg chg="add mod topLvl">
-          <ac:chgData name="Sanchez, Andrea Cecilia (Alliance Bioversity-CIAT)" userId="1c01d433-d123-45b5-bcb7-0c97fcfb82b9" providerId="ADAL" clId="{7E6D7EA0-E91C-4B4D-90B9-52E5DAB34D7B}" dt="2025-08-06T15:08:55.332" v="700" actId="1035"/>
-          <ac:spMkLst>
-            <pc:docMk/>
-            <pc:sldMk cId="1893782827" sldId="261"/>
-            <ac:spMk id="20" creationId="{612A2923-B41D-322F-BBDA-8063AC48D3E6}"/>
-          </ac:spMkLst>
-        </pc:spChg>
-        <pc:spChg chg="mod">
-          <ac:chgData name="Sanchez, Andrea Cecilia (Alliance Bioversity-CIAT)" userId="1c01d433-d123-45b5-bcb7-0c97fcfb82b9" providerId="ADAL" clId="{7E6D7EA0-E91C-4B4D-90B9-52E5DAB34D7B}" dt="2025-08-07T13:36:52.340" v="1048" actId="164"/>
-          <ac:spMkLst>
-            <pc:docMk/>
-            <pc:sldMk cId="1893782827" sldId="261"/>
-            <ac:spMk id="21" creationId="{48B22ABC-5FF4-1F93-7754-B381C0D9BE1D}"/>
-          </ac:spMkLst>
-        </pc:spChg>
-        <pc:spChg chg="mod topLvl">
-          <ac:chgData name="Sanchez, Andrea Cecilia (Alliance Bioversity-CIAT)" userId="1c01d433-d123-45b5-bcb7-0c97fcfb82b9" providerId="ADAL" clId="{7E6D7EA0-E91C-4B4D-90B9-52E5DAB34D7B}" dt="2025-08-06T15:08:55.332" v="700" actId="1035"/>
-          <ac:spMkLst>
-            <pc:docMk/>
-            <pc:sldMk cId="1893782827" sldId="261"/>
-            <ac:spMk id="22" creationId="{D4D0E25D-F991-44B5-1BA5-47501012E945}"/>
-          </ac:spMkLst>
-        </pc:spChg>
-        <pc:spChg chg="mod">
-          <ac:chgData name="Sanchez, Andrea Cecilia (Alliance Bioversity-CIAT)" userId="1c01d433-d123-45b5-bcb7-0c97fcfb82b9" providerId="ADAL" clId="{7E6D7EA0-E91C-4B4D-90B9-52E5DAB34D7B}" dt="2025-08-07T13:36:52.340" v="1048" actId="164"/>
-          <ac:spMkLst>
-            <pc:docMk/>
-            <pc:sldMk cId="1893782827" sldId="261"/>
-            <ac:spMk id="27" creationId="{92EA50FD-FF7E-8A33-ADC8-C8DF12380567}"/>
-          </ac:spMkLst>
-        </pc:spChg>
-        <pc:spChg chg="mod">
-          <ac:chgData name="Sanchez, Andrea Cecilia (Alliance Bioversity-CIAT)" userId="1c01d433-d123-45b5-bcb7-0c97fcfb82b9" providerId="ADAL" clId="{7E6D7EA0-E91C-4B4D-90B9-52E5DAB34D7B}" dt="2025-08-07T13:36:52.340" v="1048" actId="164"/>
-          <ac:spMkLst>
-            <pc:docMk/>
-            <pc:sldMk cId="1893782827" sldId="261"/>
-            <ac:spMk id="28" creationId="{7CE5C115-EFE2-E291-6D9C-3940128EA6DE}"/>
-          </ac:spMkLst>
-        </pc:spChg>
-        <pc:spChg chg="mod">
-          <ac:chgData name="Sanchez, Andrea Cecilia (Alliance Bioversity-CIAT)" userId="1c01d433-d123-45b5-bcb7-0c97fcfb82b9" providerId="ADAL" clId="{7E6D7EA0-E91C-4B4D-90B9-52E5DAB34D7B}" dt="2025-08-06T15:07:40.037" v="674" actId="1076"/>
-          <ac:spMkLst>
-            <pc:docMk/>
-            <pc:sldMk cId="1893782827" sldId="261"/>
-            <ac:spMk id="40" creationId="{E1E0B3E5-0F60-AFAA-EADB-B19018E58EE4}"/>
-          </ac:spMkLst>
-        </pc:spChg>
-        <pc:spChg chg="mod">
-          <ac:chgData name="Sanchez, Andrea Cecilia (Alliance Bioversity-CIAT)" userId="1c01d433-d123-45b5-bcb7-0c97fcfb82b9" providerId="ADAL" clId="{7E6D7EA0-E91C-4B4D-90B9-52E5DAB34D7B}" dt="2025-08-07T13:36:52.340" v="1048" actId="164"/>
-          <ac:spMkLst>
-            <pc:docMk/>
-            <pc:sldMk cId="1893782827" sldId="261"/>
-            <ac:spMk id="152" creationId="{1774AA4B-560A-03E8-F267-B50BA8E56CD2}"/>
-          </ac:spMkLst>
-        </pc:spChg>
-        <pc:spChg chg="mod">
-          <ac:chgData name="Sanchez, Andrea Cecilia (Alliance Bioversity-CIAT)" userId="1c01d433-d123-45b5-bcb7-0c97fcfb82b9" providerId="ADAL" clId="{7E6D7EA0-E91C-4B4D-90B9-52E5DAB34D7B}" dt="2025-08-07T13:36:52.340" v="1048" actId="164"/>
-          <ac:spMkLst>
-            <pc:docMk/>
-            <pc:sldMk cId="1893782827" sldId="261"/>
-            <ac:spMk id="206" creationId="{795BB784-10E4-4133-AB92-2BEF9DD1942B}"/>
-          </ac:spMkLst>
-        </pc:spChg>
-        <pc:spChg chg="mod">
-          <ac:chgData name="Sanchez, Andrea Cecilia (Alliance Bioversity-CIAT)" userId="1c01d433-d123-45b5-bcb7-0c97fcfb82b9" providerId="ADAL" clId="{7E6D7EA0-E91C-4B4D-90B9-52E5DAB34D7B}" dt="2025-08-07T13:36:52.340" v="1048" actId="164"/>
-          <ac:spMkLst>
-            <pc:docMk/>
-            <pc:sldMk cId="1893782827" sldId="261"/>
-            <ac:spMk id="212" creationId="{FA583E97-AAEA-FEE4-10B0-5BE35DC76B0F}"/>
-          </ac:spMkLst>
-        </pc:spChg>
-        <pc:grpChg chg="add mod">
-          <ac:chgData name="Sanchez, Andrea Cecilia (Alliance Bioversity-CIAT)" userId="1c01d433-d123-45b5-bcb7-0c97fcfb82b9" providerId="ADAL" clId="{7E6D7EA0-E91C-4B4D-90B9-52E5DAB34D7B}" dt="2025-08-06T15:08:55.332" v="700" actId="1035"/>
-          <ac:grpSpMkLst>
-            <pc:docMk/>
-            <pc:sldMk cId="1893782827" sldId="261"/>
-            <ac:grpSpMk id="34" creationId="{2AAB5929-1EB8-BC4D-A593-F1153DB3BD30}"/>
-          </ac:grpSpMkLst>
-        </pc:grpChg>
-        <pc:grpChg chg="add mod">
-          <ac:chgData name="Sanchez, Andrea Cecilia (Alliance Bioversity-CIAT)" userId="1c01d433-d123-45b5-bcb7-0c97fcfb82b9" providerId="ADAL" clId="{7E6D7EA0-E91C-4B4D-90B9-52E5DAB34D7B}" dt="2025-08-06T15:08:55.332" v="700" actId="1035"/>
-          <ac:grpSpMkLst>
-            <pc:docMk/>
-            <pc:sldMk cId="1893782827" sldId="261"/>
-            <ac:grpSpMk id="35" creationId="{C8E196F0-9A72-F2E9-7986-464AABF0BF9C}"/>
-          </ac:grpSpMkLst>
-        </pc:grpChg>
-        <pc:cxnChg chg="mod topLvl">
-          <ac:chgData name="Sanchez, Andrea Cecilia (Alliance Bioversity-CIAT)" userId="1c01d433-d123-45b5-bcb7-0c97fcfb82b9" providerId="ADAL" clId="{7E6D7EA0-E91C-4B4D-90B9-52E5DAB34D7B}" dt="2025-08-06T15:09:03.429" v="704" actId="1036"/>
-          <ac:cxnSpMkLst>
-            <pc:docMk/>
-            <pc:sldMk cId="1893782827" sldId="261"/>
-            <ac:cxnSpMk id="6" creationId="{FC016250-BADA-DFF3-FA45-B1456BC0FA27}"/>
-          </ac:cxnSpMkLst>
-        </pc:cxnChg>
-        <pc:cxnChg chg="add mod">
-          <ac:chgData name="Sanchez, Andrea Cecilia (Alliance Bioversity-CIAT)" userId="1c01d433-d123-45b5-bcb7-0c97fcfb82b9" providerId="ADAL" clId="{7E6D7EA0-E91C-4B4D-90B9-52E5DAB34D7B}" dt="2025-08-06T15:08:55.332" v="700" actId="1035"/>
-          <ac:cxnSpMkLst>
-            <pc:docMk/>
-            <pc:sldMk cId="1893782827" sldId="261"/>
-            <ac:cxnSpMk id="12" creationId="{9F2A7D1C-D2FB-44EA-275F-D7657B9453FD}"/>
-          </ac:cxnSpMkLst>
-        </pc:cxnChg>
-        <pc:cxnChg chg="mod">
-          <ac:chgData name="Sanchez, Andrea Cecilia (Alliance Bioversity-CIAT)" userId="1c01d433-d123-45b5-bcb7-0c97fcfb82b9" providerId="ADAL" clId="{7E6D7EA0-E91C-4B4D-90B9-52E5DAB34D7B}" dt="2025-08-06T15:07:40.037" v="674" actId="1076"/>
-          <ac:cxnSpMkLst>
-            <pc:docMk/>
-            <pc:sldMk cId="1893782827" sldId="261"/>
-            <ac:cxnSpMk id="19" creationId="{F5F59CF0-7745-26F5-19AA-DEA48463A1F6}"/>
-          </ac:cxnSpMkLst>
-        </pc:cxnChg>
-        <pc:cxnChg chg="mod">
-          <ac:chgData name="Sanchez, Andrea Cecilia (Alliance Bioversity-CIAT)" userId="1c01d433-d123-45b5-bcb7-0c97fcfb82b9" providerId="ADAL" clId="{7E6D7EA0-E91C-4B4D-90B9-52E5DAB34D7B}" dt="2025-08-06T15:08:55.332" v="700" actId="1035"/>
-          <ac:cxnSpMkLst>
-            <pc:docMk/>
-            <pc:sldMk cId="1893782827" sldId="261"/>
-            <ac:cxnSpMk id="23" creationId="{E80ED66E-BE93-6EC7-6257-05889E8A0C31}"/>
-          </ac:cxnSpMkLst>
-        </pc:cxnChg>
-        <pc:cxnChg chg="add mod topLvl">
-          <ac:chgData name="Sanchez, Andrea Cecilia (Alliance Bioversity-CIAT)" userId="1c01d433-d123-45b5-bcb7-0c97fcfb82b9" providerId="ADAL" clId="{7E6D7EA0-E91C-4B4D-90B9-52E5DAB34D7B}" dt="2025-08-06T15:08:55.332" v="700" actId="1035"/>
-          <ac:cxnSpMkLst>
-            <pc:docMk/>
-            <pc:sldMk cId="1893782827" sldId="261"/>
-            <ac:cxnSpMk id="24" creationId="{7B4E35F5-BCAC-0CB9-F0DD-B13AB1E088B1}"/>
-          </ac:cxnSpMkLst>
-        </pc:cxnChg>
-        <pc:cxnChg chg="mod">
-          <ac:chgData name="Sanchez, Andrea Cecilia (Alliance Bioversity-CIAT)" userId="1c01d433-d123-45b5-bcb7-0c97fcfb82b9" providerId="ADAL" clId="{7E6D7EA0-E91C-4B4D-90B9-52E5DAB34D7B}" dt="2025-08-06T15:08:55.332" v="700" actId="1035"/>
-          <ac:cxnSpMkLst>
-            <pc:docMk/>
-            <pc:sldMk cId="1893782827" sldId="261"/>
-            <ac:cxnSpMk id="62" creationId="{1275E870-A84B-68D8-5CB8-418817275326}"/>
-          </ac:cxnSpMkLst>
-        </pc:cxnChg>
-      </pc:sldChg>
-      <pc:sldChg chg="addSp modSp new mod">
-        <pc:chgData name="Sanchez, Andrea Cecilia (Alliance Bioversity-CIAT)" userId="1c01d433-d123-45b5-bcb7-0c97fcfb82b9" providerId="ADAL" clId="{7E6D7EA0-E91C-4B4D-90B9-52E5DAB34D7B}" dt="2025-08-13T16:47:14.682" v="2128" actId="20577"/>
-        <pc:sldMkLst>
-          <pc:docMk/>
-          <pc:sldMk cId="3515301981" sldId="262"/>
-        </pc:sldMkLst>
-        <pc:graphicFrameChg chg="add mod modGraphic">
-          <ac:chgData name="Sanchez, Andrea Cecilia (Alliance Bioversity-CIAT)" userId="1c01d433-d123-45b5-bcb7-0c97fcfb82b9" providerId="ADAL" clId="{7E6D7EA0-E91C-4B4D-90B9-52E5DAB34D7B}" dt="2025-08-13T16:47:14.682" v="2128" actId="20577"/>
-          <ac:graphicFrameMkLst>
-            <pc:docMk/>
-            <pc:sldMk cId="3515301981" sldId="262"/>
-            <ac:graphicFrameMk id="4" creationId="{324BB83C-3139-F53D-27BE-DE7DDE99FCE9}"/>
-          </ac:graphicFrameMkLst>
-        </pc:graphicFrameChg>
-      </pc:sldChg>
-    </pc:docChg>
-  </pc:docChgLst>
-  <pc:docChgLst>
-    <pc:chgData name="Sanchez, Andrea Cecilia (Alliance Bioversity-CIAT)" userId="1c01d433-d123-45b5-bcb7-0c97fcfb82b9" providerId="ADAL" clId="{919FD96E-D23E-4AB1-8E01-AB77082F8B67}"/>
-    <pc:docChg chg="undo custSel addSld modSld">
-      <pc:chgData name="Sanchez, Andrea Cecilia (Alliance Bioversity-CIAT)" userId="1c01d433-d123-45b5-bcb7-0c97fcfb82b9" providerId="ADAL" clId="{919FD96E-D23E-4AB1-8E01-AB77082F8B67}" dt="2024-11-29T17:25:54.897" v="1102" actId="14100"/>
-      <pc:docMkLst>
-        <pc:docMk/>
-      </pc:docMkLst>
-      <pc:sldChg chg="addSp delSp modSp mod">
-        <pc:chgData name="Sanchez, Andrea Cecilia (Alliance Bioversity-CIAT)" userId="1c01d433-d123-45b5-bcb7-0c97fcfb82b9" providerId="ADAL" clId="{919FD96E-D23E-4AB1-8E01-AB77082F8B67}" dt="2024-11-20T16:50:24.815" v="896" actId="20577"/>
-        <pc:sldMkLst>
-          <pc:docMk/>
-          <pc:sldMk cId="2608338748" sldId="257"/>
-        </pc:sldMkLst>
-      </pc:sldChg>
-      <pc:sldChg chg="delSp modSp add mod">
-        <pc:chgData name="Sanchez, Andrea Cecilia (Alliance Bioversity-CIAT)" userId="1c01d433-d123-45b5-bcb7-0c97fcfb82b9" providerId="ADAL" clId="{919FD96E-D23E-4AB1-8E01-AB77082F8B67}" dt="2024-11-29T17:25:54.897" v="1102" actId="14100"/>
-        <pc:sldMkLst>
-          <pc:docMk/>
-          <pc:sldMk cId="2664020087" sldId="258"/>
-        </pc:sldMkLst>
-      </pc:sldChg>
     </pc:docChg>
   </pc:docChgLst>
 </pc:chgInfo>
@@ -5969,7 +6055,7 @@
                 <a:cs typeface="Calibri"/>
                 <a:sym typeface="Calibri"/>
               </a:rPr>
-              <a:t>3</a:t>
+              <a:t>2</a:t>
             </a:fld>
             <a:endParaRPr sz="1200">
               <a:solidFill>
@@ -6199,7 +6285,7 @@
                 <a:cs typeface="Calibri"/>
                 <a:sym typeface="Calibri"/>
               </a:rPr>
-              <a:t>4</a:t>
+              <a:t>3</a:t>
             </a:fld>
             <a:endParaRPr sz="1200">
               <a:solidFill>
@@ -20184,52 +20270,6 @@
       </p:grpSpPr>
       <p:sp>
         <p:nvSpPr>
-          <p:cNvPr id="90" name="Google Shape;90;p13">
-            <a:extLst>
-              <a:ext uri="{FF2B5EF4-FFF2-40B4-BE49-F238E27FC236}">
-                <a16:creationId xmlns:a16="http://schemas.microsoft.com/office/drawing/2014/main" id="{50B25253-BCC1-DFEC-C9AD-2756BDDBFA22}"/>
-              </a:ext>
-            </a:extLst>
-          </p:cNvPr>
-          <p:cNvSpPr/>
-          <p:nvPr/>
-        </p:nvSpPr>
-        <p:spPr>
-          <a:xfrm>
-            <a:off x="3680008" y="3890166"/>
-            <a:ext cx="4050206" cy="1471526"/>
-          </a:xfrm>
-          <a:prstGeom prst="rect">
-            <a:avLst/>
-          </a:prstGeom>
-          <a:solidFill>
-            <a:srgbClr val="D8E2F3"/>
-          </a:solidFill>
-          <a:ln>
-            <a:noFill/>
-          </a:ln>
-        </p:spPr>
-        <p:txBody>
-          <a:bodyPr spcFirstLastPara="1" wrap="square" lIns="91425" tIns="45700" rIns="91425" bIns="45700" anchor="ctr" anchorCtr="0">
-            <a:noAutofit/>
-          </a:bodyPr>
-          <a:lstStyle/>
-          <a:p>
-            <a:pPr algn="ctr"/>
-            <a:endParaRPr sz="1800" dirty="0">
-              <a:solidFill>
-                <a:schemeClr val="lt1"/>
-              </a:solidFill>
-              <a:latin typeface="Calibri"/>
-              <a:ea typeface="Calibri"/>
-              <a:cs typeface="Calibri"/>
-              <a:sym typeface="Calibri"/>
-            </a:endParaRPr>
-          </a:p>
-        </p:txBody>
-      </p:sp>
-      <p:sp>
-        <p:nvSpPr>
           <p:cNvPr id="91" name="Google Shape;91;p13">
             <a:extLst>
               <a:ext uri="{FF2B5EF4-FFF2-40B4-BE49-F238E27FC236}">
@@ -20242,8 +20282,8 @@
         </p:nvSpPr>
         <p:spPr>
           <a:xfrm>
-            <a:off x="567464" y="249992"/>
-            <a:ext cx="738404" cy="3484678"/>
+            <a:off x="554694" y="102075"/>
+            <a:ext cx="738404" cy="2668020"/>
           </a:xfrm>
           <a:prstGeom prst="roundRect">
             <a:avLst>
@@ -20287,8 +20327,8 @@
         </p:nvSpPr>
         <p:spPr>
           <a:xfrm rot="16200000">
-            <a:off x="-754470" y="1713868"/>
-            <a:ext cx="3331194" cy="344680"/>
+            <a:off x="-498636" y="1322886"/>
+            <a:ext cx="2845064" cy="344680"/>
           </a:xfrm>
           <a:prstGeom prst="rect">
             <a:avLst/>
@@ -20306,7 +20346,7 @@
           <a:p>
             <a:pPr algn="ctr"/>
             <a:r>
-              <a:rPr lang="en-US" sz="1800" b="1" dirty="0">
+              <a:rPr lang="en-US" sz="1600" b="1" dirty="0">
                 <a:solidFill>
                   <a:schemeClr val="lt1"/>
                 </a:solidFill>
@@ -20315,9 +20355,9 @@
                 <a:cs typeface="Calibri"/>
                 <a:sym typeface="Calibri"/>
               </a:rPr>
-              <a:t>Identification of potential predictors of DFS adoption</a:t>
+              <a:t>I) Identification of potential predictors of DFS adoption</a:t>
             </a:r>
-            <a:endParaRPr sz="1800" b="1" dirty="0">
+            <a:endParaRPr sz="1600" b="1" dirty="0">
               <a:solidFill>
                 <a:schemeClr val="lt1"/>
               </a:solidFill>
@@ -20343,7 +20383,7 @@
         </p:nvGrpSpPr>
         <p:grpSpPr>
           <a:xfrm>
-            <a:off x="541924" y="3765920"/>
+            <a:off x="554694" y="2824630"/>
             <a:ext cx="738404" cy="1956027"/>
             <a:chOff x="567464" y="4606352"/>
             <a:chExt cx="738404" cy="1956027"/>
@@ -20436,7 +20476,7 @@
                   <a:cs typeface="Calibri"/>
                   <a:sym typeface="Calibri"/>
                 </a:rPr>
-                <a:t>Calculation  and extraction of factors</a:t>
+                <a:t>ii) Calculation  and extraction of factors</a:t>
               </a:r>
               <a:endParaRPr sz="1600" b="1" dirty="0">
                 <a:solidFill>
@@ -20514,91 +20554,7 @@
                 <a:cs typeface="Calibri"/>
                 <a:sym typeface="Calibri"/>
               </a:rPr>
-              <a:t>Unique factors (222)</a:t>
-            </a:r>
-          </a:p>
-        </p:txBody>
-      </p:sp>
-      <p:sp>
-        <p:nvSpPr>
-          <p:cNvPr id="95" name="Google Shape;95;p13">
-            <a:extLst>
-              <a:ext uri="{FF2B5EF4-FFF2-40B4-BE49-F238E27FC236}">
-                <a16:creationId xmlns:a16="http://schemas.microsoft.com/office/drawing/2014/main" id="{B047A05C-AB60-78C3-CC76-E2ADFA1FC546}"/>
-              </a:ext>
-            </a:extLst>
-          </p:cNvPr>
-          <p:cNvSpPr/>
-          <p:nvPr/>
-        </p:nvSpPr>
-        <p:spPr>
-          <a:xfrm>
-            <a:off x="4277062" y="2984993"/>
-            <a:ext cx="2863236" cy="763743"/>
-          </a:xfrm>
-          <a:prstGeom prst="rect">
-            <a:avLst/>
-          </a:prstGeom>
-          <a:noFill/>
-          <a:ln w="12700" cap="flat" cmpd="sng">
-            <a:solidFill>
-              <a:srgbClr val="31538F"/>
-            </a:solidFill>
-            <a:prstDash val="solid"/>
-            <a:miter lim="800000"/>
-            <a:headEnd type="none" w="sm" len="sm"/>
-            <a:tailEnd type="none" w="sm" len="sm"/>
-          </a:ln>
-        </p:spPr>
-        <p:txBody>
-          <a:bodyPr spcFirstLastPara="1" wrap="square" lIns="91425" tIns="45700" rIns="91425" bIns="45700" anchor="ctr" anchorCtr="0">
-            <a:noAutofit/>
-          </a:bodyPr>
-          <a:lstStyle/>
-          <a:p>
-            <a:pPr algn="ctr"/>
-            <a:r>
-              <a:rPr lang="en-GB" sz="1600" b="1" dirty="0">
-                <a:solidFill>
-                  <a:schemeClr val="dk1"/>
-                </a:solidFill>
-                <a:latin typeface="Calibri"/>
-                <a:ea typeface="Calibri"/>
-                <a:cs typeface="Calibri"/>
-                <a:sym typeface="Calibri"/>
-              </a:rPr>
-              <a:t>Context document Peru </a:t>
-            </a:r>
-          </a:p>
-          <a:p>
-            <a:pPr algn="ctr"/>
-            <a:r>
-              <a:rPr lang="en-GB" sz="1600" b="1" dirty="0">
-                <a:solidFill>
-                  <a:schemeClr val="dk1"/>
-                </a:solidFill>
-                <a:latin typeface="Calibri"/>
-                <a:ea typeface="Calibri"/>
-                <a:cs typeface="Calibri"/>
-                <a:sym typeface="Calibri"/>
-              </a:rPr>
-              <a:t>(Pareja et al., 2023)</a:t>
-            </a:r>
-            <a:endParaRPr lang="en-GB" sz="1600" b="1" dirty="0"/>
-          </a:p>
-          <a:p>
-            <a:pPr algn="ctr"/>
-            <a:r>
-              <a:rPr lang="en-GB" sz="1600" dirty="0">
-                <a:solidFill>
-                  <a:schemeClr val="dk1"/>
-                </a:solidFill>
-                <a:latin typeface="Calibri"/>
-                <a:ea typeface="Calibri"/>
-                <a:cs typeface="Calibri"/>
-                <a:sym typeface="Calibri"/>
-              </a:rPr>
-              <a:t>(61 factors)</a:t>
+              <a:t>(222 unique factors)</a:t>
             </a:r>
           </a:p>
         </p:txBody>
@@ -20617,8 +20573,8 @@
         </p:nvSpPr>
         <p:spPr>
           <a:xfrm>
-            <a:off x="4647684" y="2359509"/>
-            <a:ext cx="2114854" cy="416382"/>
+            <a:off x="5284922" y="2964623"/>
+            <a:ext cx="2114854" cy="725663"/>
           </a:xfrm>
           <a:prstGeom prst="rect">
             <a:avLst/>
@@ -20653,7 +20609,22 @@
                 <a:cs typeface="Calibri"/>
                 <a:sym typeface="Calibri"/>
               </a:rPr>
-              <a:t>Ucayali (Peru)</a:t>
+              <a:t>HOLPA survey</a:t>
+            </a:r>
+          </a:p>
+          <a:p>
+            <a:pPr algn="ctr"/>
+            <a:r>
+              <a:rPr lang="en-US" sz="2000" b="1" dirty="0">
+                <a:solidFill>
+                  <a:schemeClr val="bg1"/>
+                </a:solidFill>
+                <a:latin typeface="Calibri"/>
+                <a:ea typeface="Calibri"/>
+                <a:cs typeface="Calibri"/>
+                <a:sym typeface="Calibri"/>
+              </a:rPr>
+              <a:t>Ucayali, Peru</a:t>
             </a:r>
             <a:endParaRPr sz="2000" b="1" dirty="0">
               <a:solidFill>
@@ -20667,40 +20638,6 @@
           </a:p>
         </p:txBody>
       </p:sp>
-      <p:cxnSp>
-        <p:nvCxnSpPr>
-          <p:cNvPr id="120" name="Google Shape;120;p13">
-            <a:extLst>
-              <a:ext uri="{FF2B5EF4-FFF2-40B4-BE49-F238E27FC236}">
-                <a16:creationId xmlns:a16="http://schemas.microsoft.com/office/drawing/2014/main" id="{D65A7819-B74C-5558-C082-59A5A3AF4C9D}"/>
-              </a:ext>
-            </a:extLst>
-          </p:cNvPr>
-          <p:cNvCxnSpPr>
-            <a:cxnSpLocks/>
-          </p:cNvCxnSpPr>
-          <p:nvPr/>
-        </p:nvCxnSpPr>
-        <p:spPr>
-          <a:xfrm>
-            <a:off x="5705111" y="4390926"/>
-            <a:ext cx="0" cy="187908"/>
-          </a:xfrm>
-          <a:prstGeom prst="straightConnector1">
-            <a:avLst/>
-          </a:prstGeom>
-          <a:noFill/>
-          <a:ln w="9525" cap="flat" cmpd="sng">
-            <a:solidFill>
-              <a:schemeClr val="accent1"/>
-            </a:solidFill>
-            <a:prstDash val="solid"/>
-            <a:miter lim="800000"/>
-            <a:headEnd type="none" w="sm" len="sm"/>
-            <a:tailEnd type="triangle" w="med" len="med"/>
-          </a:ln>
-        </p:spPr>
-      </p:cxnSp>
       <p:sp>
         <p:nvSpPr>
           <p:cNvPr id="45" name="Google Shape;93;p13">
@@ -20715,7 +20652,7 @@
         </p:nvSpPr>
         <p:spPr>
           <a:xfrm>
-            <a:off x="6630661" y="245693"/>
+            <a:off x="5179296" y="220610"/>
             <a:ext cx="2326106" cy="864000"/>
           </a:xfrm>
           <a:prstGeom prst="rect">
@@ -20760,209 +20697,21 @@
                   <a:schemeClr val="dk1"/>
                 </a:solidFill>
                 <a:latin typeface="Calibri"/>
+                <a:ea typeface="Calibri"/>
                 <a:cs typeface="Calibri"/>
                 <a:sym typeface="Calibri"/>
               </a:rPr>
-              <a:t>Unique factors </a:t>
-            </a:r>
-            <a:r>
-              <a:rPr lang="en-GB" sz="1600" dirty="0">
-                <a:solidFill>
-                  <a:schemeClr val="dk1"/>
-                </a:solidFill>
-                <a:latin typeface="Calibri"/>
-                <a:ea typeface="Calibri"/>
-                <a:cs typeface="Calibri"/>
-                <a:sym typeface="Calibri"/>
-              </a:rPr>
-              <a:t>(18)</a:t>
+              <a:t>(18 unique factors)</a:t>
             </a:r>
           </a:p>
         </p:txBody>
       </p:sp>
-      <p:cxnSp>
-        <p:nvCxnSpPr>
-          <p:cNvPr id="41" name="Straight Arrow Connector 40">
+      <p:grpSp>
+        <p:nvGrpSpPr>
+          <p:cNvPr id="78" name="Group 77">
             <a:extLst>
               <a:ext uri="{FF2B5EF4-FFF2-40B4-BE49-F238E27FC236}">
-                <a16:creationId xmlns:a16="http://schemas.microsoft.com/office/drawing/2014/main" id="{984C4D35-8C51-36C0-ADA9-6F1FA9B86448}"/>
-              </a:ext>
-            </a:extLst>
-          </p:cNvPr>
-          <p:cNvCxnSpPr>
-            <a:cxnSpLocks/>
-            <a:stCxn id="100" idx="2"/>
-            <a:endCxn id="219" idx="0"/>
-          </p:cNvCxnSpPr>
-          <p:nvPr/>
-        </p:nvCxnSpPr>
-        <p:spPr>
-          <a:xfrm>
-            <a:off x="5705111" y="5175513"/>
-            <a:ext cx="3569" cy="578141"/>
-          </a:xfrm>
-          <a:prstGeom prst="straightConnector1">
-            <a:avLst/>
-          </a:prstGeom>
-          <a:ln>
-            <a:tailEnd type="triangle"/>
-          </a:ln>
-        </p:spPr>
-        <p:style>
-          <a:lnRef idx="1">
-            <a:schemeClr val="accent1"/>
-          </a:lnRef>
-          <a:fillRef idx="0">
-            <a:schemeClr val="accent1"/>
-          </a:fillRef>
-          <a:effectRef idx="0">
-            <a:schemeClr val="accent1"/>
-          </a:effectRef>
-          <a:fontRef idx="minor">
-            <a:schemeClr val="tx1"/>
-          </a:fontRef>
-        </p:style>
-      </p:cxnSp>
-      <p:sp>
-        <p:nvSpPr>
-          <p:cNvPr id="88" name="Google Shape;95;p13">
-            <a:extLst>
-              <a:ext uri="{FF2B5EF4-FFF2-40B4-BE49-F238E27FC236}">
-                <a16:creationId xmlns:a16="http://schemas.microsoft.com/office/drawing/2014/main" id="{C96E6A25-EF0E-AE99-4CEF-2AB29090E907}"/>
-              </a:ext>
-            </a:extLst>
-          </p:cNvPr>
-          <p:cNvSpPr/>
-          <p:nvPr/>
-        </p:nvSpPr>
-        <p:spPr>
-          <a:xfrm>
-            <a:off x="4834426" y="245693"/>
-            <a:ext cx="1531325" cy="792000"/>
-          </a:xfrm>
-          <a:prstGeom prst="rect">
-            <a:avLst/>
-          </a:prstGeom>
-          <a:solidFill>
-            <a:schemeClr val="tx2"/>
-          </a:solidFill>
-          <a:ln w="12700" cap="flat" cmpd="sng">
-            <a:solidFill>
-              <a:schemeClr val="tx2"/>
-            </a:solidFill>
-            <a:prstDash val="solid"/>
-            <a:miter lim="800000"/>
-            <a:headEnd type="none" w="sm" len="sm"/>
-            <a:tailEnd type="none" w="sm" len="sm"/>
-          </a:ln>
-        </p:spPr>
-        <p:txBody>
-          <a:bodyPr spcFirstLastPara="1" wrap="square" lIns="91425" tIns="45700" rIns="91425" bIns="45700" anchor="ctr" anchorCtr="0">
-            <a:noAutofit/>
-          </a:bodyPr>
-          <a:lstStyle/>
-          <a:p>
-            <a:pPr>
-              <a:lnSpc>
-                <a:spcPct val="107000"/>
-              </a:lnSpc>
-            </a:pPr>
-            <a:r>
-              <a:rPr lang="en-AU" sz="1600" b="1" dirty="0">
-                <a:latin typeface="Calibri" panose="020F0502020204030204" pitchFamily="34" charset="0"/>
-                <a:ea typeface="Calibri" panose="020F0502020204030204" pitchFamily="34" charset="0"/>
-                <a:cs typeface="Calibri" panose="020F0502020204030204" pitchFamily="34" charset="0"/>
-              </a:rPr>
-              <a:t>Excluded factors:</a:t>
-            </a:r>
-          </a:p>
-          <a:p>
-            <a:pPr>
-              <a:lnSpc>
-                <a:spcPct val="107000"/>
-              </a:lnSpc>
-            </a:pPr>
-            <a:r>
-              <a:rPr lang="en-AU" sz="1600" dirty="0">
-                <a:latin typeface="Calibri" panose="020F0502020204030204" pitchFamily="34" charset="0"/>
-                <a:ea typeface="Calibri" panose="020F0502020204030204" pitchFamily="34" charset="0"/>
-                <a:cs typeface="Calibri" panose="020F0502020204030204" pitchFamily="34" charset="0"/>
-              </a:rPr>
-              <a:t>Duplicated</a:t>
-            </a:r>
-            <a:r>
-              <a:rPr lang="en-AU" sz="1600" b="1" dirty="0">
-                <a:latin typeface="Calibri" panose="020F0502020204030204" pitchFamily="34" charset="0"/>
-                <a:ea typeface="Calibri" panose="020F0502020204030204" pitchFamily="34" charset="0"/>
-                <a:cs typeface="Calibri" panose="020F0502020204030204" pitchFamily="34" charset="0"/>
-              </a:rPr>
-              <a:t> </a:t>
-            </a:r>
-            <a:r>
-              <a:rPr lang="en-AU" sz="1600" dirty="0">
-                <a:latin typeface="Calibri" panose="020F0502020204030204" pitchFamily="34" charset="0"/>
-                <a:ea typeface="Calibri" panose="020F0502020204030204" pitchFamily="34" charset="0"/>
-                <a:cs typeface="Calibri" panose="020F0502020204030204" pitchFamily="34" charset="0"/>
-              </a:rPr>
-              <a:t>(66)</a:t>
-            </a:r>
-            <a:endParaRPr lang="en-US" sz="1600" dirty="0">
-              <a:latin typeface="Calibri" panose="020F0502020204030204" pitchFamily="34" charset="0"/>
-              <a:ea typeface="Calibri" panose="020F0502020204030204" pitchFamily="34" charset="0"/>
-              <a:cs typeface="Calibri" panose="020F0502020204030204" pitchFamily="34" charset="0"/>
-            </a:endParaRPr>
-          </a:p>
-        </p:txBody>
-      </p:sp>
-      <p:cxnSp>
-        <p:nvCxnSpPr>
-          <p:cNvPr id="94" name="Straight Arrow Connector 93">
-            <a:extLst>
-              <a:ext uri="{FF2B5EF4-FFF2-40B4-BE49-F238E27FC236}">
-                <a16:creationId xmlns:a16="http://schemas.microsoft.com/office/drawing/2014/main" id="{F642A2D3-A69D-5080-D080-2D3B26505FFC}"/>
-              </a:ext>
-            </a:extLst>
-          </p:cNvPr>
-          <p:cNvCxnSpPr>
-            <a:cxnSpLocks/>
-            <a:stCxn id="93" idx="3"/>
-            <a:endCxn id="88" idx="1"/>
-          </p:cNvCxnSpPr>
-          <p:nvPr/>
-        </p:nvCxnSpPr>
-        <p:spPr>
-          <a:xfrm flipV="1">
-            <a:off x="4549657" y="641693"/>
-            <a:ext cx="284769" cy="10917"/>
-          </a:xfrm>
-          <a:prstGeom prst="straightConnector1">
-            <a:avLst/>
-          </a:prstGeom>
-          <a:ln>
-            <a:tailEnd type="triangle"/>
-          </a:ln>
-        </p:spPr>
-        <p:style>
-          <a:lnRef idx="1">
-            <a:schemeClr val="accent1"/>
-          </a:lnRef>
-          <a:fillRef idx="0">
-            <a:schemeClr val="accent1"/>
-          </a:fillRef>
-          <a:effectRef idx="0">
-            <a:schemeClr val="accent1"/>
-          </a:effectRef>
-          <a:fontRef idx="minor">
-            <a:schemeClr val="tx1"/>
-          </a:fontRef>
-        </p:style>
-      </p:cxnSp>
-      <p:grpSp>
-        <p:nvGrpSpPr>
-          <p:cNvPr id="3" name="Group 2">
-            <a:extLst>
-              <a:ext uri="{FF2B5EF4-FFF2-40B4-BE49-F238E27FC236}">
-                <a16:creationId xmlns:a16="http://schemas.microsoft.com/office/drawing/2014/main" id="{FBD2B001-2935-04A8-501B-4CA0000FD71C}"/>
+                <a16:creationId xmlns:a16="http://schemas.microsoft.com/office/drawing/2014/main" id="{8DF93AD4-5959-8133-F8B8-420197536FBD}"/>
               </a:ext>
             </a:extLst>
           </p:cNvPr>
@@ -20971,10 +20720,10 @@
         </p:nvGrpSpPr>
         <p:grpSpPr>
           <a:xfrm>
-            <a:off x="539992" y="5825883"/>
-            <a:ext cx="738405" cy="1159731"/>
-            <a:chOff x="104365" y="6379577"/>
-            <a:chExt cx="738405" cy="1080001"/>
+            <a:off x="554694" y="4895010"/>
+            <a:ext cx="738405" cy="1317533"/>
+            <a:chOff x="567464" y="4895010"/>
+            <a:chExt cx="738405" cy="1317533"/>
           </a:xfrm>
         </p:grpSpPr>
         <p:sp>
@@ -20991,8 +20740,8 @@
           </p:nvSpPr>
           <p:spPr>
             <a:xfrm rot="16200000">
-              <a:off x="-66432" y="6550375"/>
-              <a:ext cx="1080000" cy="738405"/>
+              <a:off x="277901" y="5184574"/>
+              <a:ext cx="1317532" cy="738405"/>
             </a:xfrm>
             <a:prstGeom prst="roundRect">
               <a:avLst>
@@ -21043,9 +20792,9 @@
             <p:nvPr/>
           </p:nvSpPr>
           <p:spPr>
-            <a:xfrm rot="-5400000">
-              <a:off x="-91117" y="6649577"/>
-              <a:ext cx="1080000" cy="540000"/>
+            <a:xfrm rot="16200000">
+              <a:off x="277901" y="5283776"/>
+              <a:ext cx="1317532" cy="540000"/>
             </a:xfrm>
             <a:prstGeom prst="rect">
               <a:avLst/>
@@ -21072,7 +20821,7 @@
                   <a:cs typeface="Calibri"/>
                   <a:sym typeface="Calibri"/>
                 </a:rPr>
-                <a:t>Data pre-processing</a:t>
+                <a:t>iii) Data pre-processing</a:t>
               </a:r>
               <a:endParaRPr sz="1600" b="1" dirty="0">
                 <a:solidFill>
@@ -21101,7 +20850,7 @@
         </p:nvSpPr>
         <p:spPr>
           <a:xfrm>
-            <a:off x="4479162" y="5753654"/>
+            <a:off x="5097724" y="4973728"/>
             <a:ext cx="2459035" cy="532409"/>
           </a:xfrm>
           <a:prstGeom prst="rect">
@@ -21151,7 +20900,7 @@
                 <a:cs typeface="Calibri"/>
                 <a:sym typeface="Calibri"/>
               </a:rPr>
-              <a:t>after one-hot encoding (271)</a:t>
+              <a:t>after one-hot encoding (269)</a:t>
             </a:r>
             <a:endParaRPr sz="1500" b="1" dirty="0">
               <a:solidFill>
@@ -21179,7 +20928,7 @@
         </p:nvSpPr>
         <p:spPr>
           <a:xfrm>
-            <a:off x="4661111" y="4612533"/>
+            <a:off x="5298349" y="4036756"/>
             <a:ext cx="2088000" cy="562980"/>
           </a:xfrm>
           <a:prstGeom prst="rect">
@@ -21213,23 +20962,7 @@
                 <a:cs typeface="Calibri"/>
                 <a:sym typeface="Calibri"/>
               </a:rPr>
-              <a:t>Unique factors</a:t>
-            </a:r>
-            <a:endParaRPr sz="1600" b="1" dirty="0"/>
-          </a:p>
-          <a:p>
-            <a:pPr algn="ctr"/>
-            <a:r>
-              <a:rPr lang="en-GB" sz="1600" b="1" dirty="0">
-                <a:solidFill>
-                  <a:schemeClr val="dk1"/>
-                </a:solidFill>
-                <a:latin typeface="Calibri"/>
-                <a:ea typeface="Calibri"/>
-                <a:cs typeface="Calibri"/>
-                <a:sym typeface="Calibri"/>
-              </a:rPr>
-              <a:t>(258)</a:t>
+              <a:t>256 unique factors across 14 categories</a:t>
             </a:r>
             <a:endParaRPr sz="1600" b="1" dirty="0">
               <a:solidFill>
@@ -21257,8 +20990,8 @@
         </p:nvSpPr>
         <p:spPr>
           <a:xfrm>
-            <a:off x="4277062" y="1580085"/>
-            <a:ext cx="2863236" cy="609372"/>
+            <a:off x="5179296" y="2013457"/>
+            <a:ext cx="2326106" cy="586486"/>
           </a:xfrm>
           <a:prstGeom prst="rect">
             <a:avLst/>
@@ -21291,87 +21024,11 @@
                 <a:cs typeface="Calibri"/>
                 <a:sym typeface="Calibri"/>
               </a:rPr>
-              <a:t>Unique factors </a:t>
-            </a:r>
-            <a:r>
-              <a:rPr lang="en-GB" sz="1600" b="1" dirty="0">
-                <a:solidFill>
-                  <a:schemeClr val="dk1"/>
-                </a:solidFill>
-                <a:latin typeface="Calibri"/>
-                <a:ea typeface="Calibri"/>
-                <a:cs typeface="Calibri"/>
-                <a:sym typeface="Calibri"/>
-              </a:rPr>
-              <a:t>(240)</a:t>
+              <a:t>301 unique factors across 14 categories</a:t>
             </a:r>
             <a:endParaRPr sz="1600" b="1" dirty="0">
               <a:solidFill>
                 <a:schemeClr val="dk1"/>
-              </a:solidFill>
-              <a:latin typeface="Calibri"/>
-              <a:ea typeface="Calibri"/>
-              <a:cs typeface="Calibri"/>
-              <a:sym typeface="Calibri"/>
-            </a:endParaRPr>
-          </a:p>
-        </p:txBody>
-      </p:sp>
-      <p:sp>
-        <p:nvSpPr>
-          <p:cNvPr id="2" name="Google Shape;98;p13">
-            <a:extLst>
-              <a:ext uri="{FF2B5EF4-FFF2-40B4-BE49-F238E27FC236}">
-                <a16:creationId xmlns:a16="http://schemas.microsoft.com/office/drawing/2014/main" id="{232BE84E-0F9B-682C-E452-4C79BFC95E6A}"/>
-              </a:ext>
-            </a:extLst>
-          </p:cNvPr>
-          <p:cNvSpPr/>
-          <p:nvPr/>
-        </p:nvSpPr>
-        <p:spPr>
-          <a:xfrm>
-            <a:off x="4091350" y="4047062"/>
-            <a:ext cx="3227522" cy="343864"/>
-          </a:xfrm>
-          <a:prstGeom prst="rect">
-            <a:avLst/>
-          </a:prstGeom>
-          <a:solidFill>
-            <a:schemeClr val="accent1"/>
-          </a:solidFill>
-          <a:ln w="12700" cap="flat" cmpd="sng">
-            <a:solidFill>
-              <a:schemeClr val="accent1"/>
-            </a:solidFill>
-            <a:prstDash val="solid"/>
-            <a:miter lim="800000"/>
-            <a:headEnd type="none" w="sm" len="sm"/>
-            <a:tailEnd type="none" w="sm" len="sm"/>
-          </a:ln>
-        </p:spPr>
-        <p:txBody>
-          <a:bodyPr spcFirstLastPara="1" wrap="square" lIns="91425" tIns="45700" rIns="91425" bIns="45700" anchor="ctr" anchorCtr="0">
-            <a:noAutofit/>
-          </a:bodyPr>
-          <a:lstStyle/>
-          <a:p>
-            <a:pPr algn="ctr"/>
-            <a:r>
-              <a:rPr lang="en-US" sz="2800" spc="600" dirty="0">
-                <a:solidFill>
-                  <a:schemeClr val="bg1"/>
-                </a:solidFill>
-                <a:latin typeface="Calibri"/>
-                <a:ea typeface="Calibri"/>
-                <a:cs typeface="Calibri"/>
-                <a:sym typeface="Calibri"/>
-              </a:rPr>
-              <a:t>HOLPA survey</a:t>
-            </a:r>
-            <a:endParaRPr sz="2800" spc="600" dirty="0">
-              <a:solidFill>
-                <a:schemeClr val="bg1"/>
               </a:solidFill>
               <a:latin typeface="Calibri"/>
               <a:ea typeface="Calibri"/>
@@ -21395,7 +21052,7 @@
         </p:nvSpPr>
         <p:spPr>
           <a:xfrm>
-            <a:off x="4664679" y="6597321"/>
+            <a:off x="5283241" y="5817395"/>
             <a:ext cx="2088000" cy="374266"/>
           </a:xfrm>
           <a:prstGeom prst="rect">
@@ -21452,7 +21109,7 @@
         </p:nvCxnSpPr>
         <p:spPr>
           <a:xfrm flipH="1">
-            <a:off x="5708679" y="6286063"/>
+            <a:off x="6327241" y="5506137"/>
             <a:ext cx="1" cy="311258"/>
           </a:xfrm>
           <a:prstGeom prst="straightConnector1">
@@ -21488,15 +21145,15 @@
           </p:cNvPr>
           <p:cNvCxnSpPr>
             <a:cxnSpLocks/>
-            <a:stCxn id="95" idx="2"/>
-            <a:endCxn id="2" idx="0"/>
+            <a:stCxn id="98" idx="2"/>
+            <a:endCxn id="100" idx="0"/>
           </p:cNvCxnSpPr>
           <p:nvPr/>
         </p:nvCxnSpPr>
         <p:spPr>
-          <a:xfrm flipH="1">
-            <a:off x="5705111" y="3748736"/>
-            <a:ext cx="3569" cy="298326"/>
+          <a:xfrm>
+            <a:off x="6342349" y="3690286"/>
+            <a:ext cx="0" cy="346470"/>
           </a:xfrm>
           <a:prstGeom prst="straightConnector1">
             <a:avLst/>
@@ -21525,122 +21182,13 @@
           <p:cNvCxnSpPr>
             <a:cxnSpLocks/>
             <a:stCxn id="98" idx="2"/>
-            <a:endCxn id="95" idx="0"/>
           </p:cNvCxnSpPr>
           <p:nvPr/>
         </p:nvCxnSpPr>
         <p:spPr>
-          <a:xfrm>
-            <a:off x="5705111" y="2775891"/>
-            <a:ext cx="3569" cy="209102"/>
-          </a:xfrm>
-          <a:prstGeom prst="straightConnector1">
-            <a:avLst/>
-          </a:prstGeom>
-          <a:noFill/>
-          <a:ln w="9525" cap="flat" cmpd="sng">
-            <a:solidFill>
-              <a:schemeClr val="accent1"/>
-            </a:solidFill>
-            <a:prstDash val="solid"/>
-            <a:miter lim="800000"/>
-            <a:headEnd type="none" w="sm" len="sm"/>
-            <a:tailEnd type="triangle" w="med" len="med"/>
-          </a:ln>
-        </p:spPr>
-      </p:cxnSp>
-      <p:cxnSp>
-        <p:nvCxnSpPr>
-          <p:cNvPr id="26" name="Google Shape;120;p13">
-            <a:extLst>
-              <a:ext uri="{FF2B5EF4-FFF2-40B4-BE49-F238E27FC236}">
-                <a16:creationId xmlns:a16="http://schemas.microsoft.com/office/drawing/2014/main" id="{515BFEC4-03BE-D107-CE83-EBC87DDA1F7E}"/>
-              </a:ext>
-            </a:extLst>
-          </p:cNvPr>
-          <p:cNvCxnSpPr>
-            <a:cxnSpLocks/>
-            <a:stCxn id="23" idx="2"/>
-            <a:endCxn id="98" idx="0"/>
-          </p:cNvCxnSpPr>
-          <p:nvPr/>
-        </p:nvCxnSpPr>
-        <p:spPr>
-          <a:xfrm flipH="1">
-            <a:off x="5705111" y="2189457"/>
-            <a:ext cx="3569" cy="170052"/>
-          </a:xfrm>
-          <a:prstGeom prst="straightConnector1">
-            <a:avLst/>
-          </a:prstGeom>
-          <a:noFill/>
-          <a:ln w="9525" cap="flat" cmpd="sng">
-            <a:solidFill>
-              <a:schemeClr val="accent1"/>
-            </a:solidFill>
-            <a:prstDash val="solid"/>
-            <a:miter lim="800000"/>
-            <a:headEnd type="none" w="sm" len="sm"/>
-            <a:tailEnd type="triangle" w="med" len="med"/>
-          </a:ln>
-        </p:spPr>
-      </p:cxnSp>
-      <p:cxnSp>
-        <p:nvCxnSpPr>
-          <p:cNvPr id="30" name="Google Shape;120;p13">
-            <a:extLst>
-              <a:ext uri="{FF2B5EF4-FFF2-40B4-BE49-F238E27FC236}">
-                <a16:creationId xmlns:a16="http://schemas.microsoft.com/office/drawing/2014/main" id="{B509E643-4ACB-352D-402A-609F6F422DB2}"/>
-              </a:ext>
-            </a:extLst>
-          </p:cNvPr>
-          <p:cNvCxnSpPr>
-            <a:cxnSpLocks/>
-            <a:stCxn id="93" idx="2"/>
-            <a:endCxn id="23" idx="0"/>
-          </p:cNvCxnSpPr>
-          <p:nvPr/>
-        </p:nvCxnSpPr>
-        <p:spPr>
-          <a:xfrm>
-            <a:off x="3013424" y="1084610"/>
-            <a:ext cx="2695256" cy="495475"/>
-          </a:xfrm>
-          <a:prstGeom prst="straightConnector1">
-            <a:avLst/>
-          </a:prstGeom>
-          <a:noFill/>
-          <a:ln w="9525" cap="flat" cmpd="sng">
-            <a:solidFill>
-              <a:schemeClr val="accent1"/>
-            </a:solidFill>
-            <a:prstDash val="solid"/>
-            <a:miter lim="800000"/>
-            <a:headEnd type="none" w="sm" len="sm"/>
-            <a:tailEnd type="triangle" w="med" len="med"/>
-          </a:ln>
-        </p:spPr>
-      </p:cxnSp>
-      <p:cxnSp>
-        <p:nvCxnSpPr>
-          <p:cNvPr id="36" name="Google Shape;120;p13">
-            <a:extLst>
-              <a:ext uri="{FF2B5EF4-FFF2-40B4-BE49-F238E27FC236}">
-                <a16:creationId xmlns:a16="http://schemas.microsoft.com/office/drawing/2014/main" id="{F2438A75-018A-8F1D-0DA8-184B859BF761}"/>
-              </a:ext>
-            </a:extLst>
-          </p:cNvPr>
-          <p:cNvCxnSpPr>
-            <a:cxnSpLocks/>
-            <a:stCxn id="45" idx="2"/>
-            <a:endCxn id="23" idx="0"/>
-          </p:cNvCxnSpPr>
-          <p:nvPr/>
-        </p:nvCxnSpPr>
-        <p:spPr>
-          <a:xfrm flipH="1">
-            <a:off x="5708680" y="1109693"/>
-            <a:ext cx="2085034" cy="470392"/>
+          <a:xfrm flipV="1">
+            <a:off x="6342349" y="3590108"/>
+            <a:ext cx="8218" cy="100178"/>
           </a:xfrm>
           <a:prstGeom prst="straightConnector1">
             <a:avLst/>
@@ -21671,7 +21219,7 @@
         </p:nvSpPr>
         <p:spPr>
           <a:xfrm>
-            <a:off x="3974848" y="7188983"/>
+            <a:off x="4593410" y="6530080"/>
             <a:ext cx="3467663" cy="699211"/>
           </a:xfrm>
           <a:prstGeom prst="rect">
@@ -21720,7 +21268,7 @@
                 <a:cs typeface="Calibri"/>
                 <a:sym typeface="Calibri"/>
               </a:rPr>
-              <a:t>(187 factors across 14 categories)</a:t>
+              <a:t>(185 factors across 14 categories)</a:t>
             </a:r>
           </a:p>
         </p:txBody>
@@ -21743,7 +21291,7 @@
         </p:nvCxnSpPr>
         <p:spPr>
           <a:xfrm flipV="1">
-            <a:off x="7442511" y="7537516"/>
+            <a:off x="8061073" y="6878613"/>
             <a:ext cx="287924" cy="1073"/>
           </a:xfrm>
           <a:prstGeom prst="straightConnector1">
@@ -21782,7 +21330,7 @@
         </p:nvGrpSpPr>
         <p:grpSpPr>
           <a:xfrm>
-            <a:off x="567464" y="7111448"/>
+            <a:off x="554694" y="6519780"/>
             <a:ext cx="738404" cy="3503858"/>
             <a:chOff x="3629093" y="8481429"/>
             <a:chExt cx="738404" cy="3806843"/>
@@ -21875,7 +21423,7 @@
                   <a:cs typeface="Calibri"/>
                   <a:sym typeface="Calibri"/>
                 </a:rPr>
-                <a:t>Selection and prioritization of </a:t>
+                <a:t>IV) Selection and prioritization of </a:t>
               </a:r>
             </a:p>
             <a:p>
@@ -21919,8 +21467,8 @@
         </p:nvSpPr>
         <p:spPr>
           <a:xfrm>
-            <a:off x="7730435" y="7208850"/>
-            <a:ext cx="2861363" cy="657332"/>
+            <a:off x="8348997" y="6549947"/>
+            <a:ext cx="3586292" cy="657332"/>
           </a:xfrm>
           <a:prstGeom prst="rect">
             <a:avLst/>
@@ -21987,7 +21535,7 @@
                 <a:ea typeface="Calibri" panose="020F0502020204030204" pitchFamily="34" charset="0"/>
                 <a:cs typeface="Calibri" panose="020F0502020204030204" pitchFamily="34" charset="0"/>
               </a:rPr>
-              <a:t>(85 factors across 13 categories)</a:t>
+              <a:t>(84 factors across 13 categories)</a:t>
             </a:r>
             <a:endParaRPr lang="en-US" sz="1500" dirty="0">
               <a:latin typeface="Calibri" panose="020F0502020204030204" pitchFamily="34" charset="0"/>
@@ -22011,7 +21559,7 @@
         </p:nvSpPr>
         <p:spPr>
           <a:xfrm>
-            <a:off x="3971279" y="8074342"/>
+            <a:off x="4589841" y="7415439"/>
             <a:ext cx="3467664" cy="545484"/>
           </a:xfrm>
           <a:prstGeom prst="rect">
@@ -22060,7 +21608,7 @@
                 <a:cs typeface="Calibri"/>
                 <a:sym typeface="Calibri"/>
               </a:rPr>
-              <a:t>(160 factors across 14 categories)</a:t>
+              <a:t>(150 factors across 14 categories)</a:t>
             </a:r>
           </a:p>
         </p:txBody>
@@ -22083,7 +21631,7 @@
         </p:nvCxnSpPr>
         <p:spPr>
           <a:xfrm flipH="1">
-            <a:off x="5705111" y="7888194"/>
+            <a:off x="6323673" y="7229291"/>
             <a:ext cx="3569" cy="186148"/>
           </a:xfrm>
           <a:prstGeom prst="straightConnector1">
@@ -22122,8 +21670,8 @@
         </p:nvSpPr>
         <p:spPr>
           <a:xfrm>
-            <a:off x="7730436" y="8020508"/>
-            <a:ext cx="2861364" cy="657331"/>
+            <a:off x="8348998" y="7361605"/>
+            <a:ext cx="3586292" cy="657331"/>
           </a:xfrm>
           <a:prstGeom prst="rect">
             <a:avLst/>
@@ -22190,7 +21738,7 @@
                 <a:ea typeface="Calibri" panose="020F0502020204030204" pitchFamily="34" charset="0"/>
                 <a:cs typeface="Calibri" panose="020F0502020204030204" pitchFamily="34" charset="0"/>
               </a:rPr>
-              <a:t>(39 factors across 8 categories)</a:t>
+              <a:t>(35 factors across 8 categories)</a:t>
             </a:r>
           </a:p>
         </p:txBody>
@@ -22213,7 +21761,7 @@
         </p:nvCxnSpPr>
         <p:spPr>
           <a:xfrm>
-            <a:off x="7438943" y="8347084"/>
+            <a:off x="8057505" y="7688181"/>
             <a:ext cx="291493" cy="2090"/>
           </a:xfrm>
           <a:prstGeom prst="straightConnector1">
@@ -22252,7 +21800,7 @@
         </p:nvSpPr>
         <p:spPr>
           <a:xfrm>
-            <a:off x="3967906" y="8857663"/>
+            <a:off x="4586468" y="8198760"/>
             <a:ext cx="3485806" cy="566875"/>
           </a:xfrm>
           <a:prstGeom prst="rect">
@@ -22301,7 +21849,7 @@
                 <a:cs typeface="Calibri"/>
                 <a:sym typeface="Calibri"/>
               </a:rPr>
-              <a:t>(131 factors across 13 categories)</a:t>
+              <a:t> (119 factors across 13 categories)</a:t>
             </a:r>
           </a:p>
         </p:txBody>
@@ -22320,8 +21868,8 @@
         </p:nvSpPr>
         <p:spPr>
           <a:xfrm>
-            <a:off x="7730213" y="8853100"/>
-            <a:ext cx="3911660" cy="576000"/>
+            <a:off x="8348775" y="8153856"/>
+            <a:ext cx="3592213" cy="654874"/>
           </a:xfrm>
           <a:prstGeom prst="rect">
             <a:avLst/>
@@ -22389,7 +21937,7 @@
                 <a:ea typeface="Calibri" panose="020F0502020204030204" pitchFamily="34" charset="0"/>
                 <a:cs typeface="Calibri" panose="020F0502020204030204" pitchFamily="34" charset="0"/>
               </a:rPr>
-              <a:t>(29 factors across 10 categories)</a:t>
+              <a:t>(31 factors across 10 categories)</a:t>
             </a:r>
           </a:p>
         </p:txBody>
@@ -22412,8 +21960,8 @@
         </p:nvCxnSpPr>
         <p:spPr>
           <a:xfrm flipV="1">
-            <a:off x="7453712" y="9141100"/>
-            <a:ext cx="276501" cy="1"/>
+            <a:off x="8072274" y="8481293"/>
+            <a:ext cx="276501" cy="905"/>
           </a:xfrm>
           <a:prstGeom prst="straightConnector1">
             <a:avLst/>
@@ -22455,7 +22003,7 @@
         </p:nvCxnSpPr>
         <p:spPr>
           <a:xfrm>
-            <a:off x="5705111" y="8619826"/>
+            <a:off x="6323673" y="7960923"/>
             <a:ext cx="5698" cy="237837"/>
           </a:xfrm>
           <a:prstGeom prst="straightConnector1">
@@ -22498,8 +22046,8 @@
         </p:nvCxnSpPr>
         <p:spPr>
           <a:xfrm flipH="1">
-            <a:off x="5701738" y="9424538"/>
-            <a:ext cx="9071" cy="194597"/>
+            <a:off x="6325458" y="8765635"/>
+            <a:ext cx="3913" cy="275279"/>
           </a:xfrm>
           <a:prstGeom prst="straightConnector1">
             <a:avLst/>
@@ -22537,8 +22085,8 @@
         </p:nvSpPr>
         <p:spPr>
           <a:xfrm>
-            <a:off x="3967905" y="9619135"/>
-            <a:ext cx="3467665" cy="996170"/>
+            <a:off x="4593410" y="9040914"/>
+            <a:ext cx="3464095" cy="1016908"/>
           </a:xfrm>
           <a:prstGeom prst="rect">
             <a:avLst/>
@@ -22571,7 +22119,7 @@
                 <a:cs typeface="Calibri"/>
                 <a:sym typeface="Calibri"/>
               </a:rPr>
-              <a:t>Retained after feature selection with three algorithms and SVM </a:t>
+              <a:t>Retained after feature selection with three algorithms and Support Vector Machine classifier (13 direct predictors of </a:t>
             </a:r>
           </a:p>
           <a:p>
@@ -22586,22 +22134,7 @@
                 <a:cs typeface="Calibri"/>
                 <a:sym typeface="Calibri"/>
               </a:rPr>
-              <a:t>(13 direct predictors of </a:t>
-            </a:r>
-          </a:p>
-          <a:p>
-            <a:pPr algn="ctr"/>
-            <a:r>
-              <a:rPr lang="en-US" sz="1500" dirty="0">
-                <a:solidFill>
-                  <a:schemeClr val="dk1"/>
-                </a:solidFill>
-                <a:latin typeface="Calibri"/>
-                <a:ea typeface="Calibri"/>
-                <a:cs typeface="Calibri"/>
-                <a:sym typeface="Calibri"/>
-              </a:rPr>
-              <a:t>DFS adoption across 7 categories)</a:t>
+              <a:t>DFS adoption across 8 categories)</a:t>
             </a:r>
           </a:p>
         </p:txBody>
@@ -22620,8 +22153,8 @@
         </p:nvSpPr>
         <p:spPr>
           <a:xfrm>
-            <a:off x="7688315" y="9722733"/>
-            <a:ext cx="3953558" cy="788975"/>
+            <a:off x="8306877" y="9144512"/>
+            <a:ext cx="3634111" cy="788975"/>
           </a:xfrm>
           <a:prstGeom prst="rect">
             <a:avLst/>
@@ -22673,7 +22206,7 @@
                 <a:ea typeface="Calibri" panose="020F0502020204030204" pitchFamily="34" charset="0"/>
                 <a:cs typeface="Calibri" panose="020F0502020204030204" pitchFamily="34" charset="0"/>
               </a:rPr>
-              <a:t>Feature selection algorithms (118 factors across 13 categories)</a:t>
+              <a:t>Feature selection algorithms (106 factors across 13 categories)</a:t>
             </a:r>
           </a:p>
         </p:txBody>
@@ -22695,9 +22228,9 @@
           <p:nvPr/>
         </p:nvCxnSpPr>
         <p:spPr>
-          <a:xfrm>
-            <a:off x="7435570" y="10117220"/>
-            <a:ext cx="252745" cy="1"/>
+          <a:xfrm flipV="1">
+            <a:off x="8057505" y="9539000"/>
+            <a:ext cx="249372" cy="10368"/>
           </a:xfrm>
           <a:prstGeom prst="straightConnector1">
             <a:avLst/>
@@ -22739,8 +22272,8 @@
         </p:nvCxnSpPr>
         <p:spPr>
           <a:xfrm>
-            <a:off x="5708679" y="6971587"/>
-            <a:ext cx="1" cy="217396"/>
+            <a:off x="6327241" y="6191661"/>
+            <a:ext cx="1" cy="338419"/>
           </a:xfrm>
           <a:prstGeom prst="straightConnector1">
             <a:avLst/>
@@ -22766,51 +22299,6 @@
       </p:cxnSp>
       <p:sp>
         <p:nvSpPr>
-          <p:cNvPr id="108" name="Google Shape;96;p13">
-            <a:extLst>
-              <a:ext uri="{FF2B5EF4-FFF2-40B4-BE49-F238E27FC236}">
-                <a16:creationId xmlns:a16="http://schemas.microsoft.com/office/drawing/2014/main" id="{83625CCF-BDFE-A50F-6ED0-CA7BFA1A1105}"/>
-              </a:ext>
-            </a:extLst>
-          </p:cNvPr>
-          <p:cNvSpPr/>
-          <p:nvPr/>
-        </p:nvSpPr>
-        <p:spPr>
-          <a:xfrm>
-            <a:off x="539993" y="10696491"/>
-            <a:ext cx="738404" cy="1737435"/>
-          </a:xfrm>
-          <a:prstGeom prst="roundRect">
-            <a:avLst>
-              <a:gd name="adj" fmla="val 16667"/>
-            </a:avLst>
-          </a:prstGeom>
-          <a:solidFill>
-            <a:schemeClr val="accent1"/>
-          </a:solidFill>
-          <a:ln w="12700" cap="flat" cmpd="sng">
-            <a:solidFill>
-              <a:srgbClr val="31538F"/>
-            </a:solidFill>
-            <a:prstDash val="solid"/>
-            <a:miter lim="800000"/>
-            <a:headEnd type="none" w="sm" len="sm"/>
-            <a:tailEnd type="none" w="sm" len="sm"/>
-          </a:ln>
-        </p:spPr>
-        <p:txBody>
-          <a:bodyPr spcFirstLastPara="1" wrap="square" lIns="91425" tIns="91425" rIns="91425" bIns="91425" anchor="ctr" anchorCtr="0">
-            <a:noAutofit/>
-          </a:bodyPr>
-          <a:lstStyle/>
-          <a:p>
-            <a:endParaRPr/>
-          </a:p>
-        </p:txBody>
-      </p:sp>
-      <p:sp>
-        <p:nvSpPr>
           <p:cNvPr id="109" name="Google Shape;100;p13">
             <a:extLst>
               <a:ext uri="{FF2B5EF4-FFF2-40B4-BE49-F238E27FC236}">
@@ -22823,8 +22311,8 @@
         </p:nvSpPr>
         <p:spPr>
           <a:xfrm>
-            <a:off x="2829559" y="11076026"/>
-            <a:ext cx="5758241" cy="390018"/>
+            <a:off x="4169610" y="10407427"/>
+            <a:ext cx="4308544" cy="910700"/>
           </a:xfrm>
           <a:prstGeom prst="rect">
             <a:avLst/>
@@ -22858,124 +22346,38 @@
               </a:rPr>
               <a:t>LOGISTIC REGRESSION</a:t>
             </a:r>
-            <a:endParaRPr sz="2000" b="1" dirty="0">
-              <a:solidFill>
-                <a:schemeClr val="bg1"/>
-              </a:solidFill>
-            </a:endParaRPr>
           </a:p>
-        </p:txBody>
-      </p:sp>
-      <p:cxnSp>
-        <p:nvCxnSpPr>
-          <p:cNvPr id="110" name="Straight Arrow Connector 109">
-            <a:extLst>
-              <a:ext uri="{FF2B5EF4-FFF2-40B4-BE49-F238E27FC236}">
-                <a16:creationId xmlns:a16="http://schemas.microsoft.com/office/drawing/2014/main" id="{B012A406-70C6-22CF-814A-99753EA99293}"/>
-              </a:ext>
-            </a:extLst>
-          </p:cNvPr>
-          <p:cNvCxnSpPr>
-            <a:cxnSpLocks/>
-            <a:stCxn id="109" idx="2"/>
-            <a:endCxn id="119" idx="0"/>
-          </p:cNvCxnSpPr>
-          <p:nvPr/>
-        </p:nvCxnSpPr>
-        <p:spPr>
-          <a:xfrm flipH="1">
-            <a:off x="5703193" y="11466044"/>
-            <a:ext cx="5487" cy="302674"/>
-          </a:xfrm>
-          <a:prstGeom prst="straightConnector1">
-            <a:avLst/>
-          </a:prstGeom>
-          <a:ln>
-            <a:tailEnd type="triangle"/>
-          </a:ln>
-        </p:spPr>
-        <p:style>
-          <a:lnRef idx="1">
-            <a:schemeClr val="accent1"/>
-          </a:lnRef>
-          <a:fillRef idx="0">
-            <a:schemeClr val="accent1"/>
-          </a:fillRef>
-          <a:effectRef idx="0">
-            <a:schemeClr val="accent1"/>
-          </a:effectRef>
-          <a:fontRef idx="minor">
-            <a:schemeClr val="tx1"/>
-          </a:fontRef>
-        </p:style>
-      </p:cxnSp>
-      <p:sp>
-        <p:nvSpPr>
-          <p:cNvPr id="111" name="Google Shape;97;p13">
-            <a:extLst>
-              <a:ext uri="{FF2B5EF4-FFF2-40B4-BE49-F238E27FC236}">
-                <a16:creationId xmlns:a16="http://schemas.microsoft.com/office/drawing/2014/main" id="{E65D6EE0-6B7F-D0DF-85D4-D09423A4AA92}"/>
-              </a:ext>
-            </a:extLst>
-          </p:cNvPr>
-          <p:cNvSpPr txBox="1"/>
-          <p:nvPr/>
-        </p:nvSpPr>
-        <p:spPr>
-          <a:xfrm rot="16200000">
-            <a:off x="67948" y="11237506"/>
-            <a:ext cx="1737437" cy="517916"/>
-          </a:xfrm>
-          <a:prstGeom prst="rect">
-            <a:avLst/>
-          </a:prstGeom>
-          <a:noFill/>
-          <a:ln>
-            <a:noFill/>
-          </a:ln>
-        </p:spPr>
-        <p:txBody>
-          <a:bodyPr spcFirstLastPara="1" wrap="square" lIns="91425" tIns="45700" rIns="91425" bIns="45700" anchor="ctr" anchorCtr="0">
-            <a:noAutofit/>
-          </a:bodyPr>
-          <a:lstStyle/>
           <a:p>
             <a:pPr algn="ctr"/>
             <a:r>
-              <a:rPr lang="en-GB" sz="1600" b="1" dirty="0">
-                <a:solidFill>
-                  <a:schemeClr val="lt1"/>
-                </a:solidFill>
-                <a:latin typeface="Calibri"/>
-                <a:ea typeface="Calibri"/>
+              <a:rPr lang="en-US" sz="1800" dirty="0">
+                <a:solidFill>
+                  <a:schemeClr val="bg1"/>
+                </a:solidFill>
+                <a:latin typeface="Calibri"/>
                 <a:cs typeface="Calibri"/>
                 <a:sym typeface="Calibri"/>
               </a:rPr>
-              <a:t>Significant direct predictors of </a:t>
+              <a:t>Dependent variable: DFS adoption</a:t>
             </a:r>
           </a:p>
           <a:p>
             <a:pPr algn="ctr"/>
             <a:r>
-              <a:rPr lang="en-GB" sz="1600" b="1" dirty="0">
-                <a:solidFill>
-                  <a:schemeClr val="lt1"/>
-                </a:solidFill>
-                <a:latin typeface="Calibri"/>
-                <a:ea typeface="Calibri"/>
+              <a:rPr lang="en-US" sz="1800" dirty="0">
+                <a:solidFill>
+                  <a:schemeClr val="bg1"/>
+                </a:solidFill>
+                <a:latin typeface="Calibri"/>
                 <a:cs typeface="Calibri"/>
                 <a:sym typeface="Calibri"/>
               </a:rPr>
-              <a:t>DFS adoption</a:t>
+              <a:t>Independent variables: 13 direct predictors</a:t>
             </a:r>
-            <a:endParaRPr sz="1600" b="1" dirty="0">
+            <a:endParaRPr sz="1800" dirty="0">
               <a:solidFill>
-                <a:schemeClr val="lt1"/>
+                <a:schemeClr val="bg1"/>
               </a:solidFill>
-              <a:latin typeface="Calibri"/>
-              <a:ea typeface="Calibri"/>
-              <a:cs typeface="Calibri"/>
-              <a:sym typeface="Calibri"/>
             </a:endParaRPr>
           </a:p>
         </p:txBody>
@@ -22998,8 +22400,8 @@
         </p:nvCxnSpPr>
         <p:spPr>
           <a:xfrm flipV="1">
-            <a:off x="7819558" y="13325615"/>
-            <a:ext cx="442298" cy="8385"/>
+            <a:off x="8884830" y="14289178"/>
+            <a:ext cx="248338" cy="11182"/>
           </a:xfrm>
           <a:prstGeom prst="straightConnector1">
             <a:avLst/>
@@ -23037,8 +22439,8 @@
         </p:nvSpPr>
         <p:spPr>
           <a:xfrm>
-            <a:off x="8261856" y="12805055"/>
-            <a:ext cx="3060528" cy="1041119"/>
+            <a:off x="9133168" y="13699713"/>
+            <a:ext cx="1692000" cy="1178930"/>
           </a:xfrm>
           <a:prstGeom prst="rect">
             <a:avLst/>
@@ -23090,7 +22492,7 @@
                 <a:ea typeface="Calibri" panose="020F0502020204030204" pitchFamily="34" charset="0"/>
                 <a:cs typeface="Calibri" panose="020F0502020204030204" pitchFamily="34" charset="0"/>
               </a:rPr>
-              <a:t>Irrelevant (156)</a:t>
+              <a:t>Irrelevant (135)</a:t>
             </a:r>
           </a:p>
           <a:p>
@@ -23124,7 +22526,7 @@
                 <a:ea typeface="Calibri" panose="020F0502020204030204" pitchFamily="34" charset="0"/>
                 <a:cs typeface="Calibri" panose="020F0502020204030204" pitchFamily="34" charset="0"/>
               </a:rPr>
-              <a:t>Feature selection algorithms (19)</a:t>
+              <a:t>Feature selection algorithms (26)</a:t>
             </a:r>
             <a:endParaRPr lang="en-US" sz="1500" dirty="0">
               <a:latin typeface="Calibri" panose="020F0502020204030204" pitchFamily="34" charset="0"/>
@@ -23148,8 +22550,8 @@
         </p:nvSpPr>
         <p:spPr>
           <a:xfrm>
-            <a:off x="3601794" y="12968719"/>
-            <a:ext cx="4217764" cy="730561"/>
+            <a:off x="6364830" y="13484796"/>
+            <a:ext cx="2520000" cy="1631128"/>
           </a:xfrm>
           <a:prstGeom prst="rect">
             <a:avLst/>
@@ -23182,7 +22584,7 @@
                 <a:cs typeface="Calibri"/>
                 <a:sym typeface="Calibri"/>
               </a:rPr>
-              <a:t>Training participation</a:t>
+              <a:t>Dependent variable: Training participation</a:t>
             </a:r>
           </a:p>
           <a:p>
@@ -23240,8 +22642,8 @@
         </p:nvGrpSpPr>
         <p:grpSpPr>
           <a:xfrm>
-            <a:off x="515308" y="12515111"/>
-            <a:ext cx="738404" cy="3251994"/>
+            <a:off x="554694" y="10330874"/>
+            <a:ext cx="738404" cy="5142587"/>
             <a:chOff x="3471562" y="14082833"/>
             <a:chExt cx="738404" cy="5054946"/>
           </a:xfrm>
@@ -23333,7 +22735,7 @@
                   <a:cs typeface="Calibri"/>
                   <a:sym typeface="Calibri"/>
                 </a:rPr>
-                <a:t>Selection and prioritization of indirect predictors of DFS adoption</a:t>
+                <a:t>V) Selection and prioritization of indirect predictors of DFS adoption</a:t>
               </a:r>
               <a:endParaRPr sz="1600" b="1" dirty="0">
                 <a:solidFill>
@@ -23362,8 +22764,8 @@
         </p:nvSpPr>
         <p:spPr>
           <a:xfrm>
-            <a:off x="4389657" y="11768718"/>
-            <a:ext cx="2627071" cy="527702"/>
+            <a:off x="8186626" y="11855476"/>
+            <a:ext cx="3513273" cy="1016341"/>
           </a:xfrm>
           <a:prstGeom prst="rect">
             <a:avLst/>
@@ -23385,10 +22787,20 @@
           </a:bodyPr>
           <a:lstStyle/>
           <a:p>
+            <a:r>
+              <a:rPr lang="en-US" sz="1600" u="sng" dirty="0">
+                <a:solidFill>
+                  <a:schemeClr val="dk1"/>
+                </a:solidFill>
+                <a:latin typeface="Calibri"/>
+                <a:cs typeface="Calibri"/>
+                <a:sym typeface="Calibri"/>
+              </a:rPr>
+              <a:t>Significant direct predictors (p≤0.05):</a:t>
+            </a:r>
+          </a:p>
+          <a:p>
             <a:pPr marL="285750" indent="-285750">
-              <a:lnSpc>
-                <a:spcPts val="1300"/>
-              </a:lnSpc>
               <a:buFont typeface="Arial" panose="020B0604020202020204" pitchFamily="34" charset="0"/>
               <a:buChar char="•"/>
             </a:pPr>
@@ -23406,9 +22818,6 @@
           </a:p>
           <a:p>
             <a:pPr marL="285750" indent="-285750">
-              <a:lnSpc>
-                <a:spcPts val="1300"/>
-              </a:lnSpc>
               <a:buFont typeface="Arial" panose="020B0604020202020204" pitchFamily="34" charset="0"/>
               <a:buChar char="•"/>
             </a:pPr>
@@ -23421,7 +22830,7 @@
                 <a:cs typeface="Calibri"/>
                 <a:sym typeface="Calibri"/>
               </a:rPr>
-              <a:t>Governance involvement</a:t>
+              <a:t>Perceived effectiveness of current farming systems</a:t>
             </a:r>
           </a:p>
         </p:txBody>
@@ -23443,9 +22852,9 @@
           <p:nvPr/>
         </p:nvCxnSpPr>
         <p:spPr>
-          <a:xfrm>
-            <a:off x="7819558" y="14768382"/>
-            <a:ext cx="442298" cy="0"/>
+          <a:xfrm flipV="1">
+            <a:off x="13649473" y="14296808"/>
+            <a:ext cx="304307" cy="3552"/>
           </a:xfrm>
           <a:prstGeom prst="straightConnector1">
             <a:avLst/>
@@ -23483,8 +22892,8 @@
         </p:nvSpPr>
         <p:spPr>
           <a:xfrm>
-            <a:off x="8261856" y="14247822"/>
-            <a:ext cx="3060529" cy="1041119"/>
+            <a:off x="13953780" y="13707225"/>
+            <a:ext cx="1692000" cy="1179165"/>
           </a:xfrm>
           <a:prstGeom prst="rect">
             <a:avLst/>
@@ -23536,7 +22945,7 @@
                 <a:ea typeface="Calibri" panose="020F0502020204030204" pitchFamily="34" charset="0"/>
                 <a:cs typeface="Calibri" panose="020F0502020204030204" pitchFamily="34" charset="0"/>
               </a:rPr>
-              <a:t>Irrelevant (128)</a:t>
+              <a:t>Irrelevant (125)</a:t>
             </a:r>
           </a:p>
           <a:p>
@@ -23553,7 +22962,7 @@
                 <a:ea typeface="Calibri" panose="020F0502020204030204" pitchFamily="34" charset="0"/>
                 <a:cs typeface="Calibri" panose="020F0502020204030204" pitchFamily="34" charset="0"/>
               </a:rPr>
-              <a:t>Redundant (19)</a:t>
+              <a:t>Redundant (16)</a:t>
             </a:r>
           </a:p>
           <a:p>
@@ -23570,7 +22979,7 @@
                 <a:ea typeface="Calibri" panose="020F0502020204030204" pitchFamily="34" charset="0"/>
                 <a:cs typeface="Calibri" panose="020F0502020204030204" pitchFamily="34" charset="0"/>
               </a:rPr>
-              <a:t>Feature selection algorithms (44)</a:t>
+              <a:t>Feature selection algorithms (30)</a:t>
             </a:r>
             <a:endParaRPr lang="en-US" sz="1500" dirty="0">
               <a:latin typeface="Calibri" panose="020F0502020204030204" pitchFamily="34" charset="0"/>
@@ -23594,8 +23003,8 @@
         </p:nvSpPr>
         <p:spPr>
           <a:xfrm>
-            <a:off x="3614716" y="14338382"/>
-            <a:ext cx="4204842" cy="860000"/>
+            <a:off x="11207280" y="13484796"/>
+            <a:ext cx="2442193" cy="1631128"/>
           </a:xfrm>
           <a:prstGeom prst="rect">
             <a:avLst/>
@@ -23617,23 +23026,7 @@
           </a:bodyPr>
           <a:lstStyle/>
           <a:p>
-            <a:pPr marL="0" marR="0" lvl="0" indent="0" algn="ctr" defTabSz="914400" rtl="0" eaLnBrk="1" fontAlgn="auto" latinLnBrk="0" hangingPunct="1">
-              <a:lnSpc>
-                <a:spcPct val="100000"/>
-              </a:lnSpc>
-              <a:spcBef>
-                <a:spcPts val="0"/>
-              </a:spcBef>
-              <a:spcAft>
-                <a:spcPts val="0"/>
-              </a:spcAft>
-              <a:buClr>
-                <a:srgbClr val="000000"/>
-              </a:buClr>
-              <a:buSzTx/>
-              <a:buFont typeface="Arial"/>
-              <a:buNone/>
-              <a:tabLst/>
+            <a:pPr lvl="0" algn="ctr">
               <a:defRPr/>
             </a:pPr>
             <a:r>
@@ -23642,11 +23035,30 @@
                   <a:schemeClr val="dk1"/>
                 </a:solidFill>
                 <a:latin typeface="Calibri"/>
+                <a:ea typeface="Calibri"/>
                 <a:cs typeface="Calibri"/>
                 <a:sym typeface="Calibri"/>
               </a:rPr>
-              <a:t>Governance involvement</a:t>
+              <a:t>Dependent variable: </a:t>
             </a:r>
+            <a:r>
+              <a:rPr lang="en-US" sz="1600" b="1" dirty="0">
+                <a:solidFill>
+                  <a:schemeClr val="dk1"/>
+                </a:solidFill>
+                <a:latin typeface="Calibri"/>
+                <a:cs typeface="Calibri"/>
+              </a:rPr>
+              <a:t>Perceived effectiveness of current farming systems</a:t>
+            </a:r>
+            <a:endParaRPr lang="en-US" sz="1600" b="1" dirty="0">
+              <a:solidFill>
+                <a:schemeClr val="dk1"/>
+              </a:solidFill>
+              <a:latin typeface="Calibri"/>
+              <a:cs typeface="Calibri"/>
+              <a:sym typeface="Calibri"/>
+            </a:endParaRPr>
           </a:p>
           <a:p>
             <a:pPr algn="ctr"/>
@@ -23675,52 +23087,242 @@
                 <a:cs typeface="Calibri"/>
                 <a:sym typeface="Calibri"/>
               </a:rPr>
-              <a:t>(8 indirect predictors across </a:t>
+              <a:t>(14 indirect predictors across 8 categories)</a:t>
             </a:r>
-            <a:r>
-              <a:rPr lang="en-US" sz="1500">
-                <a:solidFill>
-                  <a:schemeClr val="dk1"/>
-                </a:solidFill>
-                <a:latin typeface="Calibri"/>
-                <a:ea typeface="Calibri"/>
-                <a:cs typeface="Calibri"/>
-                <a:sym typeface="Calibri"/>
-              </a:rPr>
-              <a:t>5 categories)</a:t>
-            </a:r>
-            <a:endParaRPr lang="en-US" sz="1500" dirty="0">
-              <a:solidFill>
-                <a:schemeClr val="dk1"/>
-              </a:solidFill>
-              <a:latin typeface="Calibri"/>
-              <a:ea typeface="Calibri"/>
-              <a:cs typeface="Calibri"/>
-              <a:sym typeface="Calibri"/>
-            </a:endParaRPr>
           </a:p>
         </p:txBody>
       </p:sp>
       <p:cxnSp>
         <p:nvCxnSpPr>
-          <p:cNvPr id="128" name="Straight Arrow Connector 127">
+          <p:cNvPr id="192" name="Straight Arrow Connector 191">
             <a:extLst>
               <a:ext uri="{FF2B5EF4-FFF2-40B4-BE49-F238E27FC236}">
-                <a16:creationId xmlns:a16="http://schemas.microsoft.com/office/drawing/2014/main" id="{8735B614-0589-A120-3867-CD1B34305C2F}"/>
+                <a16:creationId xmlns:a16="http://schemas.microsoft.com/office/drawing/2014/main" id="{7B9CFBDC-6440-462E-37E5-2A985C6DF3BD}"/>
               </a:ext>
             </a:extLst>
           </p:cNvPr>
           <p:cNvCxnSpPr>
             <a:cxnSpLocks/>
-            <a:stCxn id="115" idx="2"/>
-            <a:endCxn id="135" idx="0"/>
+            <a:stCxn id="68" idx="2"/>
+            <a:endCxn id="109" idx="0"/>
+          </p:cNvCxnSpPr>
+          <p:nvPr/>
+        </p:nvCxnSpPr>
+        <p:spPr>
+          <a:xfrm flipH="1">
+            <a:off x="6323882" y="10057822"/>
+            <a:ext cx="1576" cy="349605"/>
+          </a:xfrm>
+          <a:prstGeom prst="straightConnector1">
+            <a:avLst/>
+          </a:prstGeom>
+          <a:ln>
+            <a:tailEnd type="triangle"/>
+          </a:ln>
+        </p:spPr>
+        <p:style>
+          <a:lnRef idx="1">
+            <a:schemeClr val="accent1"/>
+          </a:lnRef>
+          <a:fillRef idx="0">
+            <a:schemeClr val="accent1"/>
+          </a:fillRef>
+          <a:effectRef idx="0">
+            <a:schemeClr val="accent1"/>
+          </a:effectRef>
+          <a:fontRef idx="minor">
+            <a:schemeClr val="tx1"/>
+          </a:fontRef>
+        </p:style>
+      </p:cxnSp>
+      <p:sp>
+        <p:nvSpPr>
+          <p:cNvPr id="15" name="Google Shape;95;p13">
+            <a:extLst>
+              <a:ext uri="{FF2B5EF4-FFF2-40B4-BE49-F238E27FC236}">
+                <a16:creationId xmlns:a16="http://schemas.microsoft.com/office/drawing/2014/main" id="{B047A05C-AB60-78C3-CC76-E2ADFA1FC546}"/>
+              </a:ext>
+            </a:extLst>
+          </p:cNvPr>
+          <p:cNvSpPr/>
+          <p:nvPr/>
+        </p:nvSpPr>
+        <p:spPr>
+          <a:xfrm>
+            <a:off x="8134814" y="252629"/>
+            <a:ext cx="3072467" cy="863040"/>
+          </a:xfrm>
+          <a:prstGeom prst="rect">
+            <a:avLst/>
+          </a:prstGeom>
+          <a:noFill/>
+          <a:ln w="12700" cap="flat" cmpd="sng">
+            <a:solidFill>
+              <a:srgbClr val="31538F"/>
+            </a:solidFill>
+            <a:prstDash val="solid"/>
+            <a:miter lim="800000"/>
+            <a:headEnd type="none" w="sm" len="sm"/>
+            <a:tailEnd type="none" w="sm" len="sm"/>
+          </a:ln>
+        </p:spPr>
+        <p:txBody>
+          <a:bodyPr spcFirstLastPara="1" wrap="square" lIns="91425" tIns="45700" rIns="91425" bIns="45700" anchor="ctr" anchorCtr="0">
+            <a:noAutofit/>
+          </a:bodyPr>
+          <a:lstStyle/>
+          <a:p>
+            <a:pPr algn="ctr"/>
+            <a:r>
+              <a:rPr lang="en-GB" sz="1600" b="1" dirty="0">
+                <a:solidFill>
+                  <a:schemeClr val="dk1"/>
+                </a:solidFill>
+                <a:latin typeface="Calibri"/>
+                <a:ea typeface="Calibri"/>
+                <a:cs typeface="Calibri"/>
+                <a:sym typeface="Calibri"/>
+              </a:rPr>
+              <a:t>Context document Ucayali, Peru </a:t>
+            </a:r>
+          </a:p>
+          <a:p>
+            <a:pPr algn="ctr"/>
+            <a:r>
+              <a:rPr lang="en-GB" sz="1600" b="1" dirty="0">
+                <a:solidFill>
+                  <a:schemeClr val="dk1"/>
+                </a:solidFill>
+                <a:latin typeface="Calibri"/>
+                <a:ea typeface="Calibri"/>
+                <a:cs typeface="Calibri"/>
+                <a:sym typeface="Calibri"/>
+              </a:rPr>
+              <a:t>(Pareja et al., 2023)</a:t>
+            </a:r>
+            <a:endParaRPr lang="en-GB" sz="1600" b="1" dirty="0"/>
+          </a:p>
+          <a:p>
+            <a:pPr algn="ctr"/>
+            <a:r>
+              <a:rPr lang="en-GB" sz="1600" dirty="0">
+                <a:solidFill>
+                  <a:schemeClr val="dk1"/>
+                </a:solidFill>
+                <a:latin typeface="Calibri"/>
+                <a:ea typeface="Calibri"/>
+                <a:cs typeface="Calibri"/>
+                <a:sym typeface="Calibri"/>
+              </a:rPr>
+              <a:t>(61 factors)</a:t>
+            </a:r>
+          </a:p>
+        </p:txBody>
+      </p:sp>
+      <p:cxnSp>
+        <p:nvCxnSpPr>
+          <p:cNvPr id="27" name="Connector: Elbow 26">
+            <a:extLst>
+              <a:ext uri="{FF2B5EF4-FFF2-40B4-BE49-F238E27FC236}">
+                <a16:creationId xmlns:a16="http://schemas.microsoft.com/office/drawing/2014/main" id="{0E1770DD-0E03-9E81-4F92-AA6ACE44AD81}"/>
+              </a:ext>
+            </a:extLst>
+          </p:cNvPr>
+          <p:cNvCxnSpPr>
+            <a:stCxn id="93" idx="2"/>
+            <a:endCxn id="23" idx="0"/>
+          </p:cNvCxnSpPr>
+          <p:nvPr/>
+        </p:nvCxnSpPr>
+        <p:spPr>
+          <a:xfrm rot="16200000" flipH="1">
+            <a:off x="4213463" y="-115430"/>
+            <a:ext cx="928847" cy="3328925"/>
+          </a:xfrm>
+          <a:prstGeom prst="bentConnector3">
+            <a:avLst/>
+          </a:prstGeom>
+          <a:ln>
+            <a:headEnd type="none" w="med" len="med"/>
+            <a:tailEnd type="triangle" w="med" len="med"/>
+          </a:ln>
+        </p:spPr>
+        <p:style>
+          <a:lnRef idx="1">
+            <a:schemeClr val="accent1"/>
+          </a:lnRef>
+          <a:fillRef idx="0">
+            <a:schemeClr val="accent1"/>
+          </a:fillRef>
+          <a:effectRef idx="0">
+            <a:schemeClr val="accent1"/>
+          </a:effectRef>
+          <a:fontRef idx="minor">
+            <a:schemeClr val="tx1"/>
+          </a:fontRef>
+        </p:style>
+      </p:cxnSp>
+      <p:cxnSp>
+        <p:nvCxnSpPr>
+          <p:cNvPr id="29" name="Connector: Elbow 28">
+            <a:extLst>
+              <a:ext uri="{FF2B5EF4-FFF2-40B4-BE49-F238E27FC236}">
+                <a16:creationId xmlns:a16="http://schemas.microsoft.com/office/drawing/2014/main" id="{21B72669-70DB-E425-A08C-FF89683BD182}"/>
+              </a:ext>
+            </a:extLst>
+          </p:cNvPr>
+          <p:cNvCxnSpPr>
+            <a:stCxn id="15" idx="2"/>
+            <a:endCxn id="23" idx="0"/>
+          </p:cNvCxnSpPr>
+          <p:nvPr/>
+        </p:nvCxnSpPr>
+        <p:spPr>
+          <a:xfrm rot="5400000">
+            <a:off x="7557805" y="-99786"/>
+            <a:ext cx="897788" cy="3328699"/>
+          </a:xfrm>
+          <a:prstGeom prst="bentConnector3">
+            <a:avLst/>
+          </a:prstGeom>
+          <a:ln>
+            <a:tailEnd type="triangle"/>
+          </a:ln>
+        </p:spPr>
+        <p:style>
+          <a:lnRef idx="1">
+            <a:schemeClr val="accent1"/>
+          </a:lnRef>
+          <a:fillRef idx="0">
+            <a:schemeClr val="accent1"/>
+          </a:fillRef>
+          <a:effectRef idx="0">
+            <a:schemeClr val="accent1"/>
+          </a:effectRef>
+          <a:fontRef idx="minor">
+            <a:schemeClr val="tx1"/>
+          </a:fontRef>
+        </p:style>
+      </p:cxnSp>
+      <p:cxnSp>
+        <p:nvCxnSpPr>
+          <p:cNvPr id="32" name="Straight Arrow Connector 31">
+            <a:extLst>
+              <a:ext uri="{FF2B5EF4-FFF2-40B4-BE49-F238E27FC236}">
+                <a16:creationId xmlns:a16="http://schemas.microsoft.com/office/drawing/2014/main" id="{C8C6E5EC-40E2-DA45-3C64-E5AA1CD390C8}"/>
+              </a:ext>
+            </a:extLst>
+          </p:cNvPr>
+          <p:cNvCxnSpPr>
+            <a:stCxn id="45" idx="2"/>
+            <a:endCxn id="23" idx="0"/>
           </p:cNvCxnSpPr>
           <p:nvPr/>
         </p:nvCxnSpPr>
         <p:spPr>
           <a:xfrm>
-            <a:off x="5710676" y="13699280"/>
-            <a:ext cx="6461" cy="639102"/>
+            <a:off x="6342349" y="1084610"/>
+            <a:ext cx="0" cy="928847"/>
           </a:xfrm>
           <a:prstGeom prst="straightConnector1">
             <a:avLst/>
@@ -23746,24 +23348,23 @@
       </p:cxnSp>
       <p:cxnSp>
         <p:nvCxnSpPr>
-          <p:cNvPr id="129" name="Straight Arrow Connector 128">
+          <p:cNvPr id="34" name="Straight Arrow Connector 33">
             <a:extLst>
               <a:ext uri="{FF2B5EF4-FFF2-40B4-BE49-F238E27FC236}">
-                <a16:creationId xmlns:a16="http://schemas.microsoft.com/office/drawing/2014/main" id="{9E20D027-13CA-626C-5A3A-F9DB409841DA}"/>
+                <a16:creationId xmlns:a16="http://schemas.microsoft.com/office/drawing/2014/main" id="{4140F82A-7F7C-0684-5C9C-7A45CEADEA1B}"/>
               </a:ext>
             </a:extLst>
           </p:cNvPr>
           <p:cNvCxnSpPr>
-            <a:cxnSpLocks/>
-            <a:stCxn id="119" idx="2"/>
-            <a:endCxn id="115" idx="0"/>
+            <a:stCxn id="23" idx="2"/>
+            <a:endCxn id="98" idx="0"/>
           </p:cNvCxnSpPr>
           <p:nvPr/>
         </p:nvCxnSpPr>
         <p:spPr>
           <a:xfrm>
-            <a:off x="5703193" y="12296420"/>
-            <a:ext cx="7483" cy="672299"/>
+            <a:off x="6342349" y="2599943"/>
+            <a:ext cx="0" cy="364680"/>
           </a:xfrm>
           <a:prstGeom prst="straightConnector1">
             <a:avLst/>
@@ -23789,26 +23390,291 @@
       </p:cxnSp>
       <p:cxnSp>
         <p:nvCxnSpPr>
-          <p:cNvPr id="192" name="Straight Arrow Connector 191">
+          <p:cNvPr id="39" name="Google Shape;120;p13">
             <a:extLst>
               <a:ext uri="{FF2B5EF4-FFF2-40B4-BE49-F238E27FC236}">
-                <a16:creationId xmlns:a16="http://schemas.microsoft.com/office/drawing/2014/main" id="{7B9CFBDC-6440-462E-37E5-2A985C6DF3BD}"/>
+                <a16:creationId xmlns:a16="http://schemas.microsoft.com/office/drawing/2014/main" id="{B00AB8E5-BBB0-71B9-D473-BAA288AB676F}"/>
               </a:ext>
             </a:extLst>
           </p:cNvPr>
           <p:cNvCxnSpPr>
             <a:cxnSpLocks/>
-            <a:stCxn id="68" idx="2"/>
-            <a:endCxn id="109" idx="0"/>
+            <a:stCxn id="100" idx="2"/>
+            <a:endCxn id="219" idx="0"/>
           </p:cNvCxnSpPr>
           <p:nvPr/>
         </p:nvCxnSpPr>
         <p:spPr>
-          <a:xfrm>
-            <a:off x="5701738" y="10615305"/>
-            <a:ext cx="6942" cy="460721"/>
+          <a:xfrm flipH="1">
+            <a:off x="6327242" y="4599736"/>
+            <a:ext cx="15107" cy="373992"/>
           </a:xfrm>
           <a:prstGeom prst="straightConnector1">
+            <a:avLst/>
+          </a:prstGeom>
+          <a:noFill/>
+          <a:ln w="9525" cap="flat" cmpd="sng">
+            <a:solidFill>
+              <a:schemeClr val="accent1"/>
+            </a:solidFill>
+            <a:prstDash val="solid"/>
+            <a:miter lim="800000"/>
+            <a:headEnd type="none" w="sm" len="sm"/>
+            <a:tailEnd type="triangle" w="med" len="med"/>
+          </a:ln>
+        </p:spPr>
+      </p:cxnSp>
+      <p:sp>
+        <p:nvSpPr>
+          <p:cNvPr id="84" name="Google Shape;101;p13">
+            <a:extLst>
+              <a:ext uri="{FF2B5EF4-FFF2-40B4-BE49-F238E27FC236}">
+                <a16:creationId xmlns:a16="http://schemas.microsoft.com/office/drawing/2014/main" id="{FD6C64EF-3A77-3DF7-95ED-118AF1689B46}"/>
+              </a:ext>
+            </a:extLst>
+          </p:cNvPr>
+          <p:cNvSpPr/>
+          <p:nvPr/>
+        </p:nvSpPr>
+        <p:spPr>
+          <a:xfrm>
+            <a:off x="1759224" y="11855476"/>
+            <a:ext cx="4151704" cy="2290751"/>
+          </a:xfrm>
+          <a:prstGeom prst="rect">
+            <a:avLst/>
+          </a:prstGeom>
+          <a:noFill/>
+          <a:ln w="12700" cap="flat" cmpd="sng">
+            <a:solidFill>
+              <a:srgbClr val="31538F"/>
+            </a:solidFill>
+            <a:prstDash val="solid"/>
+            <a:miter lim="800000"/>
+            <a:headEnd type="none" w="sm" len="sm"/>
+            <a:tailEnd type="none" w="sm" len="sm"/>
+          </a:ln>
+        </p:spPr>
+        <p:txBody>
+          <a:bodyPr spcFirstLastPara="1" wrap="square" lIns="91425" tIns="45700" rIns="91425" bIns="45700" anchor="ctr" anchorCtr="0">
+            <a:noAutofit/>
+          </a:bodyPr>
+          <a:lstStyle/>
+          <a:p>
+            <a:r>
+              <a:rPr lang="en-US" sz="1600" u="sng" dirty="0">
+                <a:solidFill>
+                  <a:schemeClr val="dk1"/>
+                </a:solidFill>
+                <a:latin typeface="Calibri"/>
+                <a:cs typeface="Calibri"/>
+                <a:sym typeface="Calibri"/>
+              </a:rPr>
+              <a:t>Non-significant direct predictors (p≤0.05):</a:t>
+            </a:r>
+          </a:p>
+          <a:p>
+            <a:r>
+              <a:rPr lang="en-US" sz="1600" dirty="0">
+                <a:solidFill>
+                  <a:schemeClr val="dk1"/>
+                </a:solidFill>
+                <a:latin typeface="Calibri"/>
+                <a:cs typeface="Calibri"/>
+                <a:sym typeface="Calibri"/>
+              </a:rPr>
+              <a:t>soil pH; area under monoculture perennial; closest </a:t>
+            </a:r>
+            <a:r>
+              <a:rPr lang="en-US" sz="1600" dirty="0" err="1">
+                <a:solidFill>
+                  <a:schemeClr val="dk1"/>
+                </a:solidFill>
+                <a:latin typeface="Calibri"/>
+                <a:cs typeface="Calibri"/>
+                <a:sym typeface="Calibri"/>
+              </a:rPr>
+              <a:t>neighbour</a:t>
+            </a:r>
+            <a:r>
+              <a:rPr lang="en-US" sz="1600" dirty="0">
+                <a:solidFill>
+                  <a:schemeClr val="dk1"/>
+                </a:solidFill>
+                <a:latin typeface="Calibri"/>
+                <a:cs typeface="Calibri"/>
+                <a:sym typeface="Calibri"/>
+              </a:rPr>
+              <a:t> adopts DFS; income stability, years of farming land; extension frequency; household influence in resource governance; perception of association effectiveness; support from individuals in different community; </a:t>
+            </a:r>
+            <a:r>
+              <a:rPr lang="en-US" sz="1600" dirty="0">
+                <a:solidFill>
+                  <a:schemeClr val="dk1"/>
+                </a:solidFill>
+                <a:latin typeface="Calibri"/>
+                <a:cs typeface="Calibri"/>
+              </a:rPr>
+              <a:t>Support from local farmer cooperatives; household recovery capacity from shocks.</a:t>
+            </a:r>
+            <a:endParaRPr lang="en-US" sz="1600" dirty="0">
+              <a:solidFill>
+                <a:schemeClr val="dk1"/>
+              </a:solidFill>
+              <a:latin typeface="Calibri"/>
+              <a:cs typeface="Calibri"/>
+              <a:sym typeface="Calibri"/>
+            </a:endParaRPr>
+          </a:p>
+        </p:txBody>
+      </p:sp>
+      <p:cxnSp>
+        <p:nvCxnSpPr>
+          <p:cNvPr id="174" name="Connector: Elbow 173">
+            <a:extLst>
+              <a:ext uri="{FF2B5EF4-FFF2-40B4-BE49-F238E27FC236}">
+                <a16:creationId xmlns:a16="http://schemas.microsoft.com/office/drawing/2014/main" id="{BD1DF4C1-6545-D470-225B-C0C800FEF9A5}"/>
+              </a:ext>
+            </a:extLst>
+          </p:cNvPr>
+          <p:cNvCxnSpPr>
+            <a:stCxn id="109" idx="2"/>
+            <a:endCxn id="84" idx="0"/>
+          </p:cNvCxnSpPr>
+          <p:nvPr/>
+        </p:nvCxnSpPr>
+        <p:spPr>
+          <a:xfrm rot="5400000">
+            <a:off x="4810805" y="10342398"/>
+            <a:ext cx="537349" cy="2488806"/>
+          </a:xfrm>
+          <a:prstGeom prst="bentConnector3">
+            <a:avLst/>
+          </a:prstGeom>
+          <a:ln>
+            <a:tailEnd type="triangle"/>
+          </a:ln>
+        </p:spPr>
+        <p:style>
+          <a:lnRef idx="1">
+            <a:schemeClr val="accent1"/>
+          </a:lnRef>
+          <a:fillRef idx="0">
+            <a:schemeClr val="accent1"/>
+          </a:fillRef>
+          <a:effectRef idx="0">
+            <a:schemeClr val="accent1"/>
+          </a:effectRef>
+          <a:fontRef idx="minor">
+            <a:schemeClr val="tx1"/>
+          </a:fontRef>
+        </p:style>
+      </p:cxnSp>
+      <p:cxnSp>
+        <p:nvCxnSpPr>
+          <p:cNvPr id="176" name="Connector: Elbow 175">
+            <a:extLst>
+              <a:ext uri="{FF2B5EF4-FFF2-40B4-BE49-F238E27FC236}">
+                <a16:creationId xmlns:a16="http://schemas.microsoft.com/office/drawing/2014/main" id="{DEE7A45B-DD9C-6CDD-3B8E-DC10CC44BB5C}"/>
+              </a:ext>
+            </a:extLst>
+          </p:cNvPr>
+          <p:cNvCxnSpPr>
+            <a:stCxn id="109" idx="2"/>
+            <a:endCxn id="119" idx="0"/>
+          </p:cNvCxnSpPr>
+          <p:nvPr/>
+        </p:nvCxnSpPr>
+        <p:spPr>
+          <a:xfrm rot="16200000" flipH="1">
+            <a:off x="7864898" y="9777110"/>
+            <a:ext cx="537349" cy="3619381"/>
+          </a:xfrm>
+          <a:prstGeom prst="bentConnector3">
+            <a:avLst/>
+          </a:prstGeom>
+          <a:ln>
+            <a:tailEnd type="triangle"/>
+          </a:ln>
+        </p:spPr>
+        <p:style>
+          <a:lnRef idx="1">
+            <a:schemeClr val="accent1"/>
+          </a:lnRef>
+          <a:fillRef idx="0">
+            <a:schemeClr val="accent1"/>
+          </a:fillRef>
+          <a:effectRef idx="0">
+            <a:schemeClr val="accent1"/>
+          </a:effectRef>
+          <a:fontRef idx="minor">
+            <a:schemeClr val="tx1"/>
+          </a:fontRef>
+        </p:style>
+      </p:cxnSp>
+      <p:cxnSp>
+        <p:nvCxnSpPr>
+          <p:cNvPr id="178" name="Connector: Elbow 177">
+            <a:extLst>
+              <a:ext uri="{FF2B5EF4-FFF2-40B4-BE49-F238E27FC236}">
+                <a16:creationId xmlns:a16="http://schemas.microsoft.com/office/drawing/2014/main" id="{8501B73F-E24D-E058-EF2F-7B9C8233271F}"/>
+              </a:ext>
+            </a:extLst>
+          </p:cNvPr>
+          <p:cNvCxnSpPr>
+            <a:stCxn id="119" idx="2"/>
+            <a:endCxn id="115" idx="0"/>
+          </p:cNvCxnSpPr>
+          <p:nvPr/>
+        </p:nvCxnSpPr>
+        <p:spPr>
+          <a:xfrm rot="5400000">
+            <a:off x="8477558" y="12019090"/>
+            <a:ext cx="612979" cy="2318433"/>
+          </a:xfrm>
+          <a:prstGeom prst="bentConnector3">
+            <a:avLst/>
+          </a:prstGeom>
+          <a:ln>
+            <a:tailEnd type="triangle"/>
+          </a:ln>
+        </p:spPr>
+        <p:style>
+          <a:lnRef idx="1">
+            <a:schemeClr val="accent1"/>
+          </a:lnRef>
+          <a:fillRef idx="0">
+            <a:schemeClr val="accent1"/>
+          </a:fillRef>
+          <a:effectRef idx="0">
+            <a:schemeClr val="accent1"/>
+          </a:effectRef>
+          <a:fontRef idx="minor">
+            <a:schemeClr val="tx1"/>
+          </a:fontRef>
+        </p:style>
+      </p:cxnSp>
+      <p:cxnSp>
+        <p:nvCxnSpPr>
+          <p:cNvPr id="180" name="Connector: Elbow 179">
+            <a:extLst>
+              <a:ext uri="{FF2B5EF4-FFF2-40B4-BE49-F238E27FC236}">
+                <a16:creationId xmlns:a16="http://schemas.microsoft.com/office/drawing/2014/main" id="{684E4527-FD3F-F8CA-F748-6D154C7BDAE5}"/>
+              </a:ext>
+            </a:extLst>
+          </p:cNvPr>
+          <p:cNvCxnSpPr>
+            <a:stCxn id="119" idx="2"/>
+            <a:endCxn id="135" idx="0"/>
+          </p:cNvCxnSpPr>
+          <p:nvPr/>
+        </p:nvCxnSpPr>
+        <p:spPr>
+          <a:xfrm rot="16200000" flipH="1">
+            <a:off x="10879331" y="11935749"/>
+            <a:ext cx="612979" cy="2485114"/>
+          </a:xfrm>
+          <a:prstGeom prst="bentConnector3">
             <a:avLst/>
           </a:prstGeom>
           <a:ln>
@@ -23844,86 +23710,6 @@
 </file>
 
 <file path=ppt/slides/slide2.xml><?xml version="1.0" encoding="utf-8"?>
-<p:sld xmlns:a="http://schemas.openxmlformats.org/drawingml/2006/main" xmlns:r="http://schemas.openxmlformats.org/officeDocument/2006/relationships" xmlns:p="http://schemas.openxmlformats.org/presentationml/2006/main">
-  <p:cSld>
-    <p:spTree>
-      <p:nvGrpSpPr>
-        <p:cNvPr id="1" name=""/>
-        <p:cNvGrpSpPr/>
-        <p:nvPr/>
-      </p:nvGrpSpPr>
-      <p:grpSpPr>
-        <a:xfrm>
-          <a:off x="0" y="0"/>
-          <a:ext cx="0" cy="0"/>
-          <a:chOff x="0" y="0"/>
-          <a:chExt cx="0" cy="0"/>
-        </a:xfrm>
-      </p:grpSpPr>
-      <p:sp>
-        <p:nvSpPr>
-          <p:cNvPr id="2" name="Title 1">
-            <a:extLst>
-              <a:ext uri="{FF2B5EF4-FFF2-40B4-BE49-F238E27FC236}">
-                <a16:creationId xmlns:a16="http://schemas.microsoft.com/office/drawing/2014/main" id="{600E58E9-55DE-4966-11CF-2275115AF3D6}"/>
-              </a:ext>
-            </a:extLst>
-          </p:cNvPr>
-          <p:cNvSpPr>
-            <a:spLocks noGrp="1"/>
-          </p:cNvSpPr>
-          <p:nvPr>
-            <p:ph type="title"/>
-          </p:nvPr>
-        </p:nvSpPr>
-        <p:spPr/>
-        <p:txBody>
-          <a:bodyPr/>
-          <a:lstStyle/>
-          <a:p>
-            <a:endParaRPr lang="en-GB"/>
-          </a:p>
-        </p:txBody>
-      </p:sp>
-      <p:sp>
-        <p:nvSpPr>
-          <p:cNvPr id="3" name="Text Placeholder 2">
-            <a:extLst>
-              <a:ext uri="{FF2B5EF4-FFF2-40B4-BE49-F238E27FC236}">
-                <a16:creationId xmlns:a16="http://schemas.microsoft.com/office/drawing/2014/main" id="{FDCA4963-3877-F9BC-B13B-FB4CE9CDBCA8}"/>
-              </a:ext>
-            </a:extLst>
-          </p:cNvPr>
-          <p:cNvSpPr>
-            <a:spLocks noGrp="1"/>
-          </p:cNvSpPr>
-          <p:nvPr>
-            <p:ph type="body" idx="1"/>
-          </p:nvPr>
-        </p:nvSpPr>
-        <p:spPr/>
-        <p:txBody>
-          <a:bodyPr/>
-          <a:lstStyle/>
-          <a:p>
-            <a:endParaRPr lang="en-GB"/>
-          </a:p>
-        </p:txBody>
-      </p:sp>
-    </p:spTree>
-    <p:extLst>
-      <p:ext uri="{BB962C8B-B14F-4D97-AF65-F5344CB8AC3E}">
-        <p14:creationId xmlns:p14="http://schemas.microsoft.com/office/powerpoint/2010/main" val="3051111749"/>
-      </p:ext>
-    </p:extLst>
-  </p:cSld>
-  <p:clrMapOvr>
-    <a:masterClrMapping/>
-  </p:clrMapOvr>
-</p:sld>
-</file>
-
-<file path=ppt/slides/slide3.xml><?xml version="1.0" encoding="utf-8"?>
 <p:sld xmlns:a="http://schemas.openxmlformats.org/drawingml/2006/main" xmlns:r="http://schemas.openxmlformats.org/officeDocument/2006/relationships" xmlns:p="http://schemas.openxmlformats.org/presentationml/2006/main">
   <p:cSld>
     <p:spTree>
@@ -25432,7 +25218,7 @@
 </p:sld>
 </file>
 
-<file path=ppt/slides/slide4.xml><?xml version="1.0" encoding="utf-8"?>
+<file path=ppt/slides/slide3.xml><?xml version="1.0" encoding="utf-8"?>
 <p:sld xmlns:a="http://schemas.openxmlformats.org/drawingml/2006/main" xmlns:r="http://schemas.openxmlformats.org/officeDocument/2006/relationships" xmlns:p="http://schemas.openxmlformats.org/presentationml/2006/main">
   <p:cSld>
     <p:spTree>
@@ -27550,7 +27336,7 @@
 </p:sld>
 </file>
 
-<file path=ppt/slides/slide5.xml><?xml version="1.0" encoding="utf-8"?>
+<file path=ppt/slides/slide4.xml><?xml version="1.0" encoding="utf-8"?>
 <p:sld xmlns:a="http://schemas.openxmlformats.org/drawingml/2006/main" xmlns:r="http://schemas.openxmlformats.org/officeDocument/2006/relationships" xmlns:p="http://schemas.openxmlformats.org/presentationml/2006/main">
   <p:cSld>
     <p:spTree>
